--- a/myLib/Presentazione_proggetto_FIA.pptx
+++ b/myLib/Presentazione_proggetto_FIA.pptx
@@ -20,14 +20,14 @@
     <p:sldId id="267" r:id="rId11"/>
     <p:sldId id="272" r:id="rId12"/>
     <p:sldId id="273" r:id="rId13"/>
-    <p:sldId id="263" r:id="rId14"/>
-    <p:sldId id="276" r:id="rId15"/>
-    <p:sldId id="274" r:id="rId16"/>
-    <p:sldId id="264" r:id="rId17"/>
-    <p:sldId id="281" r:id="rId18"/>
-    <p:sldId id="282" r:id="rId19"/>
-    <p:sldId id="278" r:id="rId20"/>
-    <p:sldId id="259" r:id="rId21"/>
+    <p:sldId id="276" r:id="rId14"/>
+    <p:sldId id="274" r:id="rId15"/>
+    <p:sldId id="264" r:id="rId16"/>
+    <p:sldId id="281" r:id="rId17"/>
+    <p:sldId id="282" r:id="rId18"/>
+    <p:sldId id="278" r:id="rId19"/>
+    <p:sldId id="259" r:id="rId20"/>
+    <p:sldId id="263" r:id="rId21"/>
   </p:sldIdLst>
   <p:sldSz cx="12192000" cy="6858000"/>
   <p:notesSz cx="6858000" cy="9144000"/>
@@ -140,819 +140,6 @@
     <p1510:client id="{BEC792C9-6484-4570-B385-E1BC45AE12D9}" v="36" dt="2024-09-17T21:14:43.105"/>
   </p1510:revLst>
 </p1510:revInfo>
-</file>
-
-<file path=ppt/changesInfos/changesInfo1.xml><?xml version="1.0" encoding="utf-8"?>
-<pc:chgInfo xmlns:a="http://schemas.openxmlformats.org/drawingml/2006/main" xmlns:r="http://schemas.openxmlformats.org/officeDocument/2006/relationships" xmlns:ac="http://schemas.microsoft.com/office/drawing/2013/main/command" xmlns:pc="http://schemas.microsoft.com/office/powerpoint/2013/main/command">
-  <pc:docChgLst>
-    <pc:chgData name="ignazio emanuele picciche'" userId="0ffc6f3f-5a1e-4bcf-8207-6fcee5da7ade" providerId="ADAL" clId="{BEC792C9-6484-4570-B385-E1BC45AE12D9}"/>
-    <pc:docChg chg="undo custSel addSld delSld modSld">
-      <pc:chgData name="ignazio emanuele picciche'" userId="0ffc6f3f-5a1e-4bcf-8207-6fcee5da7ade" providerId="ADAL" clId="{BEC792C9-6484-4570-B385-E1BC45AE12D9}" dt="2024-09-17T21:14:43.105" v="680"/>
-      <pc:docMkLst>
-        <pc:docMk/>
-      </pc:docMkLst>
-      <pc:sldChg chg="modSp mod">
-        <pc:chgData name="ignazio emanuele picciche'" userId="0ffc6f3f-5a1e-4bcf-8207-6fcee5da7ade" providerId="ADAL" clId="{BEC792C9-6484-4570-B385-E1BC45AE12D9}" dt="2024-09-17T07:34:48.580" v="80" actId="1076"/>
-        <pc:sldMkLst>
-          <pc:docMk/>
-          <pc:sldMk cId="1719271780" sldId="256"/>
-        </pc:sldMkLst>
-        <pc:spChg chg="mod">
-          <ac:chgData name="ignazio emanuele picciche'" userId="0ffc6f3f-5a1e-4bcf-8207-6fcee5da7ade" providerId="ADAL" clId="{BEC792C9-6484-4570-B385-E1BC45AE12D9}" dt="2024-09-17T07:23:04.141" v="7" actId="1076"/>
-          <ac:spMkLst>
-            <pc:docMk/>
-            <pc:sldMk cId="1719271780" sldId="256"/>
-            <ac:spMk id="7" creationId="{732956AA-D99A-8792-7A0B-1645EE828149}"/>
-          </ac:spMkLst>
-        </pc:spChg>
-        <pc:spChg chg="mod">
-          <ac:chgData name="ignazio emanuele picciche'" userId="0ffc6f3f-5a1e-4bcf-8207-6fcee5da7ade" providerId="ADAL" clId="{BEC792C9-6484-4570-B385-E1BC45AE12D9}" dt="2024-09-17T07:34:06.039" v="73" actId="1076"/>
-          <ac:spMkLst>
-            <pc:docMk/>
-            <pc:sldMk cId="1719271780" sldId="256"/>
-            <ac:spMk id="10" creationId="{9EA217C3-5044-0367-5D90-9A4DD43610A1}"/>
-          </ac:spMkLst>
-        </pc:spChg>
-        <pc:spChg chg="mod">
-          <ac:chgData name="ignazio emanuele picciche'" userId="0ffc6f3f-5a1e-4bcf-8207-6fcee5da7ade" providerId="ADAL" clId="{BEC792C9-6484-4570-B385-E1BC45AE12D9}" dt="2024-09-17T07:34:43.534" v="79" actId="1076"/>
-          <ac:spMkLst>
-            <pc:docMk/>
-            <pc:sldMk cId="1719271780" sldId="256"/>
-            <ac:spMk id="12" creationId="{3D3D5833-86AF-4EEE-DC8F-4C96747008A2}"/>
-          </ac:spMkLst>
-        </pc:spChg>
-        <pc:spChg chg="mod">
-          <ac:chgData name="ignazio emanuele picciche'" userId="0ffc6f3f-5a1e-4bcf-8207-6fcee5da7ade" providerId="ADAL" clId="{BEC792C9-6484-4570-B385-E1BC45AE12D9}" dt="2024-09-17T07:34:09.115" v="74" actId="1076"/>
-          <ac:spMkLst>
-            <pc:docMk/>
-            <pc:sldMk cId="1719271780" sldId="256"/>
-            <ac:spMk id="16" creationId="{B0D034D9-A331-AEAB-50BB-3BD1EC7395F8}"/>
-          </ac:spMkLst>
-        </pc:spChg>
-        <pc:spChg chg="mod">
-          <ac:chgData name="ignazio emanuele picciche'" userId="0ffc6f3f-5a1e-4bcf-8207-6fcee5da7ade" providerId="ADAL" clId="{BEC792C9-6484-4570-B385-E1BC45AE12D9}" dt="2024-09-17T07:33:58.928" v="71" actId="1076"/>
-          <ac:spMkLst>
-            <pc:docMk/>
-            <pc:sldMk cId="1719271780" sldId="256"/>
-            <ac:spMk id="17" creationId="{8A63BF26-0C17-C034-B0DC-D49E6870DD02}"/>
-          </ac:spMkLst>
-        </pc:spChg>
-        <pc:spChg chg="mod">
-          <ac:chgData name="ignazio emanuele picciche'" userId="0ffc6f3f-5a1e-4bcf-8207-6fcee5da7ade" providerId="ADAL" clId="{BEC792C9-6484-4570-B385-E1BC45AE12D9}" dt="2024-09-17T07:34:48.580" v="80" actId="1076"/>
-          <ac:spMkLst>
-            <pc:docMk/>
-            <pc:sldMk cId="1719271780" sldId="256"/>
-            <ac:spMk id="18" creationId="{43859500-7771-2F6C-7EDA-4179DA47C1B1}"/>
-          </ac:spMkLst>
-        </pc:spChg>
-        <pc:picChg chg="mod">
-          <ac:chgData name="ignazio emanuele picciche'" userId="0ffc6f3f-5a1e-4bcf-8207-6fcee5da7ade" providerId="ADAL" clId="{BEC792C9-6484-4570-B385-E1BC45AE12D9}" dt="2024-09-17T07:34:14.809" v="75" actId="1076"/>
-          <ac:picMkLst>
-            <pc:docMk/>
-            <pc:sldMk cId="1719271780" sldId="256"/>
-            <ac:picMk id="11" creationId="{9B223E64-095F-BB46-50A7-481C90604137}"/>
-          </ac:picMkLst>
-        </pc:picChg>
-      </pc:sldChg>
-      <pc:sldChg chg="del">
-        <pc:chgData name="ignazio emanuele picciche'" userId="0ffc6f3f-5a1e-4bcf-8207-6fcee5da7ade" providerId="ADAL" clId="{BEC792C9-6484-4570-B385-E1BC45AE12D9}" dt="2024-09-17T07:56:28.400" v="199" actId="47"/>
-        <pc:sldMkLst>
-          <pc:docMk/>
-          <pc:sldMk cId="2863732930" sldId="258"/>
-        </pc:sldMkLst>
-      </pc:sldChg>
-      <pc:sldChg chg="delSp modSp mod">
-        <pc:chgData name="ignazio emanuele picciche'" userId="0ffc6f3f-5a1e-4bcf-8207-6fcee5da7ade" providerId="ADAL" clId="{BEC792C9-6484-4570-B385-E1BC45AE12D9}" dt="2024-09-17T07:56:47.813" v="203" actId="20577"/>
-        <pc:sldMkLst>
-          <pc:docMk/>
-          <pc:sldMk cId="867228327" sldId="259"/>
-        </pc:sldMkLst>
-        <pc:spChg chg="mod">
-          <ac:chgData name="ignazio emanuele picciche'" userId="0ffc6f3f-5a1e-4bcf-8207-6fcee5da7ade" providerId="ADAL" clId="{BEC792C9-6484-4570-B385-E1BC45AE12D9}" dt="2024-09-17T07:56:47.813" v="203" actId="20577"/>
-          <ac:spMkLst>
-            <pc:docMk/>
-            <pc:sldMk cId="867228327" sldId="259"/>
-            <ac:spMk id="3" creationId="{D14F9DB1-F983-0BC2-964E-1F2C9092969C}"/>
-          </ac:spMkLst>
-        </pc:spChg>
-        <pc:spChg chg="del">
-          <ac:chgData name="ignazio emanuele picciche'" userId="0ffc6f3f-5a1e-4bcf-8207-6fcee5da7ade" providerId="ADAL" clId="{BEC792C9-6484-4570-B385-E1BC45AE12D9}" dt="2024-09-17T07:56:43.068" v="202" actId="478"/>
-          <ac:spMkLst>
-            <pc:docMk/>
-            <pc:sldMk cId="867228327" sldId="259"/>
-            <ac:spMk id="11" creationId="{405748F2-816B-2D5B-5C27-9C9C11F620AD}"/>
-          </ac:spMkLst>
-        </pc:spChg>
-      </pc:sldChg>
-      <pc:sldChg chg="addSp delSp modSp mod">
-        <pc:chgData name="ignazio emanuele picciche'" userId="0ffc6f3f-5a1e-4bcf-8207-6fcee5da7ade" providerId="ADAL" clId="{BEC792C9-6484-4570-B385-E1BC45AE12D9}" dt="2024-09-17T07:38:27.511" v="169" actId="115"/>
-        <pc:sldMkLst>
-          <pc:docMk/>
-          <pc:sldMk cId="1806412605" sldId="260"/>
-        </pc:sldMkLst>
-        <pc:spChg chg="mod">
-          <ac:chgData name="ignazio emanuele picciche'" userId="0ffc6f3f-5a1e-4bcf-8207-6fcee5da7ade" providerId="ADAL" clId="{BEC792C9-6484-4570-B385-E1BC45AE12D9}" dt="2024-09-17T07:27:31.510" v="21" actId="1076"/>
-          <ac:spMkLst>
-            <pc:docMk/>
-            <pc:sldMk cId="1806412605" sldId="260"/>
-            <ac:spMk id="2" creationId="{AADE511B-9E58-CE05-19A9-791F4904A670}"/>
-          </ac:spMkLst>
-        </pc:spChg>
-        <pc:spChg chg="del mod">
-          <ac:chgData name="ignazio emanuele picciche'" userId="0ffc6f3f-5a1e-4bcf-8207-6fcee5da7ade" providerId="ADAL" clId="{BEC792C9-6484-4570-B385-E1BC45AE12D9}" dt="2024-09-17T07:26:41.074" v="13" actId="478"/>
-          <ac:spMkLst>
-            <pc:docMk/>
-            <pc:sldMk cId="1806412605" sldId="260"/>
-            <ac:spMk id="3" creationId="{8DB296D2-9C61-1FBE-5FA0-3B7E7E826913}"/>
-          </ac:spMkLst>
-        </pc:spChg>
-        <pc:spChg chg="mod">
-          <ac:chgData name="ignazio emanuele picciche'" userId="0ffc6f3f-5a1e-4bcf-8207-6fcee5da7ade" providerId="ADAL" clId="{BEC792C9-6484-4570-B385-E1BC45AE12D9}" dt="2024-09-17T07:27:31.510" v="21" actId="1076"/>
-          <ac:spMkLst>
-            <pc:docMk/>
-            <pc:sldMk cId="1806412605" sldId="260"/>
-            <ac:spMk id="4" creationId="{C2B2D48E-C9B9-DDB1-3E34-742B587DAA08}"/>
-          </ac:spMkLst>
-        </pc:spChg>
-        <pc:spChg chg="add mod">
-          <ac:chgData name="ignazio emanuele picciche'" userId="0ffc6f3f-5a1e-4bcf-8207-6fcee5da7ade" providerId="ADAL" clId="{BEC792C9-6484-4570-B385-E1BC45AE12D9}" dt="2024-09-17T07:27:31.510" v="21" actId="1076"/>
-          <ac:spMkLst>
-            <pc:docMk/>
-            <pc:sldMk cId="1806412605" sldId="260"/>
-            <ac:spMk id="5" creationId="{7DFF13F4-2C1D-5532-7291-7227615824E2}"/>
-          </ac:spMkLst>
-        </pc:spChg>
-        <pc:spChg chg="mod">
-          <ac:chgData name="ignazio emanuele picciche'" userId="0ffc6f3f-5a1e-4bcf-8207-6fcee5da7ade" providerId="ADAL" clId="{BEC792C9-6484-4570-B385-E1BC45AE12D9}" dt="2024-09-17T07:27:31.510" v="21" actId="1076"/>
-          <ac:spMkLst>
-            <pc:docMk/>
-            <pc:sldMk cId="1806412605" sldId="260"/>
-            <ac:spMk id="6" creationId="{90F75BDF-727F-0A6B-7EF3-9FAAD5561F9D}"/>
-          </ac:spMkLst>
-        </pc:spChg>
-        <pc:spChg chg="add mod">
-          <ac:chgData name="ignazio emanuele picciche'" userId="0ffc6f3f-5a1e-4bcf-8207-6fcee5da7ade" providerId="ADAL" clId="{BEC792C9-6484-4570-B385-E1BC45AE12D9}" dt="2024-09-17T07:29:22.516" v="39" actId="1076"/>
-          <ac:spMkLst>
-            <pc:docMk/>
-            <pc:sldMk cId="1806412605" sldId="260"/>
-            <ac:spMk id="7" creationId="{1AC80FF0-1C85-39F5-2265-79C39B64D569}"/>
-          </ac:spMkLst>
-        </pc:spChg>
-        <pc:spChg chg="del mod">
-          <ac:chgData name="ignazio emanuele picciche'" userId="0ffc6f3f-5a1e-4bcf-8207-6fcee5da7ade" providerId="ADAL" clId="{BEC792C9-6484-4570-B385-E1BC45AE12D9}" dt="2024-09-17T07:28:49.007" v="32" actId="478"/>
-          <ac:spMkLst>
-            <pc:docMk/>
-            <pc:sldMk cId="1806412605" sldId="260"/>
-            <ac:spMk id="9" creationId="{5DFBAD61-38AF-840F-D2F6-408C0B05C3F0}"/>
-          </ac:spMkLst>
-        </pc:spChg>
-        <pc:spChg chg="mod">
-          <ac:chgData name="ignazio emanuele picciche'" userId="0ffc6f3f-5a1e-4bcf-8207-6fcee5da7ade" providerId="ADAL" clId="{BEC792C9-6484-4570-B385-E1BC45AE12D9}" dt="2024-09-17T07:27:31.510" v="21" actId="1076"/>
-          <ac:spMkLst>
-            <pc:docMk/>
-            <pc:sldMk cId="1806412605" sldId="260"/>
-            <ac:spMk id="11" creationId="{B0F5EB06-73E6-E61E-492D-BA23D8B298B1}"/>
-          </ac:spMkLst>
-        </pc:spChg>
-        <pc:spChg chg="mod">
-          <ac:chgData name="ignazio emanuele picciche'" userId="0ffc6f3f-5a1e-4bcf-8207-6fcee5da7ade" providerId="ADAL" clId="{BEC792C9-6484-4570-B385-E1BC45AE12D9}" dt="2024-09-17T07:27:31.510" v="21" actId="1076"/>
-          <ac:spMkLst>
-            <pc:docMk/>
-            <pc:sldMk cId="1806412605" sldId="260"/>
-            <ac:spMk id="12" creationId="{6708380B-6383-D824-E091-A7EB3B5365CD}"/>
-          </ac:spMkLst>
-        </pc:spChg>
-        <pc:spChg chg="mod">
-          <ac:chgData name="ignazio emanuele picciche'" userId="0ffc6f3f-5a1e-4bcf-8207-6fcee5da7ade" providerId="ADAL" clId="{BEC792C9-6484-4570-B385-E1BC45AE12D9}" dt="2024-09-17T07:27:31.510" v="21" actId="1076"/>
-          <ac:spMkLst>
-            <pc:docMk/>
-            <pc:sldMk cId="1806412605" sldId="260"/>
-            <ac:spMk id="13" creationId="{D956C6E0-DE64-8568-2B58-E6C37C0FA65C}"/>
-          </ac:spMkLst>
-        </pc:spChg>
-        <pc:spChg chg="mod">
-          <ac:chgData name="ignazio emanuele picciche'" userId="0ffc6f3f-5a1e-4bcf-8207-6fcee5da7ade" providerId="ADAL" clId="{BEC792C9-6484-4570-B385-E1BC45AE12D9}" dt="2024-09-17T07:27:31.510" v="21" actId="1076"/>
-          <ac:spMkLst>
-            <pc:docMk/>
-            <pc:sldMk cId="1806412605" sldId="260"/>
-            <ac:spMk id="14" creationId="{3EE35D44-47D1-D518-3C51-EEF417F2FEF3}"/>
-          </ac:spMkLst>
-        </pc:spChg>
-        <pc:spChg chg="mod">
-          <ac:chgData name="ignazio emanuele picciche'" userId="0ffc6f3f-5a1e-4bcf-8207-6fcee5da7ade" providerId="ADAL" clId="{BEC792C9-6484-4570-B385-E1BC45AE12D9}" dt="2024-09-17T07:27:31.510" v="21" actId="1076"/>
-          <ac:spMkLst>
-            <pc:docMk/>
-            <pc:sldMk cId="1806412605" sldId="260"/>
-            <ac:spMk id="15" creationId="{48208489-F311-5F94-31B0-F32A2C623103}"/>
-          </ac:spMkLst>
-        </pc:spChg>
-        <pc:spChg chg="mod">
-          <ac:chgData name="ignazio emanuele picciche'" userId="0ffc6f3f-5a1e-4bcf-8207-6fcee5da7ade" providerId="ADAL" clId="{BEC792C9-6484-4570-B385-E1BC45AE12D9}" dt="2024-09-17T07:36:09.531" v="91" actId="20577"/>
-          <ac:spMkLst>
-            <pc:docMk/>
-            <pc:sldMk cId="1806412605" sldId="260"/>
-            <ac:spMk id="16" creationId="{C134D35D-ED0D-2656-151B-EAE29911B1D5}"/>
-          </ac:spMkLst>
-        </pc:spChg>
-        <pc:spChg chg="mod">
-          <ac:chgData name="ignazio emanuele picciche'" userId="0ffc6f3f-5a1e-4bcf-8207-6fcee5da7ade" providerId="ADAL" clId="{BEC792C9-6484-4570-B385-E1BC45AE12D9}" dt="2024-09-17T07:27:31.510" v="21" actId="1076"/>
-          <ac:spMkLst>
-            <pc:docMk/>
-            <pc:sldMk cId="1806412605" sldId="260"/>
-            <ac:spMk id="17" creationId="{4C87D722-7D23-07B8-554F-ADD7C6962DE4}"/>
-          </ac:spMkLst>
-        </pc:spChg>
-        <pc:spChg chg="mod">
-          <ac:chgData name="ignazio emanuele picciche'" userId="0ffc6f3f-5a1e-4bcf-8207-6fcee5da7ade" providerId="ADAL" clId="{BEC792C9-6484-4570-B385-E1BC45AE12D9}" dt="2024-09-17T07:27:31.510" v="21" actId="1076"/>
-          <ac:spMkLst>
-            <pc:docMk/>
-            <pc:sldMk cId="1806412605" sldId="260"/>
-            <ac:spMk id="18" creationId="{DF43B88E-4000-7F8A-7D58-48D0FC4FC0B3}"/>
-          </ac:spMkLst>
-        </pc:spChg>
-        <pc:spChg chg="mod">
-          <ac:chgData name="ignazio emanuele picciche'" userId="0ffc6f3f-5a1e-4bcf-8207-6fcee5da7ade" providerId="ADAL" clId="{BEC792C9-6484-4570-B385-E1BC45AE12D9}" dt="2024-09-17T07:27:31.510" v="21" actId="1076"/>
-          <ac:spMkLst>
-            <pc:docMk/>
-            <pc:sldMk cId="1806412605" sldId="260"/>
-            <ac:spMk id="19" creationId="{4B14ADAA-1967-5DFA-539B-AC3180E87926}"/>
-          </ac:spMkLst>
-        </pc:spChg>
-        <pc:spChg chg="mod">
-          <ac:chgData name="ignazio emanuele picciche'" userId="0ffc6f3f-5a1e-4bcf-8207-6fcee5da7ade" providerId="ADAL" clId="{BEC792C9-6484-4570-B385-E1BC45AE12D9}" dt="2024-09-17T07:27:31.510" v="21" actId="1076"/>
-          <ac:spMkLst>
-            <pc:docMk/>
-            <pc:sldMk cId="1806412605" sldId="260"/>
-            <ac:spMk id="20" creationId="{70E642B1-12BC-057D-7FF4-58FCE3D2C387}"/>
-          </ac:spMkLst>
-        </pc:spChg>
-        <pc:spChg chg="mod">
-          <ac:chgData name="ignazio emanuele picciche'" userId="0ffc6f3f-5a1e-4bcf-8207-6fcee5da7ade" providerId="ADAL" clId="{BEC792C9-6484-4570-B385-E1BC45AE12D9}" dt="2024-09-17T07:27:31.510" v="21" actId="1076"/>
-          <ac:spMkLst>
-            <pc:docMk/>
-            <pc:sldMk cId="1806412605" sldId="260"/>
-            <ac:spMk id="21" creationId="{6C17AA7F-5D64-2FED-74E5-BBFCBA31DE6F}"/>
-          </ac:spMkLst>
-        </pc:spChg>
-        <pc:spChg chg="mod">
-          <ac:chgData name="ignazio emanuele picciche'" userId="0ffc6f3f-5a1e-4bcf-8207-6fcee5da7ade" providerId="ADAL" clId="{BEC792C9-6484-4570-B385-E1BC45AE12D9}" dt="2024-09-17T07:38:27.511" v="169" actId="115"/>
-          <ac:spMkLst>
-            <pc:docMk/>
-            <pc:sldMk cId="1806412605" sldId="260"/>
-            <ac:spMk id="22" creationId="{217B6473-39EF-9742-2162-3D436EF29E0E}"/>
-          </ac:spMkLst>
-        </pc:spChg>
-        <pc:spChg chg="mod">
-          <ac:chgData name="ignazio emanuele picciche'" userId="0ffc6f3f-5a1e-4bcf-8207-6fcee5da7ade" providerId="ADAL" clId="{BEC792C9-6484-4570-B385-E1BC45AE12D9}" dt="2024-09-17T07:27:31.510" v="21" actId="1076"/>
-          <ac:spMkLst>
-            <pc:docMk/>
-            <pc:sldMk cId="1806412605" sldId="260"/>
-            <ac:spMk id="23" creationId="{972F7803-7594-6F2D-F217-080D279F4EC2}"/>
-          </ac:spMkLst>
-        </pc:spChg>
-      </pc:sldChg>
-      <pc:sldChg chg="addSp delSp modSp mod">
-        <pc:chgData name="ignazio emanuele picciche'" userId="0ffc6f3f-5a1e-4bcf-8207-6fcee5da7ade" providerId="ADAL" clId="{BEC792C9-6484-4570-B385-E1BC45AE12D9}" dt="2024-09-17T07:32:59.993" v="62" actId="14100"/>
-        <pc:sldMkLst>
-          <pc:docMk/>
-          <pc:sldMk cId="140097351" sldId="262"/>
-        </pc:sldMkLst>
-        <pc:spChg chg="add mod">
-          <ac:chgData name="ignazio emanuele picciche'" userId="0ffc6f3f-5a1e-4bcf-8207-6fcee5da7ade" providerId="ADAL" clId="{BEC792C9-6484-4570-B385-E1BC45AE12D9}" dt="2024-09-17T07:32:59.993" v="62" actId="14100"/>
-          <ac:spMkLst>
-            <pc:docMk/>
-            <pc:sldMk cId="140097351" sldId="262"/>
-            <ac:spMk id="2" creationId="{A054D533-E663-8E27-91F7-B0CA59D3CFB4}"/>
-          </ac:spMkLst>
-        </pc:spChg>
-        <pc:spChg chg="del mod">
-          <ac:chgData name="ignazio emanuele picciche'" userId="0ffc6f3f-5a1e-4bcf-8207-6fcee5da7ade" providerId="ADAL" clId="{BEC792C9-6484-4570-B385-E1BC45AE12D9}" dt="2024-09-17T07:32:33.960" v="58" actId="478"/>
-          <ac:spMkLst>
-            <pc:docMk/>
-            <pc:sldMk cId="140097351" sldId="262"/>
-            <ac:spMk id="8" creationId="{EF40F122-5B2F-63CE-63CE-491A58A468C0}"/>
-          </ac:spMkLst>
-        </pc:spChg>
-      </pc:sldChg>
-      <pc:sldChg chg="modSp mod">
-        <pc:chgData name="ignazio emanuele picciche'" userId="0ffc6f3f-5a1e-4bcf-8207-6fcee5da7ade" providerId="ADAL" clId="{BEC792C9-6484-4570-B385-E1BC45AE12D9}" dt="2024-09-17T09:13:34.322" v="629" actId="20577"/>
-        <pc:sldMkLst>
-          <pc:docMk/>
-          <pc:sldMk cId="95372628" sldId="263"/>
-        </pc:sldMkLst>
-        <pc:spChg chg="mod">
-          <ac:chgData name="ignazio emanuele picciche'" userId="0ffc6f3f-5a1e-4bcf-8207-6fcee5da7ade" providerId="ADAL" clId="{BEC792C9-6484-4570-B385-E1BC45AE12D9}" dt="2024-09-17T09:13:34.322" v="629" actId="20577"/>
-          <ac:spMkLst>
-            <pc:docMk/>
-            <pc:sldMk cId="95372628" sldId="263"/>
-            <ac:spMk id="7" creationId="{F7D80EFD-A20D-53C6-E98A-3DCCBC89E4A6}"/>
-          </ac:spMkLst>
-        </pc:spChg>
-      </pc:sldChg>
-      <pc:sldChg chg="addSp delSp modSp mod">
-        <pc:chgData name="ignazio emanuele picciche'" userId="0ffc6f3f-5a1e-4bcf-8207-6fcee5da7ade" providerId="ADAL" clId="{BEC792C9-6484-4570-B385-E1BC45AE12D9}" dt="2024-09-17T21:06:36.476" v="664" actId="14826"/>
-        <pc:sldMkLst>
-          <pc:docMk/>
-          <pc:sldMk cId="3094767102" sldId="264"/>
-        </pc:sldMkLst>
-        <pc:spChg chg="del mod">
-          <ac:chgData name="ignazio emanuele picciche'" userId="0ffc6f3f-5a1e-4bcf-8207-6fcee5da7ade" providerId="ADAL" clId="{BEC792C9-6484-4570-B385-E1BC45AE12D9}" dt="2024-09-17T07:30:48.048" v="43" actId="478"/>
-          <ac:spMkLst>
-            <pc:docMk/>
-            <pc:sldMk cId="3094767102" sldId="264"/>
-            <ac:spMk id="3" creationId="{F481C81B-8EB2-7DF1-349E-C5E06E0BAFB5}"/>
-          </ac:spMkLst>
-        </pc:spChg>
-        <pc:spChg chg="add mod">
-          <ac:chgData name="ignazio emanuele picciche'" userId="0ffc6f3f-5a1e-4bcf-8207-6fcee5da7ade" providerId="ADAL" clId="{BEC792C9-6484-4570-B385-E1BC45AE12D9}" dt="2024-09-17T20:59:59.156" v="648"/>
-          <ac:spMkLst>
-            <pc:docMk/>
-            <pc:sldMk cId="3094767102" sldId="264"/>
-            <ac:spMk id="4" creationId="{F466810C-C89B-7DFE-1CE4-13F96D49E490}"/>
-          </ac:spMkLst>
-        </pc:spChg>
-        <pc:picChg chg="add mod">
-          <ac:chgData name="ignazio emanuele picciche'" userId="0ffc6f3f-5a1e-4bcf-8207-6fcee5da7ade" providerId="ADAL" clId="{BEC792C9-6484-4570-B385-E1BC45AE12D9}" dt="2024-09-17T21:05:58.167" v="663" actId="14826"/>
-          <ac:picMkLst>
-            <pc:docMk/>
-            <pc:sldMk cId="3094767102" sldId="264"/>
-            <ac:picMk id="3" creationId="{D7C4BDD6-53ED-98D5-849F-2058F812D3DC}"/>
-          </ac:picMkLst>
-        </pc:picChg>
-        <pc:picChg chg="add mod">
-          <ac:chgData name="ignazio emanuele picciche'" userId="0ffc6f3f-5a1e-4bcf-8207-6fcee5da7ade" providerId="ADAL" clId="{BEC792C9-6484-4570-B385-E1BC45AE12D9}" dt="2024-09-17T21:06:36.476" v="664" actId="14826"/>
-          <ac:picMkLst>
-            <pc:docMk/>
-            <pc:sldMk cId="3094767102" sldId="264"/>
-            <ac:picMk id="6" creationId="{8BFF7C2A-6619-6CA5-EE8A-28B0BA44D0B4}"/>
-          </ac:picMkLst>
-        </pc:picChg>
-      </pc:sldChg>
-      <pc:sldChg chg="addSp delSp modSp mod">
-        <pc:chgData name="ignazio emanuele picciche'" userId="0ffc6f3f-5a1e-4bcf-8207-6fcee5da7ade" providerId="ADAL" clId="{BEC792C9-6484-4570-B385-E1BC45AE12D9}" dt="2024-09-17T07:53:00.770" v="198" actId="1076"/>
-        <pc:sldMkLst>
-          <pc:docMk/>
-          <pc:sldMk cId="2462490279" sldId="266"/>
-        </pc:sldMkLst>
-        <pc:picChg chg="add mod">
-          <ac:chgData name="ignazio emanuele picciche'" userId="0ffc6f3f-5a1e-4bcf-8207-6fcee5da7ade" providerId="ADAL" clId="{BEC792C9-6484-4570-B385-E1BC45AE12D9}" dt="2024-09-17T07:48:43.024" v="190" actId="1076"/>
-          <ac:picMkLst>
-            <pc:docMk/>
-            <pc:sldMk cId="2462490279" sldId="266"/>
-            <ac:picMk id="5" creationId="{B1289BA8-191E-E64B-0DCC-C9D0F9F14515}"/>
-          </ac:picMkLst>
-        </pc:picChg>
-        <pc:picChg chg="add del mod">
-          <ac:chgData name="ignazio emanuele picciche'" userId="0ffc6f3f-5a1e-4bcf-8207-6fcee5da7ade" providerId="ADAL" clId="{BEC792C9-6484-4570-B385-E1BC45AE12D9}" dt="2024-09-17T07:48:16.166" v="177" actId="478"/>
-          <ac:picMkLst>
-            <pc:docMk/>
-            <pc:sldMk cId="2462490279" sldId="266"/>
-            <ac:picMk id="6" creationId="{02DA5995-9B08-91BF-44AC-B3122A082CEB}"/>
-          </ac:picMkLst>
-        </pc:picChg>
-        <pc:picChg chg="del">
-          <ac:chgData name="ignazio emanuele picciche'" userId="0ffc6f3f-5a1e-4bcf-8207-6fcee5da7ade" providerId="ADAL" clId="{BEC792C9-6484-4570-B385-E1BC45AE12D9}" dt="2024-09-17T07:48:16.166" v="177" actId="478"/>
-          <ac:picMkLst>
-            <pc:docMk/>
-            <pc:sldMk cId="2462490279" sldId="266"/>
-            <ac:picMk id="8" creationId="{3501818B-5DC9-822E-E81A-6B18E669377A}"/>
-          </ac:picMkLst>
-        </pc:picChg>
-        <pc:picChg chg="del">
-          <ac:chgData name="ignazio emanuele picciche'" userId="0ffc6f3f-5a1e-4bcf-8207-6fcee5da7ade" providerId="ADAL" clId="{BEC792C9-6484-4570-B385-E1BC45AE12D9}" dt="2024-09-17T07:48:16.166" v="177" actId="478"/>
-          <ac:picMkLst>
-            <pc:docMk/>
-            <pc:sldMk cId="2462490279" sldId="266"/>
-            <ac:picMk id="9" creationId="{1F5EB48D-516A-0239-82EB-1FE6F9F96BB1}"/>
-          </ac:picMkLst>
-        </pc:picChg>
-        <pc:picChg chg="del">
-          <ac:chgData name="ignazio emanuele picciche'" userId="0ffc6f3f-5a1e-4bcf-8207-6fcee5da7ade" providerId="ADAL" clId="{BEC792C9-6484-4570-B385-E1BC45AE12D9}" dt="2024-09-17T07:48:16.166" v="177" actId="478"/>
-          <ac:picMkLst>
-            <pc:docMk/>
-            <pc:sldMk cId="2462490279" sldId="266"/>
-            <ac:picMk id="10" creationId="{F56C0AA8-1571-3570-28F7-EDFBE5E71D0E}"/>
-          </ac:picMkLst>
-        </pc:picChg>
-        <pc:picChg chg="del">
-          <ac:chgData name="ignazio emanuele picciche'" userId="0ffc6f3f-5a1e-4bcf-8207-6fcee5da7ade" providerId="ADAL" clId="{BEC792C9-6484-4570-B385-E1BC45AE12D9}" dt="2024-09-17T07:48:16.166" v="177" actId="478"/>
-          <ac:picMkLst>
-            <pc:docMk/>
-            <pc:sldMk cId="2462490279" sldId="266"/>
-            <ac:picMk id="11" creationId="{10851837-391E-6408-61C5-9B9E3216DEED}"/>
-          </ac:picMkLst>
-        </pc:picChg>
-        <pc:picChg chg="del mod">
-          <ac:chgData name="ignazio emanuele picciche'" userId="0ffc6f3f-5a1e-4bcf-8207-6fcee5da7ade" providerId="ADAL" clId="{BEC792C9-6484-4570-B385-E1BC45AE12D9}" dt="2024-09-17T07:48:16.166" v="177" actId="478"/>
-          <ac:picMkLst>
-            <pc:docMk/>
-            <pc:sldMk cId="2462490279" sldId="266"/>
-            <ac:picMk id="12" creationId="{7366F501-AED9-30F9-66D3-9805E484C47B}"/>
-          </ac:picMkLst>
-        </pc:picChg>
-        <pc:picChg chg="del mod">
-          <ac:chgData name="ignazio emanuele picciche'" userId="0ffc6f3f-5a1e-4bcf-8207-6fcee5da7ade" providerId="ADAL" clId="{BEC792C9-6484-4570-B385-E1BC45AE12D9}" dt="2024-09-17T07:48:16.166" v="177" actId="478"/>
-          <ac:picMkLst>
-            <pc:docMk/>
-            <pc:sldMk cId="2462490279" sldId="266"/>
-            <ac:picMk id="13" creationId="{0A5AA299-450B-032F-3D47-2DB1D894F523}"/>
-          </ac:picMkLst>
-        </pc:picChg>
-        <pc:picChg chg="add mod">
-          <ac:chgData name="ignazio emanuele picciche'" userId="0ffc6f3f-5a1e-4bcf-8207-6fcee5da7ade" providerId="ADAL" clId="{BEC792C9-6484-4570-B385-E1BC45AE12D9}" dt="2024-09-17T07:53:00.770" v="198" actId="1076"/>
-          <ac:picMkLst>
-            <pc:docMk/>
-            <pc:sldMk cId="2462490279" sldId="266"/>
-            <ac:picMk id="14" creationId="{5129639E-1112-4B4C-C9B7-12A4E73A694F}"/>
-          </ac:picMkLst>
-        </pc:picChg>
-        <pc:cxnChg chg="del">
-          <ac:chgData name="ignazio emanuele picciche'" userId="0ffc6f3f-5a1e-4bcf-8207-6fcee5da7ade" providerId="ADAL" clId="{BEC792C9-6484-4570-B385-E1BC45AE12D9}" dt="2024-09-17T07:48:22.114" v="181" actId="478"/>
-          <ac:cxnSpMkLst>
-            <pc:docMk/>
-            <pc:sldMk cId="2462490279" sldId="266"/>
-            <ac:cxnSpMk id="19" creationId="{4E1DC829-D293-C1BB-FAAB-9EEE8E0C7417}"/>
-          </ac:cxnSpMkLst>
-        </pc:cxnChg>
-        <pc:cxnChg chg="del">
-          <ac:chgData name="ignazio emanuele picciche'" userId="0ffc6f3f-5a1e-4bcf-8207-6fcee5da7ade" providerId="ADAL" clId="{BEC792C9-6484-4570-B385-E1BC45AE12D9}" dt="2024-09-17T07:48:22.879" v="182" actId="478"/>
-          <ac:cxnSpMkLst>
-            <pc:docMk/>
-            <pc:sldMk cId="2462490279" sldId="266"/>
-            <ac:cxnSpMk id="22" creationId="{57A1E08F-0738-6D3D-DAB0-1CB271AFE0FA}"/>
-          </ac:cxnSpMkLst>
-        </pc:cxnChg>
-        <pc:cxnChg chg="del">
-          <ac:chgData name="ignazio emanuele picciche'" userId="0ffc6f3f-5a1e-4bcf-8207-6fcee5da7ade" providerId="ADAL" clId="{BEC792C9-6484-4570-B385-E1BC45AE12D9}" dt="2024-09-17T07:48:24.679" v="184" actId="478"/>
-          <ac:cxnSpMkLst>
-            <pc:docMk/>
-            <pc:sldMk cId="2462490279" sldId="266"/>
-            <ac:cxnSpMk id="28" creationId="{23F75781-C258-C171-250B-606B9ACE6F84}"/>
-          </ac:cxnSpMkLst>
-        </pc:cxnChg>
-        <pc:cxnChg chg="del">
-          <ac:chgData name="ignazio emanuele picciche'" userId="0ffc6f3f-5a1e-4bcf-8207-6fcee5da7ade" providerId="ADAL" clId="{BEC792C9-6484-4570-B385-E1BC45AE12D9}" dt="2024-09-17T07:48:21.192" v="180" actId="478"/>
-          <ac:cxnSpMkLst>
-            <pc:docMk/>
-            <pc:sldMk cId="2462490279" sldId="266"/>
-            <ac:cxnSpMk id="35" creationId="{03BFF2E4-7938-FEA1-6AD1-E87EB5037126}"/>
-          </ac:cxnSpMkLst>
-        </pc:cxnChg>
-        <pc:cxnChg chg="del">
-          <ac:chgData name="ignazio emanuele picciche'" userId="0ffc6f3f-5a1e-4bcf-8207-6fcee5da7ade" providerId="ADAL" clId="{BEC792C9-6484-4570-B385-E1BC45AE12D9}" dt="2024-09-17T07:48:23.937" v="183" actId="478"/>
-          <ac:cxnSpMkLst>
-            <pc:docMk/>
-            <pc:sldMk cId="2462490279" sldId="266"/>
-            <ac:cxnSpMk id="42" creationId="{B072194E-4F31-4119-8898-343EE6DEF8C9}"/>
-          </ac:cxnSpMkLst>
-        </pc:cxnChg>
-        <pc:cxnChg chg="del">
-          <ac:chgData name="ignazio emanuele picciche'" userId="0ffc6f3f-5a1e-4bcf-8207-6fcee5da7ade" providerId="ADAL" clId="{BEC792C9-6484-4570-B385-E1BC45AE12D9}" dt="2024-09-17T07:48:20.339" v="179" actId="478"/>
-          <ac:cxnSpMkLst>
-            <pc:docMk/>
-            <pc:sldMk cId="2462490279" sldId="266"/>
-            <ac:cxnSpMk id="44" creationId="{2E25A581-EC55-32BE-3AD6-EC3F9E225661}"/>
-          </ac:cxnSpMkLst>
-        </pc:cxnChg>
-        <pc:cxnChg chg="del">
-          <ac:chgData name="ignazio emanuele picciche'" userId="0ffc6f3f-5a1e-4bcf-8207-6fcee5da7ade" providerId="ADAL" clId="{BEC792C9-6484-4570-B385-E1BC45AE12D9}" dt="2024-09-17T07:48:19.213" v="178" actId="478"/>
-          <ac:cxnSpMkLst>
-            <pc:docMk/>
-            <pc:sldMk cId="2462490279" sldId="266"/>
-            <ac:cxnSpMk id="46" creationId="{640C8AFE-02D4-19B4-959E-F7E156B0E40C}"/>
-          </ac:cxnSpMkLst>
-        </pc:cxnChg>
-        <pc:cxnChg chg="del">
-          <ac:chgData name="ignazio emanuele picciche'" userId="0ffc6f3f-5a1e-4bcf-8207-6fcee5da7ade" providerId="ADAL" clId="{BEC792C9-6484-4570-B385-E1BC45AE12D9}" dt="2024-09-17T07:48:25.626" v="185" actId="478"/>
-          <ac:cxnSpMkLst>
-            <pc:docMk/>
-            <pc:sldMk cId="2462490279" sldId="266"/>
-            <ac:cxnSpMk id="48" creationId="{E6FEB4DF-16D6-52A8-E6A3-66E4ADD3B403}"/>
-          </ac:cxnSpMkLst>
-        </pc:cxnChg>
-      </pc:sldChg>
-      <pc:sldChg chg="modSp mod">
-        <pc:chgData name="ignazio emanuele picciche'" userId="0ffc6f3f-5a1e-4bcf-8207-6fcee5da7ade" providerId="ADAL" clId="{BEC792C9-6484-4570-B385-E1BC45AE12D9}" dt="2024-09-17T08:49:16.847" v="518" actId="20577"/>
-        <pc:sldMkLst>
-          <pc:docMk/>
-          <pc:sldMk cId="1388803164" sldId="267"/>
-        </pc:sldMkLst>
-        <pc:spChg chg="mod">
-          <ac:chgData name="ignazio emanuele picciche'" userId="0ffc6f3f-5a1e-4bcf-8207-6fcee5da7ade" providerId="ADAL" clId="{BEC792C9-6484-4570-B385-E1BC45AE12D9}" dt="2024-09-17T08:48:06.034" v="496" actId="20577"/>
-          <ac:spMkLst>
-            <pc:docMk/>
-            <pc:sldMk cId="1388803164" sldId="267"/>
-            <ac:spMk id="8" creationId="{5CBE649C-E4FE-B978-0CAD-D912128387E1}"/>
-          </ac:spMkLst>
-        </pc:spChg>
-        <pc:spChg chg="mod">
-          <ac:chgData name="ignazio emanuele picciche'" userId="0ffc6f3f-5a1e-4bcf-8207-6fcee5da7ade" providerId="ADAL" clId="{BEC792C9-6484-4570-B385-E1BC45AE12D9}" dt="2024-09-17T08:49:16.847" v="518" actId="20577"/>
-          <ac:spMkLst>
-            <pc:docMk/>
-            <pc:sldMk cId="1388803164" sldId="267"/>
-            <ac:spMk id="9" creationId="{E33C336B-4D79-9881-7920-B1E2405BBD36}"/>
-          </ac:spMkLst>
-        </pc:spChg>
-      </pc:sldChg>
-      <pc:sldChg chg="modSp mod">
-        <pc:chgData name="ignazio emanuele picciche'" userId="0ffc6f3f-5a1e-4bcf-8207-6fcee5da7ade" providerId="ADAL" clId="{BEC792C9-6484-4570-B385-E1BC45AE12D9}" dt="2024-09-17T08:05:19.197" v="284" actId="404"/>
-        <pc:sldMkLst>
-          <pc:docMk/>
-          <pc:sldMk cId="3782143414" sldId="268"/>
-        </pc:sldMkLst>
-        <pc:spChg chg="mod">
-          <ac:chgData name="ignazio emanuele picciche'" userId="0ffc6f3f-5a1e-4bcf-8207-6fcee5da7ade" providerId="ADAL" clId="{BEC792C9-6484-4570-B385-E1BC45AE12D9}" dt="2024-09-17T08:05:19.197" v="284" actId="404"/>
-          <ac:spMkLst>
-            <pc:docMk/>
-            <pc:sldMk cId="3782143414" sldId="268"/>
-            <ac:spMk id="17" creationId="{539F8D7C-0E83-17F2-DFB3-5C44534F0194}"/>
-          </ac:spMkLst>
-        </pc:spChg>
-      </pc:sldChg>
-      <pc:sldChg chg="modSp mod">
-        <pc:chgData name="ignazio emanuele picciche'" userId="0ffc6f3f-5a1e-4bcf-8207-6fcee5da7ade" providerId="ADAL" clId="{BEC792C9-6484-4570-B385-E1BC45AE12D9}" dt="2024-09-17T08:47:08.900" v="481" actId="14100"/>
-        <pc:sldMkLst>
-          <pc:docMk/>
-          <pc:sldMk cId="2929993472" sldId="269"/>
-        </pc:sldMkLst>
-        <pc:spChg chg="mod">
-          <ac:chgData name="ignazio emanuele picciche'" userId="0ffc6f3f-5a1e-4bcf-8207-6fcee5da7ade" providerId="ADAL" clId="{BEC792C9-6484-4570-B385-E1BC45AE12D9}" dt="2024-09-17T08:37:17.772" v="441" actId="20577"/>
-          <ac:spMkLst>
-            <pc:docMk/>
-            <pc:sldMk cId="2929993472" sldId="269"/>
-            <ac:spMk id="6" creationId="{C7536FBD-BCBD-8956-BF9D-070DE32DA9C6}"/>
-          </ac:spMkLst>
-        </pc:spChg>
-        <pc:spChg chg="mod">
-          <ac:chgData name="ignazio emanuele picciche'" userId="0ffc6f3f-5a1e-4bcf-8207-6fcee5da7ade" providerId="ADAL" clId="{BEC792C9-6484-4570-B385-E1BC45AE12D9}" dt="2024-09-17T08:45:41.857" v="459" actId="113"/>
-          <ac:spMkLst>
-            <pc:docMk/>
-            <pc:sldMk cId="2929993472" sldId="269"/>
-            <ac:spMk id="7" creationId="{0B0AAF2C-5B08-EAD6-0B24-2B3A3D99DC64}"/>
-          </ac:spMkLst>
-        </pc:spChg>
-        <pc:spChg chg="mod">
-          <ac:chgData name="ignazio emanuele picciche'" userId="0ffc6f3f-5a1e-4bcf-8207-6fcee5da7ade" providerId="ADAL" clId="{BEC792C9-6484-4570-B385-E1BC45AE12D9}" dt="2024-09-17T08:46:45.956" v="480" actId="20577"/>
-          <ac:spMkLst>
-            <pc:docMk/>
-            <pc:sldMk cId="2929993472" sldId="269"/>
-            <ac:spMk id="8" creationId="{A0BE6B98-2A34-5078-4CC9-E92EA112E82C}"/>
-          </ac:spMkLst>
-        </pc:spChg>
-        <pc:cxnChg chg="mod">
-          <ac:chgData name="ignazio emanuele picciche'" userId="0ffc6f3f-5a1e-4bcf-8207-6fcee5da7ade" providerId="ADAL" clId="{BEC792C9-6484-4570-B385-E1BC45AE12D9}" dt="2024-09-17T08:35:44.221" v="368" actId="14100"/>
-          <ac:cxnSpMkLst>
-            <pc:docMk/>
-            <pc:sldMk cId="2929993472" sldId="269"/>
-            <ac:cxnSpMk id="26" creationId="{071BB60C-9361-4FC4-88AD-DA174A2C8A52}"/>
-          </ac:cxnSpMkLst>
-        </pc:cxnChg>
-        <pc:cxnChg chg="mod">
-          <ac:chgData name="ignazio emanuele picciche'" userId="0ffc6f3f-5a1e-4bcf-8207-6fcee5da7ade" providerId="ADAL" clId="{BEC792C9-6484-4570-B385-E1BC45AE12D9}" dt="2024-09-17T08:47:08.900" v="481" actId="14100"/>
-          <ac:cxnSpMkLst>
-            <pc:docMk/>
-            <pc:sldMk cId="2929993472" sldId="269"/>
-            <ac:cxnSpMk id="28" creationId="{3AFBFF7C-E93B-2F6A-5952-29E6B2717C9A}"/>
-          </ac:cxnSpMkLst>
-        </pc:cxnChg>
-      </pc:sldChg>
-      <pc:sldChg chg="addSp modSp mod">
-        <pc:chgData name="ignazio emanuele picciche'" userId="0ffc6f3f-5a1e-4bcf-8207-6fcee5da7ade" providerId="ADAL" clId="{BEC792C9-6484-4570-B385-E1BC45AE12D9}" dt="2024-09-17T08:47:54.905" v="495" actId="14100"/>
-        <pc:sldMkLst>
-          <pc:docMk/>
-          <pc:sldMk cId="596200620" sldId="271"/>
-        </pc:sldMkLst>
-        <pc:spChg chg="add mod">
-          <ac:chgData name="ignazio emanuele picciche'" userId="0ffc6f3f-5a1e-4bcf-8207-6fcee5da7ade" providerId="ADAL" clId="{BEC792C9-6484-4570-B385-E1BC45AE12D9}" dt="2024-09-17T08:47:17.678" v="482"/>
-          <ac:spMkLst>
-            <pc:docMk/>
-            <pc:sldMk cId="596200620" sldId="271"/>
-            <ac:spMk id="5" creationId="{AD42CD72-F975-3DBC-0E4F-9719D7FD6158}"/>
-          </ac:spMkLst>
-        </pc:spChg>
-        <pc:spChg chg="mod">
-          <ac:chgData name="ignazio emanuele picciche'" userId="0ffc6f3f-5a1e-4bcf-8207-6fcee5da7ade" providerId="ADAL" clId="{BEC792C9-6484-4570-B385-E1BC45AE12D9}" dt="2024-09-17T08:47:25.933" v="483"/>
-          <ac:spMkLst>
-            <pc:docMk/>
-            <pc:sldMk cId="596200620" sldId="271"/>
-            <ac:spMk id="6" creationId="{C7536FBD-BCBD-8956-BF9D-070DE32DA9C6}"/>
-          </ac:spMkLst>
-        </pc:spChg>
-        <pc:spChg chg="mod">
-          <ac:chgData name="ignazio emanuele picciche'" userId="0ffc6f3f-5a1e-4bcf-8207-6fcee5da7ade" providerId="ADAL" clId="{BEC792C9-6484-4570-B385-E1BC45AE12D9}" dt="2024-09-17T08:47:30.609" v="484"/>
-          <ac:spMkLst>
-            <pc:docMk/>
-            <pc:sldMk cId="596200620" sldId="271"/>
-            <ac:spMk id="7" creationId="{0B0AAF2C-5B08-EAD6-0B24-2B3A3D99DC64}"/>
-          </ac:spMkLst>
-        </pc:spChg>
-        <pc:spChg chg="mod">
-          <ac:chgData name="ignazio emanuele picciche'" userId="0ffc6f3f-5a1e-4bcf-8207-6fcee5da7ade" providerId="ADAL" clId="{BEC792C9-6484-4570-B385-E1BC45AE12D9}" dt="2024-09-17T08:47:38.674" v="492" actId="20577"/>
-          <ac:spMkLst>
-            <pc:docMk/>
-            <pc:sldMk cId="596200620" sldId="271"/>
-            <ac:spMk id="8" creationId="{A0BE6B98-2A34-5078-4CC9-E92EA112E82C}"/>
-          </ac:spMkLst>
-        </pc:spChg>
-        <pc:spChg chg="add mod">
-          <ac:chgData name="ignazio emanuele picciche'" userId="0ffc6f3f-5a1e-4bcf-8207-6fcee5da7ade" providerId="ADAL" clId="{BEC792C9-6484-4570-B385-E1BC45AE12D9}" dt="2024-09-17T08:47:17.678" v="482"/>
-          <ac:spMkLst>
-            <pc:docMk/>
-            <pc:sldMk cId="596200620" sldId="271"/>
-            <ac:spMk id="9" creationId="{AC6891DA-2F22-6725-C50B-AF55E4F02014}"/>
-          </ac:spMkLst>
-        </pc:spChg>
-        <pc:spChg chg="add mod">
-          <ac:chgData name="ignazio emanuele picciche'" userId="0ffc6f3f-5a1e-4bcf-8207-6fcee5da7ade" providerId="ADAL" clId="{BEC792C9-6484-4570-B385-E1BC45AE12D9}" dt="2024-09-17T08:47:17.678" v="482"/>
-          <ac:spMkLst>
-            <pc:docMk/>
-            <pc:sldMk cId="596200620" sldId="271"/>
-            <ac:spMk id="23" creationId="{A774CB6F-2725-A9D0-332F-A82A05A254D9}"/>
-          </ac:spMkLst>
-        </pc:spChg>
-        <pc:picChg chg="add mod">
-          <ac:chgData name="ignazio emanuele picciche'" userId="0ffc6f3f-5a1e-4bcf-8207-6fcee5da7ade" providerId="ADAL" clId="{BEC792C9-6484-4570-B385-E1BC45AE12D9}" dt="2024-09-17T08:47:17.678" v="482"/>
-          <ac:picMkLst>
-            <pc:docMk/>
-            <pc:sldMk cId="596200620" sldId="271"/>
-            <ac:picMk id="25" creationId="{CE8165CF-A6B4-56AB-413F-8BD62FBD30AB}"/>
-          </ac:picMkLst>
-        </pc:picChg>
-        <pc:cxnChg chg="mod">
-          <ac:chgData name="ignazio emanuele picciche'" userId="0ffc6f3f-5a1e-4bcf-8207-6fcee5da7ade" providerId="ADAL" clId="{BEC792C9-6484-4570-B385-E1BC45AE12D9}" dt="2024-09-17T08:47:46.557" v="493" actId="14100"/>
-          <ac:cxnSpMkLst>
-            <pc:docMk/>
-            <pc:sldMk cId="596200620" sldId="271"/>
-            <ac:cxnSpMk id="12" creationId="{D2AA4D8C-37EA-A637-F5B2-B55909CA1429}"/>
-          </ac:cxnSpMkLst>
-        </pc:cxnChg>
-        <pc:cxnChg chg="mod">
-          <ac:chgData name="ignazio emanuele picciche'" userId="0ffc6f3f-5a1e-4bcf-8207-6fcee5da7ade" providerId="ADAL" clId="{BEC792C9-6484-4570-B385-E1BC45AE12D9}" dt="2024-09-17T08:47:54.905" v="495" actId="14100"/>
-          <ac:cxnSpMkLst>
-            <pc:docMk/>
-            <pc:sldMk cId="596200620" sldId="271"/>
-            <ac:cxnSpMk id="13" creationId="{8C995079-C8D5-42E2-46FA-D541F143CDE4}"/>
-          </ac:cxnSpMkLst>
-        </pc:cxnChg>
-      </pc:sldChg>
-      <pc:sldChg chg="modSp mod">
-        <pc:chgData name="ignazio emanuele picciche'" userId="0ffc6f3f-5a1e-4bcf-8207-6fcee5da7ade" providerId="ADAL" clId="{BEC792C9-6484-4570-B385-E1BC45AE12D9}" dt="2024-09-17T09:09:05.531" v="617" actId="20577"/>
-        <pc:sldMkLst>
-          <pc:docMk/>
-          <pc:sldMk cId="3525178391" sldId="272"/>
-        </pc:sldMkLst>
-        <pc:spChg chg="mod">
-          <ac:chgData name="ignazio emanuele picciche'" userId="0ffc6f3f-5a1e-4bcf-8207-6fcee5da7ade" providerId="ADAL" clId="{BEC792C9-6484-4570-B385-E1BC45AE12D9}" dt="2024-09-17T09:09:05.531" v="617" actId="20577"/>
-          <ac:spMkLst>
-            <pc:docMk/>
-            <pc:sldMk cId="3525178391" sldId="272"/>
-            <ac:spMk id="24" creationId="{38DB4BEE-971B-3D04-FD7C-514F995036DA}"/>
-          </ac:spMkLst>
-        </pc:spChg>
-      </pc:sldChg>
-      <pc:sldChg chg="modSp mod">
-        <pc:chgData name="ignazio emanuele picciche'" userId="0ffc6f3f-5a1e-4bcf-8207-6fcee5da7ade" providerId="ADAL" clId="{BEC792C9-6484-4570-B385-E1BC45AE12D9}" dt="2024-09-17T09:16:59.052" v="644" actId="20577"/>
-        <pc:sldMkLst>
-          <pc:docMk/>
-          <pc:sldMk cId="782383674" sldId="276"/>
-        </pc:sldMkLst>
-        <pc:spChg chg="mod">
-          <ac:chgData name="ignazio emanuele picciche'" userId="0ffc6f3f-5a1e-4bcf-8207-6fcee5da7ade" providerId="ADAL" clId="{BEC792C9-6484-4570-B385-E1BC45AE12D9}" dt="2024-09-17T09:16:59.052" v="644" actId="20577"/>
-          <ac:spMkLst>
-            <pc:docMk/>
-            <pc:sldMk cId="782383674" sldId="276"/>
-            <ac:spMk id="7" creationId="{F7D80EFD-A20D-53C6-E98A-3DCCBC89E4A6}"/>
-          </ac:spMkLst>
-        </pc:spChg>
-      </pc:sldChg>
-      <pc:sldChg chg="add del setBg">
-        <pc:chgData name="ignazio emanuele picciche'" userId="0ffc6f3f-5a1e-4bcf-8207-6fcee5da7ade" providerId="ADAL" clId="{BEC792C9-6484-4570-B385-E1BC45AE12D9}" dt="2024-09-17T20:59:53.125" v="647" actId="47"/>
-        <pc:sldMkLst>
-          <pc:docMk/>
-          <pc:sldMk cId="33786493" sldId="281"/>
-        </pc:sldMkLst>
-      </pc:sldChg>
-      <pc:sldChg chg="addSp delSp modSp add mod">
-        <pc:chgData name="ignazio emanuele picciche'" userId="0ffc6f3f-5a1e-4bcf-8207-6fcee5da7ade" providerId="ADAL" clId="{BEC792C9-6484-4570-B385-E1BC45AE12D9}" dt="2024-09-17T21:14:43.105" v="680"/>
-        <pc:sldMkLst>
-          <pc:docMk/>
-          <pc:sldMk cId="2797098168" sldId="281"/>
-        </pc:sldMkLst>
-        <pc:spChg chg="del">
-          <ac:chgData name="ignazio emanuele picciche'" userId="0ffc6f3f-5a1e-4bcf-8207-6fcee5da7ade" providerId="ADAL" clId="{BEC792C9-6484-4570-B385-E1BC45AE12D9}" dt="2024-09-17T21:00:43.837" v="656" actId="478"/>
-          <ac:spMkLst>
-            <pc:docMk/>
-            <pc:sldMk cId="2797098168" sldId="281"/>
-            <ac:spMk id="4" creationId="{F466810C-C89B-7DFE-1CE4-13F96D49E490}"/>
-          </ac:spMkLst>
-        </pc:spChg>
-        <pc:spChg chg="add mod">
-          <ac:chgData name="ignazio emanuele picciche'" userId="0ffc6f3f-5a1e-4bcf-8207-6fcee5da7ade" providerId="ADAL" clId="{BEC792C9-6484-4570-B385-E1BC45AE12D9}" dt="2024-09-17T21:00:42.109" v="655" actId="1076"/>
-          <ac:spMkLst>
-            <pc:docMk/>
-            <pc:sldMk cId="2797098168" sldId="281"/>
-            <ac:spMk id="7" creationId="{04084306-F37F-806D-74F6-AC9202A4D2C0}"/>
-          </ac:spMkLst>
-        </pc:spChg>
-        <pc:spChg chg="add mod">
-          <ac:chgData name="ignazio emanuele picciche'" userId="0ffc6f3f-5a1e-4bcf-8207-6fcee5da7ade" providerId="ADAL" clId="{BEC792C9-6484-4570-B385-E1BC45AE12D9}" dt="2024-09-17T21:00:44.450" v="657"/>
-          <ac:spMkLst>
-            <pc:docMk/>
-            <pc:sldMk cId="2797098168" sldId="281"/>
-            <ac:spMk id="12" creationId="{9CBB5E43-2628-E1F7-D6E0-78B58B2915E9}"/>
-          </ac:spMkLst>
-        </pc:spChg>
-        <pc:picChg chg="del">
-          <ac:chgData name="ignazio emanuele picciche'" userId="0ffc6f3f-5a1e-4bcf-8207-6fcee5da7ade" providerId="ADAL" clId="{BEC792C9-6484-4570-B385-E1BC45AE12D9}" dt="2024-09-17T21:00:13.786" v="651" actId="478"/>
-          <ac:picMkLst>
-            <pc:docMk/>
-            <pc:sldMk cId="2797098168" sldId="281"/>
-            <ac:picMk id="3" creationId="{D7C4BDD6-53ED-98D5-849F-2058F812D3DC}"/>
-          </ac:picMkLst>
-        </pc:picChg>
-        <pc:picChg chg="del">
-          <ac:chgData name="ignazio emanuele picciche'" userId="0ffc6f3f-5a1e-4bcf-8207-6fcee5da7ade" providerId="ADAL" clId="{BEC792C9-6484-4570-B385-E1BC45AE12D9}" dt="2024-09-17T21:00:15.115" v="652" actId="478"/>
-          <ac:picMkLst>
-            <pc:docMk/>
-            <pc:sldMk cId="2797098168" sldId="281"/>
-            <ac:picMk id="6" creationId="{8BFF7C2A-6619-6CA5-EE8A-28B0BA44D0B4}"/>
-          </ac:picMkLst>
-        </pc:picChg>
-        <pc:picChg chg="add mod">
-          <ac:chgData name="ignazio emanuele picciche'" userId="0ffc6f3f-5a1e-4bcf-8207-6fcee5da7ade" providerId="ADAL" clId="{BEC792C9-6484-4570-B385-E1BC45AE12D9}" dt="2024-09-17T21:00:42.109" v="655" actId="1076"/>
-          <ac:picMkLst>
-            <pc:docMk/>
-            <pc:sldMk cId="2797098168" sldId="281"/>
-            <ac:picMk id="8" creationId="{1287C2A9-680C-091C-58A8-EEE67E3280D8}"/>
-          </ac:picMkLst>
-        </pc:picChg>
-        <pc:picChg chg="add mod">
-          <ac:chgData name="ignazio emanuele picciche'" userId="0ffc6f3f-5a1e-4bcf-8207-6fcee5da7ade" providerId="ADAL" clId="{BEC792C9-6484-4570-B385-E1BC45AE12D9}" dt="2024-09-17T21:00:42.109" v="655" actId="1076"/>
-          <ac:picMkLst>
-            <pc:docMk/>
-            <pc:sldMk cId="2797098168" sldId="281"/>
-            <ac:picMk id="9" creationId="{12B8C9A6-F592-C67E-1C97-0C0285DA8CC3}"/>
-          </ac:picMkLst>
-        </pc:picChg>
-        <pc:picChg chg="add mod">
-          <ac:chgData name="ignazio emanuele picciche'" userId="0ffc6f3f-5a1e-4bcf-8207-6fcee5da7ade" providerId="ADAL" clId="{BEC792C9-6484-4570-B385-E1BC45AE12D9}" dt="2024-09-17T21:00:42.109" v="655" actId="1076"/>
-          <ac:picMkLst>
-            <pc:docMk/>
-            <pc:sldMk cId="2797098168" sldId="281"/>
-            <ac:picMk id="10" creationId="{E70DC7C4-A80F-C880-67CC-B9A88081FF65}"/>
-          </ac:picMkLst>
-        </pc:picChg>
-        <pc:picChg chg="add mod">
-          <ac:chgData name="ignazio emanuele picciche'" userId="0ffc6f3f-5a1e-4bcf-8207-6fcee5da7ade" providerId="ADAL" clId="{BEC792C9-6484-4570-B385-E1BC45AE12D9}" dt="2024-09-17T21:00:42.109" v="655" actId="1076"/>
-          <ac:picMkLst>
-            <pc:docMk/>
-            <pc:sldMk cId="2797098168" sldId="281"/>
-            <ac:picMk id="11" creationId="{EF7C30FF-7865-ABD8-E058-B852AB1FB2FE}"/>
-          </ac:picMkLst>
-        </pc:picChg>
-        <pc:picChg chg="add mod">
-          <ac:chgData name="ignazio emanuele picciche'" userId="0ffc6f3f-5a1e-4bcf-8207-6fcee5da7ade" providerId="ADAL" clId="{BEC792C9-6484-4570-B385-E1BC45AE12D9}" dt="2024-09-17T21:10:35.430" v="668"/>
-          <ac:picMkLst>
-            <pc:docMk/>
-            <pc:sldMk cId="2797098168" sldId="281"/>
-            <ac:picMk id="13" creationId="{4C8B55CD-3334-F7E9-803D-79333DCFE7BA}"/>
-          </ac:picMkLst>
-        </pc:picChg>
-        <pc:picChg chg="add mod">
-          <ac:chgData name="ignazio emanuele picciche'" userId="0ffc6f3f-5a1e-4bcf-8207-6fcee5da7ade" providerId="ADAL" clId="{BEC792C9-6484-4570-B385-E1BC45AE12D9}" dt="2024-09-17T21:12:13.808" v="670"/>
-          <ac:picMkLst>
-            <pc:docMk/>
-            <pc:sldMk cId="2797098168" sldId="281"/>
-            <ac:picMk id="14" creationId="{F3AC5B1A-4D3E-FA26-F053-C5C017CEA3E1}"/>
-          </ac:picMkLst>
-        </pc:picChg>
-        <pc:picChg chg="add mod">
-          <ac:chgData name="ignazio emanuele picciche'" userId="0ffc6f3f-5a1e-4bcf-8207-6fcee5da7ade" providerId="ADAL" clId="{BEC792C9-6484-4570-B385-E1BC45AE12D9}" dt="2024-09-17T21:13:00.545" v="673"/>
-          <ac:picMkLst>
-            <pc:docMk/>
-            <pc:sldMk cId="2797098168" sldId="281"/>
-            <ac:picMk id="15" creationId="{5FEFB0E5-2788-00C8-0BDB-2029FB4196CF}"/>
-          </ac:picMkLst>
-        </pc:picChg>
-        <pc:picChg chg="add mod">
-          <ac:chgData name="ignazio emanuele picciche'" userId="0ffc6f3f-5a1e-4bcf-8207-6fcee5da7ade" providerId="ADAL" clId="{BEC792C9-6484-4570-B385-E1BC45AE12D9}" dt="2024-09-17T21:14:43.105" v="680"/>
-          <ac:picMkLst>
-            <pc:docMk/>
-            <pc:sldMk cId="2797098168" sldId="281"/>
-            <ac:picMk id="16" creationId="{C80552D2-DB7A-A02E-76F0-72660F9ED33A}"/>
-          </ac:picMkLst>
-        </pc:picChg>
-      </pc:sldChg>
-      <pc:sldChg chg="add del setBg">
-        <pc:chgData name="ignazio emanuele picciche'" userId="0ffc6f3f-5a1e-4bcf-8207-6fcee5da7ade" providerId="ADAL" clId="{BEC792C9-6484-4570-B385-E1BC45AE12D9}" dt="2024-09-17T20:59:53.125" v="647" actId="47"/>
-        <pc:sldMkLst>
-          <pc:docMk/>
-          <pc:sldMk cId="1186183930" sldId="282"/>
-        </pc:sldMkLst>
-      </pc:sldChg>
-    </pc:docChg>
-  </pc:docChgLst>
-</pc:chgInfo>
 </file>
 
 <file path=ppt/diagrams/colors1.xml><?xml version="1.0" encoding="utf-8"?>
@@ -5825,7 +5012,7 @@
     </p:spTree>
     <p:extLst>
       <p:ext uri="{BB962C8B-B14F-4D97-AF65-F5344CB8AC3E}">
-        <p14:creationId xmlns:p14="http://schemas.microsoft.com/office/powerpoint/2010/main" val="4200614493"/>
+        <p14:creationId xmlns:p14="http://schemas.microsoft.com/office/powerpoint/2010/main" val="464925061"/>
       </p:ext>
     </p:extLst>
   </p:cSld>
@@ -6160,7 +5347,7 @@
     </p:spTree>
     <p:extLst>
       <p:ext uri="{BB962C8B-B14F-4D97-AF65-F5344CB8AC3E}">
-        <p14:creationId xmlns:p14="http://schemas.microsoft.com/office/powerpoint/2010/main" val="464925061"/>
+        <p14:creationId xmlns:p14="http://schemas.microsoft.com/office/powerpoint/2010/main" val="2175857940"/>
       </p:ext>
     </p:extLst>
   </p:cSld>
@@ -6214,258 +5401,32 @@
           <a:bodyPr/>
           <a:lstStyle/>
           <a:p>
-            <a:pPr>
-              <a:buFont typeface="Arial" panose="020B0604020202020204" pitchFamily="34" charset="0"/>
-              <a:buChar char="•"/>
-            </a:pPr>
             <a:r>
               <a:rPr lang="it-IT" dirty="0"/>
-              <a:t>PURITY: Viene calcolata trovando la classe predominante in ciascun cluster e sommando il numero di elementi appartenenti a quella classe per tutti i cluster, quindi dividendo il totale per il numero totale di elementi.</a:t>
-            </a:r>
-            <a:br>
+              <a:t>33 features </a:t>
+            </a:r>
+            <a:r>
+              <a:rPr lang="it-IT" dirty="0">
+                <a:sym typeface="Wingdings" panose="05000000000000000000" pitchFamily="2" charset="2"/>
+              </a:rPr>
+              <a:t> informazioni </a:t>
+            </a:r>
+            <a:r>
               <a:rPr lang="it-IT" dirty="0"/>
-            </a:br>
-            <a:br>
+              <a:t>sui codici e denominazioni amministrative e statistiche dei comuni italiani </a:t>
+            </a:r>
+          </a:p>
+          <a:p>
+            <a:endParaRPr lang="it-IT" dirty="0"/>
+          </a:p>
+          <a:p>
+            <a:endParaRPr lang="it-IT" dirty="0"/>
+          </a:p>
+          <a:p>
+            <a:r>
               <a:rPr lang="it-IT" dirty="0"/>
-            </a:br>
-            <a:r>
-              <a:rPr lang="it-IT" dirty="0"/>
-              <a:t>N è il numero totale di elementi nel </a:t>
-            </a:r>
-            <a:r>
-              <a:rPr lang="it-IT" dirty="0" err="1"/>
-              <a:t>dataset.KKK</a:t>
-            </a:r>
-            <a:r>
-              <a:rPr lang="it-IT" dirty="0"/>
-              <a:t> è il numero di </a:t>
-            </a:r>
-            <a:r>
-              <a:rPr lang="it-IT" dirty="0" err="1"/>
-              <a:t>cluster.CiC_iCi</a:t>
-            </a:r>
-            <a:r>
-              <a:rPr lang="it-IT" dirty="0"/>
-              <a:t>​ è l'insieme di elementi nel cluster </a:t>
-            </a:r>
-            <a:r>
-              <a:rPr lang="it-IT" dirty="0" err="1"/>
-              <a:t>iii.LjL_jLj</a:t>
-            </a:r>
-            <a:r>
-              <a:rPr lang="it-IT" dirty="0"/>
-              <a:t>​ è l'insieme di elementi con l'etichetta vera </a:t>
-            </a:r>
-            <a:r>
-              <a:rPr lang="it-IT" dirty="0" err="1"/>
-              <a:t>jjj</a:t>
-            </a:r>
-            <a:r>
-              <a:rPr lang="it-IT" dirty="0"/>
-              <a:t>.∣</a:t>
-            </a:r>
-            <a:r>
-              <a:rPr lang="it-IT" dirty="0" err="1"/>
-              <a:t>Ci∩Lj</a:t>
-            </a:r>
-            <a:r>
-              <a:rPr lang="it-IT" dirty="0"/>
-              <a:t>∣|</a:t>
-            </a:r>
-            <a:r>
-              <a:rPr lang="it-IT" dirty="0" err="1"/>
-              <a:t>C_i</a:t>
-            </a:r>
-            <a:r>
-              <a:rPr lang="it-IT" dirty="0"/>
-              <a:t> \</a:t>
-            </a:r>
-            <a:r>
-              <a:rPr lang="it-IT" dirty="0" err="1"/>
-              <a:t>cap</a:t>
-            </a:r>
-            <a:r>
-              <a:rPr lang="it-IT" dirty="0"/>
-              <a:t> </a:t>
-            </a:r>
-            <a:r>
-              <a:rPr lang="it-IT" dirty="0" err="1"/>
-              <a:t>L_j</a:t>
-            </a:r>
-            <a:r>
-              <a:rPr lang="it-IT" dirty="0"/>
-              <a:t>|∣Ci​∩</a:t>
-            </a:r>
-            <a:r>
-              <a:rPr lang="it-IT" dirty="0" err="1"/>
-              <a:t>Lj</a:t>
-            </a:r>
-            <a:r>
-              <a:rPr lang="it-IT" dirty="0"/>
-              <a:t>​∣ è il numero di elementi del cluster iii che appartengono alla classe </a:t>
-            </a:r>
-            <a:r>
-              <a:rPr lang="it-IT" dirty="0" err="1"/>
-              <a:t>jjj.max⁡j∣Ci∩Lj</a:t>
-            </a:r>
-            <a:r>
-              <a:rPr lang="it-IT" dirty="0"/>
-              <a:t>∣\</a:t>
-            </a:r>
-            <a:r>
-              <a:rPr lang="it-IT" dirty="0" err="1"/>
-              <a:t>max_j</a:t>
-            </a:r>
-            <a:r>
-              <a:rPr lang="it-IT" dirty="0"/>
-              <a:t> | </a:t>
-            </a:r>
-            <a:r>
-              <a:rPr lang="it-IT" dirty="0" err="1"/>
-              <a:t>C_i</a:t>
-            </a:r>
-            <a:r>
-              <a:rPr lang="it-IT" dirty="0"/>
-              <a:t> \</a:t>
-            </a:r>
-            <a:r>
-              <a:rPr lang="it-IT" dirty="0" err="1"/>
-              <a:t>cap</a:t>
-            </a:r>
-            <a:r>
-              <a:rPr lang="it-IT" dirty="0"/>
-              <a:t> </a:t>
-            </a:r>
-            <a:r>
-              <a:rPr lang="it-IT" dirty="0" err="1"/>
-              <a:t>L_j</a:t>
-            </a:r>
-            <a:r>
-              <a:rPr lang="it-IT" dirty="0"/>
-              <a:t> |</a:t>
-            </a:r>
-            <a:r>
-              <a:rPr lang="it-IT" dirty="0" err="1"/>
-              <a:t>maxj</a:t>
-            </a:r>
-            <a:r>
-              <a:rPr lang="it-IT" dirty="0"/>
-              <a:t>​∣Ci​∩</a:t>
-            </a:r>
-            <a:r>
-              <a:rPr lang="it-IT" dirty="0" err="1"/>
-              <a:t>Lj</a:t>
-            </a:r>
-            <a:r>
-              <a:rPr lang="it-IT" dirty="0"/>
-              <a:t>​∣ rappresenta il numero di elementi della classe più comune all'interno del cluster iii. Per ogni cluster iii, si trova la classe </a:t>
-            </a:r>
-            <a:r>
-              <a:rPr lang="it-IT" dirty="0" err="1"/>
-              <a:t>jjj</a:t>
-            </a:r>
-            <a:r>
-              <a:rPr lang="it-IT" dirty="0"/>
-              <a:t> con il maggior numero di elementi in comune con quel </a:t>
-            </a:r>
-            <a:r>
-              <a:rPr lang="it-IT" dirty="0" err="1"/>
-              <a:t>cluster.Si</a:t>
-            </a:r>
-            <a:r>
-              <a:rPr lang="it-IT" dirty="0"/>
-              <a:t> sommano i valori massimi per tutti i cluster e si divide per il numero totale di elementi NNN, per ottenere una proporzione. </a:t>
-            </a:r>
-            <a:br>
-              <a:rPr lang="it-IT" dirty="0"/>
-            </a:br>
-            <a:br>
-              <a:rPr lang="it-IT" dirty="0"/>
-            </a:br>
-            <a:r>
-              <a:rPr lang="it-IT" dirty="0"/>
-              <a:t>Più alto è il valore, più "puri" sono i </a:t>
-            </a:r>
-            <a:r>
-              <a:rPr lang="it-IT" dirty="0" err="1"/>
-              <a:t>cluster.</a:t>
-            </a:r>
-            <a:r>
-              <a:rPr lang="it-IT" b="1" dirty="0" err="1"/>
-              <a:t>Come</a:t>
-            </a:r>
-            <a:r>
-              <a:rPr lang="it-IT" b="1" dirty="0"/>
-              <a:t> </a:t>
-            </a:r>
-            <a:r>
-              <a:rPr lang="it-IT" b="1" dirty="0" err="1"/>
-              <a:t>funziona</a:t>
-            </a:r>
-            <a:r>
-              <a:rPr lang="it-IT" dirty="0" err="1"/>
-              <a:t>:Per</a:t>
-            </a:r>
-            <a:r>
-              <a:rPr lang="it-IT" dirty="0"/>
-              <a:t> ogni cluster, identifica i punti appartenenti a quel cluster.</a:t>
-            </a:r>
-          </a:p>
-          <a:p>
-            <a:pPr>
-              <a:buFont typeface="Arial" panose="020B0604020202020204" pitchFamily="34" charset="0"/>
-              <a:buChar char="•"/>
-            </a:pPr>
-            <a:r>
-              <a:rPr lang="it-IT" dirty="0"/>
-              <a:t>Conta l'etichetta più frequente (il </a:t>
-            </a:r>
-            <a:r>
-              <a:rPr lang="it-IT" b="1" dirty="0"/>
-              <a:t>label</a:t>
-            </a:r>
-            <a:r>
-              <a:rPr lang="it-IT" dirty="0"/>
-              <a:t> più comune) all'interno del cluster.</a:t>
-            </a:r>
-          </a:p>
-          <a:p>
-            <a:pPr>
-              <a:buFont typeface="Arial" panose="020B0604020202020204" pitchFamily="34" charset="0"/>
-              <a:buChar char="•"/>
-            </a:pPr>
-            <a:r>
-              <a:rPr lang="it-IT" dirty="0"/>
-              <a:t>Somma il numero di occorrenze di queste etichette comuni in tutti i cluster.</a:t>
-            </a:r>
-          </a:p>
-          <a:p>
-            <a:pPr>
-              <a:buFont typeface="Arial" panose="020B0604020202020204" pitchFamily="34" charset="0"/>
-              <a:buChar char="•"/>
-            </a:pPr>
-            <a:r>
-              <a:rPr lang="it-IT" dirty="0"/>
-              <a:t>Dividi la somma totale per il numero totale di punti per ottenere il punteggio di </a:t>
-            </a:r>
-            <a:r>
-              <a:rPr lang="it-IT" dirty="0" err="1"/>
-              <a:t>purity</a:t>
-            </a:r>
-            <a:r>
-              <a:rPr lang="it-IT" dirty="0"/>
-              <a:t>.</a:t>
-            </a:r>
-            <a:br>
-              <a:rPr lang="it-IT" dirty="0"/>
-            </a:br>
-            <a:br>
-              <a:rPr lang="it-IT" dirty="0"/>
-            </a:br>
-            <a:endParaRPr lang="it-IT" dirty="0"/>
-          </a:p>
-          <a:p>
-            <a:endParaRPr lang="it-IT" dirty="0"/>
+              <a:t>Consideriamo da levare </a:t>
+            </a:r>
           </a:p>
         </p:txBody>
       </p:sp>
@@ -6486,7 +5447,7 @@
           <a:p>
             <a:fld id="{992A8AA5-5C2A-408C-9570-0BDBDC528AD9}" type="slidenum">
               <a:rPr lang="it-IT" smtClean="0"/>
-              <a:t>15</a:t>
+              <a:t>19</a:t>
             </a:fld>
             <a:endParaRPr lang="it-IT"/>
           </a:p>
@@ -6495,7 +5456,7 @@
     </p:spTree>
     <p:extLst>
       <p:ext uri="{BB962C8B-B14F-4D97-AF65-F5344CB8AC3E}">
-        <p14:creationId xmlns:p14="http://schemas.microsoft.com/office/powerpoint/2010/main" val="2175857940"/>
+        <p14:creationId xmlns:p14="http://schemas.microsoft.com/office/powerpoint/2010/main" val="1191188302"/>
       </p:ext>
     </p:extLst>
   </p:cSld>
@@ -6549,32 +5510,258 @@
           <a:bodyPr/>
           <a:lstStyle/>
           <a:p>
+            <a:pPr>
+              <a:buFont typeface="Arial" panose="020B0604020202020204" pitchFamily="34" charset="0"/>
+              <a:buChar char="•"/>
+            </a:pPr>
             <a:r>
               <a:rPr lang="it-IT" dirty="0"/>
-              <a:t>33 features </a:t>
-            </a:r>
-            <a:r>
-              <a:rPr lang="it-IT" dirty="0">
-                <a:sym typeface="Wingdings" panose="05000000000000000000" pitchFamily="2" charset="2"/>
-              </a:rPr>
-              <a:t> informazioni </a:t>
-            </a:r>
-            <a:r>
+              <a:t>PURITY: Viene calcolata trovando la classe predominante in ciascun cluster e sommando il numero di elementi appartenenti a quella classe per tutti i cluster, quindi dividendo il totale per il numero totale di elementi.</a:t>
+            </a:r>
+            <a:br>
               <a:rPr lang="it-IT" dirty="0"/>
-              <a:t>sui codici e denominazioni amministrative e statistiche dei comuni italiani </a:t>
-            </a:r>
-          </a:p>
-          <a:p>
+            </a:br>
+            <a:br>
+              <a:rPr lang="it-IT" dirty="0"/>
+            </a:br>
+            <a:r>
+              <a:rPr lang="it-IT" dirty="0"/>
+              <a:t>N è il numero totale di elementi nel </a:t>
+            </a:r>
+            <a:r>
+              <a:rPr lang="it-IT" dirty="0" err="1"/>
+              <a:t>dataset.KKK</a:t>
+            </a:r>
+            <a:r>
+              <a:rPr lang="it-IT" dirty="0"/>
+              <a:t> è il numero di </a:t>
+            </a:r>
+            <a:r>
+              <a:rPr lang="it-IT" dirty="0" err="1"/>
+              <a:t>cluster.CiC_iCi</a:t>
+            </a:r>
+            <a:r>
+              <a:rPr lang="it-IT" dirty="0"/>
+              <a:t>​ è l'insieme di elementi nel cluster </a:t>
+            </a:r>
+            <a:r>
+              <a:rPr lang="it-IT" dirty="0" err="1"/>
+              <a:t>iii.LjL_jLj</a:t>
+            </a:r>
+            <a:r>
+              <a:rPr lang="it-IT" dirty="0"/>
+              <a:t>​ è l'insieme di elementi con l'etichetta vera </a:t>
+            </a:r>
+            <a:r>
+              <a:rPr lang="it-IT" dirty="0" err="1"/>
+              <a:t>jjj</a:t>
+            </a:r>
+            <a:r>
+              <a:rPr lang="it-IT" dirty="0"/>
+              <a:t>.∣</a:t>
+            </a:r>
+            <a:r>
+              <a:rPr lang="it-IT" dirty="0" err="1"/>
+              <a:t>Ci∩Lj</a:t>
+            </a:r>
+            <a:r>
+              <a:rPr lang="it-IT" dirty="0"/>
+              <a:t>∣|</a:t>
+            </a:r>
+            <a:r>
+              <a:rPr lang="it-IT" dirty="0" err="1"/>
+              <a:t>C_i</a:t>
+            </a:r>
+            <a:r>
+              <a:rPr lang="it-IT" dirty="0"/>
+              <a:t> \</a:t>
+            </a:r>
+            <a:r>
+              <a:rPr lang="it-IT" dirty="0" err="1"/>
+              <a:t>cap</a:t>
+            </a:r>
+            <a:r>
+              <a:rPr lang="it-IT" dirty="0"/>
+              <a:t> </a:t>
+            </a:r>
+            <a:r>
+              <a:rPr lang="it-IT" dirty="0" err="1"/>
+              <a:t>L_j</a:t>
+            </a:r>
+            <a:r>
+              <a:rPr lang="it-IT" dirty="0"/>
+              <a:t>|∣Ci​∩</a:t>
+            </a:r>
+            <a:r>
+              <a:rPr lang="it-IT" dirty="0" err="1"/>
+              <a:t>Lj</a:t>
+            </a:r>
+            <a:r>
+              <a:rPr lang="it-IT" dirty="0"/>
+              <a:t>​∣ è il numero di elementi del cluster iii che appartengono alla classe </a:t>
+            </a:r>
+            <a:r>
+              <a:rPr lang="it-IT" dirty="0" err="1"/>
+              <a:t>jjj.max⁡j∣Ci∩Lj</a:t>
+            </a:r>
+            <a:r>
+              <a:rPr lang="it-IT" dirty="0"/>
+              <a:t>∣\</a:t>
+            </a:r>
+            <a:r>
+              <a:rPr lang="it-IT" dirty="0" err="1"/>
+              <a:t>max_j</a:t>
+            </a:r>
+            <a:r>
+              <a:rPr lang="it-IT" dirty="0"/>
+              <a:t> | </a:t>
+            </a:r>
+            <a:r>
+              <a:rPr lang="it-IT" dirty="0" err="1"/>
+              <a:t>C_i</a:t>
+            </a:r>
+            <a:r>
+              <a:rPr lang="it-IT" dirty="0"/>
+              <a:t> \</a:t>
+            </a:r>
+            <a:r>
+              <a:rPr lang="it-IT" dirty="0" err="1"/>
+              <a:t>cap</a:t>
+            </a:r>
+            <a:r>
+              <a:rPr lang="it-IT" dirty="0"/>
+              <a:t> </a:t>
+            </a:r>
+            <a:r>
+              <a:rPr lang="it-IT" dirty="0" err="1"/>
+              <a:t>L_j</a:t>
+            </a:r>
+            <a:r>
+              <a:rPr lang="it-IT" dirty="0"/>
+              <a:t> |</a:t>
+            </a:r>
+            <a:r>
+              <a:rPr lang="it-IT" dirty="0" err="1"/>
+              <a:t>maxj</a:t>
+            </a:r>
+            <a:r>
+              <a:rPr lang="it-IT" dirty="0"/>
+              <a:t>​∣Ci​∩</a:t>
+            </a:r>
+            <a:r>
+              <a:rPr lang="it-IT" dirty="0" err="1"/>
+              <a:t>Lj</a:t>
+            </a:r>
+            <a:r>
+              <a:rPr lang="it-IT" dirty="0"/>
+              <a:t>​∣ rappresenta il numero di elementi della classe più comune all'interno del cluster iii. Per ogni cluster iii, si trova la classe </a:t>
+            </a:r>
+            <a:r>
+              <a:rPr lang="it-IT" dirty="0" err="1"/>
+              <a:t>jjj</a:t>
+            </a:r>
+            <a:r>
+              <a:rPr lang="it-IT" dirty="0"/>
+              <a:t> con il maggior numero di elementi in comune con quel </a:t>
+            </a:r>
+            <a:r>
+              <a:rPr lang="it-IT" dirty="0" err="1"/>
+              <a:t>cluster.Si</a:t>
+            </a:r>
+            <a:r>
+              <a:rPr lang="it-IT" dirty="0"/>
+              <a:t> sommano i valori massimi per tutti i cluster e si divide per il numero totale di elementi NNN, per ottenere una proporzione. </a:t>
+            </a:r>
+            <a:br>
+              <a:rPr lang="it-IT" dirty="0"/>
+            </a:br>
+            <a:br>
+              <a:rPr lang="it-IT" dirty="0"/>
+            </a:br>
+            <a:r>
+              <a:rPr lang="it-IT" dirty="0"/>
+              <a:t>Più alto è il valore, più "puri" sono i </a:t>
+            </a:r>
+            <a:r>
+              <a:rPr lang="it-IT" dirty="0" err="1"/>
+              <a:t>cluster.</a:t>
+            </a:r>
+            <a:r>
+              <a:rPr lang="it-IT" b="1" dirty="0" err="1"/>
+              <a:t>Come</a:t>
+            </a:r>
+            <a:r>
+              <a:rPr lang="it-IT" b="1" dirty="0"/>
+              <a:t> </a:t>
+            </a:r>
+            <a:r>
+              <a:rPr lang="it-IT" b="1" dirty="0" err="1"/>
+              <a:t>funziona</a:t>
+            </a:r>
+            <a:r>
+              <a:rPr lang="it-IT" dirty="0" err="1"/>
+              <a:t>:Per</a:t>
+            </a:r>
+            <a:r>
+              <a:rPr lang="it-IT" dirty="0"/>
+              <a:t> ogni cluster, identifica i punti appartenenti a quel cluster.</a:t>
+            </a:r>
+          </a:p>
+          <a:p>
+            <a:pPr>
+              <a:buFont typeface="Arial" panose="020B0604020202020204" pitchFamily="34" charset="0"/>
+              <a:buChar char="•"/>
+            </a:pPr>
+            <a:r>
+              <a:rPr lang="it-IT" dirty="0"/>
+              <a:t>Conta l'etichetta più frequente (il </a:t>
+            </a:r>
+            <a:r>
+              <a:rPr lang="it-IT" b="1" dirty="0"/>
+              <a:t>label</a:t>
+            </a:r>
+            <a:r>
+              <a:rPr lang="it-IT" dirty="0"/>
+              <a:t> più comune) all'interno del cluster.</a:t>
+            </a:r>
+          </a:p>
+          <a:p>
+            <a:pPr>
+              <a:buFont typeface="Arial" panose="020B0604020202020204" pitchFamily="34" charset="0"/>
+              <a:buChar char="•"/>
+            </a:pPr>
+            <a:r>
+              <a:rPr lang="it-IT" dirty="0"/>
+              <a:t>Somma il numero di occorrenze di queste etichette comuni in tutti i cluster.</a:t>
+            </a:r>
+          </a:p>
+          <a:p>
+            <a:pPr>
+              <a:buFont typeface="Arial" panose="020B0604020202020204" pitchFamily="34" charset="0"/>
+              <a:buChar char="•"/>
+            </a:pPr>
+            <a:r>
+              <a:rPr lang="it-IT" dirty="0"/>
+              <a:t>Dividi la somma totale per il numero totale di punti per ottenere il punteggio di </a:t>
+            </a:r>
+            <a:r>
+              <a:rPr lang="it-IT" dirty="0" err="1"/>
+              <a:t>purity</a:t>
+            </a:r>
+            <a:r>
+              <a:rPr lang="it-IT" dirty="0"/>
+              <a:t>.</a:t>
+            </a:r>
+            <a:br>
+              <a:rPr lang="it-IT" dirty="0"/>
+            </a:br>
+            <a:br>
+              <a:rPr lang="it-IT" dirty="0"/>
+            </a:br>
             <a:endParaRPr lang="it-IT" dirty="0"/>
           </a:p>
           <a:p>
             <a:endParaRPr lang="it-IT" dirty="0"/>
-          </a:p>
-          <a:p>
-            <a:r>
-              <a:rPr lang="it-IT" dirty="0"/>
-              <a:t>Consideriamo da levare </a:t>
-            </a:r>
           </a:p>
         </p:txBody>
       </p:sp>
@@ -6604,7 +5791,7 @@
     </p:spTree>
     <p:extLst>
       <p:ext uri="{BB962C8B-B14F-4D97-AF65-F5344CB8AC3E}">
-        <p14:creationId xmlns:p14="http://schemas.microsoft.com/office/powerpoint/2010/main" val="1191188302"/>
+        <p14:creationId xmlns:p14="http://schemas.microsoft.com/office/powerpoint/2010/main" val="4200614493"/>
       </p:ext>
     </p:extLst>
   </p:cSld>
@@ -16408,7 +15595,7 @@
         <p:spPr>
           <a:xfrm>
             <a:off x="508836" y="1104632"/>
-            <a:ext cx="5041900" cy="3600986"/>
+            <a:ext cx="5041900" cy="4339650"/>
           </a:xfrm>
           <a:prstGeom prst="rect">
             <a:avLst/>
@@ -16434,8 +15621,23 @@
                   <a:schemeClr val="bg1"/>
                 </a:solidFill>
               </a:rPr>
-              <a:t>Purity score:</a:t>
-            </a:r>
+              <a:t>Purity score: </a:t>
+            </a:r>
+            <a:r>
+              <a:rPr lang="it-IT" b="1" dirty="0">
+                <a:solidFill>
+                  <a:schemeClr val="bg1"/>
+                </a:solidFill>
+              </a:rPr>
+              <a:t>0.84577</a:t>
+            </a:r>
+          </a:p>
+          <a:p>
+            <a:endParaRPr lang="it-IT" sz="1600" b="1" dirty="0">
+              <a:solidFill>
+                <a:schemeClr val="bg1"/>
+              </a:solidFill>
+            </a:endParaRPr>
           </a:p>
           <a:p>
             <a:r>
@@ -16551,6 +15753,16 @@
             </a:endParaRPr>
           </a:p>
           <a:p>
+            <a:endParaRPr lang="it-IT" sz="1600" dirty="0">
+              <a:solidFill>
+                <a:schemeClr val="bg1"/>
+              </a:solidFill>
+              <a:highlight>
+                <a:srgbClr val="C0C0C0"/>
+              </a:highlight>
+            </a:endParaRPr>
+          </a:p>
+          <a:p>
             <a:endParaRPr lang="it-IT" sz="1600" i="0" dirty="0">
               <a:solidFill>
                 <a:schemeClr val="bg1"/>
@@ -16561,6 +15773,17 @@
               <a:latin typeface="+mn-lt"/>
             </a:endParaRPr>
           </a:p>
+          <a:p>
+            <a:endParaRPr lang="it-IT" sz="1600" i="0" dirty="0">
+              <a:solidFill>
+                <a:schemeClr val="bg1"/>
+              </a:solidFill>
+              <a:highlight>
+                <a:srgbClr val="C0C0C0"/>
+              </a:highlight>
+              <a:latin typeface="+mn-lt"/>
+            </a:endParaRPr>
+          </a:p>
         </p:txBody>
       </p:sp>
       <p:sp>
@@ -16577,8 +15800,8 @@
         </p:nvSpPr>
         <p:spPr>
           <a:xfrm>
-            <a:off x="6095997" y="767999"/>
-            <a:ext cx="5587164" cy="3847207"/>
+            <a:off x="6095997" y="663069"/>
+            <a:ext cx="5587164" cy="4339650"/>
           </a:xfrm>
           <a:prstGeom prst="rect">
             <a:avLst/>
@@ -16604,90 +15827,123 @@
                   <a:schemeClr val="bg2"/>
                 </a:solidFill>
               </a:rPr>
-              <a:t>Silhouette score (normalizzato):</a:t>
-            </a:r>
-          </a:p>
-          <a:p>
-            <a:r>
-              <a:rPr lang="it-IT" sz="400" b="1" dirty="0">
+              <a:t>Silhouette score:</a:t>
+            </a:r>
+            <a:r>
+              <a:rPr lang="it-IT" b="1" dirty="0">
                 <a:solidFill>
                   <a:schemeClr val="bg2"/>
                 </a:solidFill>
               </a:rPr>
-              <a:t>  </a:t>
-            </a:r>
-          </a:p>
-          <a:p>
-            <a:r>
-              <a:rPr lang="it-IT" sz="1600" dirty="0">
-                <a:solidFill>
-                  <a:schemeClr val="bg1"/>
-                </a:solidFill>
-              </a:rPr>
-              <a:t>Quantifica quanto bene ogni punto dati si trova nel proprio cluster rispetto ai punti di altri cluster.</a:t>
-            </a:r>
-          </a:p>
-          <a:p>
-            <a:endParaRPr lang="it-IT" sz="1600" dirty="0">
+              <a:t>0.67883</a:t>
+            </a:r>
+          </a:p>
+          <a:p>
+            <a:endParaRPr lang="it-IT" sz="1600" b="1" dirty="0">
               <a:solidFill>
-                <a:schemeClr val="bg1"/>
+                <a:schemeClr val="bg2"/>
               </a:solidFill>
             </a:endParaRPr>
           </a:p>
           <a:p>
-            <a:endParaRPr lang="it-IT" sz="1600" dirty="0">
+            <a:endParaRPr lang="it-IT" sz="1600" b="1" dirty="0">
               <a:solidFill>
-                <a:schemeClr val="bg1"/>
+                <a:schemeClr val="bg2"/>
               </a:solidFill>
             </a:endParaRPr>
           </a:p>
           <a:p>
-            <a:endParaRPr lang="it-IT" sz="1600" dirty="0">
+            <a:endParaRPr lang="it-IT" sz="1600" b="1" dirty="0">
               <a:solidFill>
-                <a:schemeClr val="bg1"/>
+                <a:schemeClr val="bg2"/>
               </a:solidFill>
             </a:endParaRPr>
           </a:p>
           <a:p>
-            <a:endParaRPr lang="it-IT" sz="1600" dirty="0">
+            <a:endParaRPr lang="it-IT" sz="1600" b="1" dirty="0">
               <a:solidFill>
-                <a:schemeClr val="bg1"/>
+                <a:schemeClr val="bg2"/>
               </a:solidFill>
             </a:endParaRPr>
           </a:p>
           <a:p>
-            <a:endParaRPr lang="it-IT" sz="1600" dirty="0">
+            <a:endParaRPr lang="it-IT" sz="1600" b="1" dirty="0">
               <a:solidFill>
-                <a:schemeClr val="bg1"/>
+                <a:schemeClr val="bg2"/>
               </a:solidFill>
             </a:endParaRPr>
           </a:p>
           <a:p>
-            <a:pPr marL="285750" indent="-285750">
-              <a:buFont typeface="Arial" panose="020B0604020202020204" pitchFamily="34" charset="0"/>
-              <a:buChar char="•"/>
-            </a:pPr>
-            <a:r>
-              <a:rPr lang="it-IT" sz="1600" dirty="0">
-                <a:solidFill>
-                  <a:schemeClr val="bg1"/>
-                </a:solidFill>
-              </a:rPr>
-              <a:t>1: i punti sono ben allineati con il proprio cluster e ben separati dagli altri cluster</a:t>
-            </a:r>
-          </a:p>
-          <a:p>
-            <a:pPr marL="285750" indent="-285750">
-              <a:buFont typeface="Arial" panose="020B0604020202020204" pitchFamily="34" charset="0"/>
-              <a:buChar char="•"/>
-            </a:pPr>
-            <a:r>
-              <a:rPr lang="it-IT" sz="1600" dirty="0">
-                <a:solidFill>
-                  <a:schemeClr val="bg1"/>
-                </a:solidFill>
-              </a:rPr>
-              <a:t>0: i punti sono stati assegnati al cluster sbagliato</a:t>
+            <a:endParaRPr lang="it-IT" sz="1600" b="1" dirty="0">
+              <a:solidFill>
+                <a:schemeClr val="bg2"/>
+              </a:solidFill>
+            </a:endParaRPr>
+          </a:p>
+          <a:p>
+            <a:endParaRPr lang="it-IT" sz="1600" b="1" dirty="0">
+              <a:solidFill>
+                <a:schemeClr val="bg2"/>
+              </a:solidFill>
+            </a:endParaRPr>
+          </a:p>
+          <a:p>
+            <a:endParaRPr lang="it-IT" sz="1600" b="1" dirty="0">
+              <a:solidFill>
+                <a:schemeClr val="bg2"/>
+              </a:solidFill>
+            </a:endParaRPr>
+          </a:p>
+          <a:p>
+            <a:endParaRPr lang="it-IT" sz="1600" b="1" dirty="0">
+              <a:solidFill>
+                <a:schemeClr val="bg2"/>
+              </a:solidFill>
+            </a:endParaRPr>
+          </a:p>
+          <a:p>
+            <a:endParaRPr lang="it-IT" sz="1600" b="1" dirty="0">
+              <a:solidFill>
+                <a:schemeClr val="bg2"/>
+              </a:solidFill>
+            </a:endParaRPr>
+          </a:p>
+          <a:p>
+            <a:endParaRPr lang="it-IT" sz="1600" b="1" dirty="0">
+              <a:solidFill>
+                <a:schemeClr val="bg2"/>
+              </a:solidFill>
+            </a:endParaRPr>
+          </a:p>
+          <a:p>
+            <a:endParaRPr lang="it-IT" sz="1600" b="1" dirty="0">
+              <a:solidFill>
+                <a:schemeClr val="bg2"/>
+              </a:solidFill>
+            </a:endParaRPr>
+          </a:p>
+          <a:p>
+            <a:endParaRPr lang="it-IT" sz="1600" b="1" dirty="0">
+              <a:solidFill>
+                <a:schemeClr val="bg2"/>
+              </a:solidFill>
+            </a:endParaRPr>
+          </a:p>
+          <a:p>
+            <a:endParaRPr lang="it-IT" sz="1600" b="1" dirty="0">
+              <a:solidFill>
+                <a:schemeClr val="bg2"/>
+              </a:solidFill>
+            </a:endParaRPr>
+          </a:p>
+          <a:p>
+            <a:r>
+              <a:rPr lang="it-IT" sz="400" b="1" dirty="0">
+                <a:solidFill>
+                  <a:schemeClr val="bg2"/>
+                </a:solidFill>
+              </a:rPr>
+              <a:t>  </a:t>
             </a:r>
           </a:p>
           <a:p>
@@ -16728,8 +15984,8 @@
         </p:nvSpPr>
         <p:spPr>
           <a:xfrm>
-            <a:off x="1175056" y="4312773"/>
-            <a:ext cx="9841883" cy="2185214"/>
+            <a:off x="1175055" y="4705618"/>
+            <a:ext cx="9841883" cy="1969770"/>
           </a:xfrm>
           <a:prstGeom prst="rect">
             <a:avLst/>
@@ -16752,7 +16008,11 @@
             <a:pPr algn="ctr"/>
             <a:r>
               <a:rPr lang="it-IT" sz="1600" b="1" dirty="0"/>
-              <a:t>METRICA FINALE:</a:t>
+              <a:t>METRICA FINALE: </a:t>
+            </a:r>
+            <a:r>
+              <a:rPr lang="it-IT" b="1" dirty="0"/>
+              <a:t>0.56230</a:t>
             </a:r>
           </a:p>
           <a:p>
@@ -16816,17 +16076,6 @@
               <a:highlight>
                 <a:srgbClr val="C0C0C0"/>
               </a:highlight>
-            </a:endParaRPr>
-          </a:p>
-          <a:p>
-            <a:endParaRPr lang="it-IT" sz="1600" i="0" dirty="0">
-              <a:solidFill>
-                <a:schemeClr val="bg2"/>
-              </a:solidFill>
-              <a:highlight>
-                <a:srgbClr val="C0C0C0"/>
-              </a:highlight>
-              <a:latin typeface="+mn-lt"/>
             </a:endParaRPr>
           </a:p>
           <a:p>
@@ -16864,7 +16113,7 @@
         </p:blipFill>
         <p:spPr>
           <a:xfrm>
-            <a:off x="1296294" y="2097909"/>
+            <a:off x="1445406" y="2256558"/>
             <a:ext cx="3371959" cy="855572"/>
           </a:xfrm>
           <a:prstGeom prst="rect">
@@ -16926,10 +16175,10 @@
       </p:sp>
       <p:pic>
         <p:nvPicPr>
-          <p:cNvPr id="17" name="Immagine 16">
+          <p:cNvPr id="19" name="Immagine 18">
             <a:extLst>
               <a:ext uri="{FF2B5EF4-FFF2-40B4-BE49-F238E27FC236}">
-                <a16:creationId xmlns:a16="http://schemas.microsoft.com/office/drawing/2014/main" id="{82E44164-261C-13DC-02FD-756B7A48FAEC}"/>
+                <a16:creationId xmlns:a16="http://schemas.microsoft.com/office/drawing/2014/main" id="{ABCAE029-428E-42DC-2785-63C0AA9A21C2}"/>
               </a:ext>
             </a:extLst>
           </p:cNvPr>
@@ -16946,8 +16195,8 @@
         </p:blipFill>
         <p:spPr>
           <a:xfrm>
-            <a:off x="6874724" y="1698101"/>
-            <a:ext cx="4023877" cy="799616"/>
+            <a:off x="1522108" y="5624286"/>
+            <a:ext cx="9147775" cy="846372"/>
           </a:xfrm>
           <a:prstGeom prst="rect">
             <a:avLst/>
@@ -16956,10 +16205,10 @@
       </p:pic>
       <p:pic>
         <p:nvPicPr>
-          <p:cNvPr id="13" name="Immagine 12">
+          <p:cNvPr id="3" name="Immagine 2" descr="Immagine che contiene testo, diagramma, schermata, linea&#10;&#10;Descrizione generata automaticamente">
             <a:extLst>
               <a:ext uri="{FF2B5EF4-FFF2-40B4-BE49-F238E27FC236}">
-                <a16:creationId xmlns:a16="http://schemas.microsoft.com/office/drawing/2014/main" id="{A92E159F-64BC-E9FA-A867-5602E2EEAA40}"/>
+                <a16:creationId xmlns:a16="http://schemas.microsoft.com/office/drawing/2014/main" id="{36B0C081-B35C-0179-FA02-43FC6D709C27}"/>
               </a:ext>
             </a:extLst>
           </p:cNvPr>
@@ -16970,44 +16219,13 @@
         </p:nvPicPr>
         <p:blipFill>
           <a:blip r:embed="rId5"/>
-          <a:stretch>
-            <a:fillRect/>
-          </a:stretch>
+          <a:srcRect l="4289" t="10322" r="7788" b="6933"/>
+          <a:stretch/>
         </p:blipFill>
         <p:spPr>
           <a:xfrm>
-            <a:off x="6874724" y="2293633"/>
-            <a:ext cx="2552268" cy="647783"/>
-          </a:xfrm>
-          <a:prstGeom prst="rect">
-            <a:avLst/>
-          </a:prstGeom>
-        </p:spPr>
-      </p:pic>
-      <p:pic>
-        <p:nvPicPr>
-          <p:cNvPr id="19" name="Immagine 18">
-            <a:extLst>
-              <a:ext uri="{FF2B5EF4-FFF2-40B4-BE49-F238E27FC236}">
-                <a16:creationId xmlns:a16="http://schemas.microsoft.com/office/drawing/2014/main" id="{ABCAE029-428E-42DC-2785-63C0AA9A21C2}"/>
-              </a:ext>
-            </a:extLst>
-          </p:cNvPr>
-          <p:cNvPicPr>
-            <a:picLocks noChangeAspect="1"/>
-          </p:cNvPicPr>
-          <p:nvPr/>
-        </p:nvPicPr>
-        <p:blipFill>
-          <a:blip r:embed="rId6"/>
-          <a:stretch>
-            <a:fillRect/>
-          </a:stretch>
-        </p:blipFill>
-        <p:spPr>
-          <a:xfrm>
-            <a:off x="1522111" y="5294852"/>
-            <a:ext cx="9147775" cy="846372"/>
+            <a:off x="6156477" y="1063670"/>
+            <a:ext cx="5466204" cy="3600986"/>
           </a:xfrm>
           <a:prstGeom prst="rect">
             <a:avLst/>
@@ -17017,7 +16235,7 @@
     </p:spTree>
     <p:extLst>
       <p:ext uri="{BB962C8B-B14F-4D97-AF65-F5344CB8AC3E}">
-        <p14:creationId xmlns:p14="http://schemas.microsoft.com/office/powerpoint/2010/main" val="95372628"/>
+        <p14:creationId xmlns:p14="http://schemas.microsoft.com/office/powerpoint/2010/main" val="782383674"/>
       </p:ext>
     </p:extLst>
   </p:cSld>
@@ -17080,6 +16298,60 @@
       </p:grpSpPr>
       <p:sp>
         <p:nvSpPr>
+          <p:cNvPr id="14" name="Ovale 13">
+            <a:extLst>
+              <a:ext uri="{FF2B5EF4-FFF2-40B4-BE49-F238E27FC236}">
+                <a16:creationId xmlns:a16="http://schemas.microsoft.com/office/drawing/2014/main" id="{6D25DF4B-28C5-56B9-517F-354687038C97}"/>
+              </a:ext>
+            </a:extLst>
+          </p:cNvPr>
+          <p:cNvSpPr/>
+          <p:nvPr/>
+        </p:nvSpPr>
+        <p:spPr>
+          <a:xfrm>
+            <a:off x="6096000" y="-4072419"/>
+            <a:ext cx="6629897" cy="15157579"/>
+          </a:xfrm>
+          <a:prstGeom prst="ellipse">
+            <a:avLst/>
+          </a:prstGeom>
+          <a:solidFill>
+            <a:srgbClr val="254A8E"/>
+          </a:solidFill>
+          <a:ln>
+            <a:solidFill>
+              <a:srgbClr val="254A8E"/>
+            </a:solidFill>
+          </a:ln>
+        </p:spPr>
+        <p:style>
+          <a:lnRef idx="2">
+            <a:schemeClr val="accent1">
+              <a:shade val="15000"/>
+            </a:schemeClr>
+          </a:lnRef>
+          <a:fillRef idx="1">
+            <a:schemeClr val="accent1"/>
+          </a:fillRef>
+          <a:effectRef idx="0">
+            <a:schemeClr val="accent1"/>
+          </a:effectRef>
+          <a:fontRef idx="minor">
+            <a:schemeClr val="lt1"/>
+          </a:fontRef>
+        </p:style>
+        <p:txBody>
+          <a:bodyPr rtlCol="0" anchor="ctr"/>
+          <a:lstStyle/>
+          <a:p>
+            <a:pPr algn="ctr"/>
+            <a:endParaRPr lang="it-IT" dirty="0"/>
+          </a:p>
+        </p:txBody>
+      </p:sp>
+      <p:sp>
+        <p:nvSpPr>
           <p:cNvPr id="2" name="Pentagono 3">
             <a:extLst>
               <a:ext uri="{FF2B5EF4-FFF2-40B4-BE49-F238E27FC236}">
@@ -17175,10 +16447,10 @@
       </p:sp>
       <p:sp>
         <p:nvSpPr>
-          <p:cNvPr id="7" name="CasellaDiTesto 6">
+          <p:cNvPr id="20" name="CasellaDiTesto 19">
             <a:extLst>
               <a:ext uri="{FF2B5EF4-FFF2-40B4-BE49-F238E27FC236}">
-                <a16:creationId xmlns:a16="http://schemas.microsoft.com/office/drawing/2014/main" id="{F7D80EFD-A20D-53C6-E98A-3DCCBC89E4A6}"/>
+                <a16:creationId xmlns:a16="http://schemas.microsoft.com/office/drawing/2014/main" id="{B58D4545-2B8A-DF08-87B4-EC57B031DB59}"/>
               </a:ext>
             </a:extLst>
           </p:cNvPr>
@@ -17187,522 +16459,8 @@
         </p:nvSpPr>
         <p:spPr>
           <a:xfrm>
-            <a:off x="508836" y="1104632"/>
-            <a:ext cx="5041900" cy="4093428"/>
-          </a:xfrm>
-          <a:prstGeom prst="rect">
-            <a:avLst/>
-          </a:prstGeom>
-          <a:solidFill>
-            <a:schemeClr val="tx1"/>
-          </a:solidFill>
-          <a:ln w="28575">
-            <a:solidFill>
-              <a:srgbClr val="254A8E"/>
-            </a:solidFill>
-          </a:ln>
-        </p:spPr>
-        <p:txBody>
-          <a:bodyPr wrap="square" rtlCol="0">
-            <a:spAutoFit/>
-          </a:bodyPr>
-          <a:lstStyle/>
-          <a:p>
-            <a:r>
-              <a:rPr lang="it-IT" sz="1600" b="1" dirty="0">
-                <a:solidFill>
-                  <a:schemeClr val="bg1"/>
-                </a:solidFill>
-              </a:rPr>
-              <a:t>Purity score:</a:t>
-            </a:r>
-          </a:p>
-          <a:p>
-            <a:r>
-              <a:rPr lang="it-IT" sz="400" b="1" dirty="0">
-                <a:solidFill>
-                  <a:schemeClr val="bg1"/>
-                </a:solidFill>
-              </a:rPr>
-              <a:t>  </a:t>
-            </a:r>
-          </a:p>
-          <a:p>
-            <a:r>
-              <a:rPr lang="it-IT" sz="1600" dirty="0">
-                <a:solidFill>
-                  <a:schemeClr val="bg1"/>
-                </a:solidFill>
-              </a:rPr>
-              <a:t>Indica quanto i cluster contengono principalmente elementi di una singola classe</a:t>
-            </a:r>
-          </a:p>
-          <a:p>
-            <a:endParaRPr lang="it-IT" sz="1600" i="0" dirty="0">
-              <a:solidFill>
-                <a:schemeClr val="bg1"/>
-              </a:solidFill>
-              <a:highlight>
-                <a:srgbClr val="C0C0C0"/>
-              </a:highlight>
-              <a:latin typeface="+mn-lt"/>
-            </a:endParaRPr>
-          </a:p>
-          <a:p>
-            <a:endParaRPr lang="it-IT" sz="1600" dirty="0">
-              <a:solidFill>
-                <a:schemeClr val="bg1"/>
-              </a:solidFill>
-              <a:highlight>
-                <a:srgbClr val="C0C0C0"/>
-              </a:highlight>
-            </a:endParaRPr>
-          </a:p>
-          <a:p>
-            <a:endParaRPr lang="it-IT" sz="1600" i="0" dirty="0">
-              <a:solidFill>
-                <a:schemeClr val="bg1"/>
-              </a:solidFill>
-              <a:highlight>
-                <a:srgbClr val="C0C0C0"/>
-              </a:highlight>
-              <a:latin typeface="+mn-lt"/>
-            </a:endParaRPr>
-          </a:p>
-          <a:p>
-            <a:endParaRPr lang="it-IT" sz="1600" dirty="0">
-              <a:solidFill>
-                <a:schemeClr val="bg1"/>
-              </a:solidFill>
-              <a:highlight>
-                <a:srgbClr val="C0C0C0"/>
-              </a:highlight>
-            </a:endParaRPr>
-          </a:p>
-          <a:p>
-            <a:r>
-              <a:rPr lang="it-IT" sz="1600" dirty="0">
-                <a:solidFill>
-                  <a:schemeClr val="bg1"/>
-                </a:solidFill>
-              </a:rPr>
-              <a:t>Più alto è il valore, più "puri" sono i cluster.</a:t>
-            </a:r>
-            <a:endParaRPr lang="it-IT" sz="1600" i="0" dirty="0">
-              <a:solidFill>
-                <a:schemeClr val="bg1"/>
-              </a:solidFill>
-              <a:highlight>
-                <a:srgbClr val="C0C0C0"/>
-              </a:highlight>
-              <a:latin typeface="+mn-lt"/>
-            </a:endParaRPr>
-          </a:p>
-          <a:p>
-            <a:endParaRPr lang="it-IT" sz="1600" dirty="0">
-              <a:solidFill>
-                <a:schemeClr val="bg1"/>
-              </a:solidFill>
-              <a:highlight>
-                <a:srgbClr val="C0C0C0"/>
-              </a:highlight>
-            </a:endParaRPr>
-          </a:p>
-          <a:p>
-            <a:endParaRPr lang="it-IT" sz="1600" i="0" dirty="0">
-              <a:solidFill>
-                <a:schemeClr val="bg1"/>
-              </a:solidFill>
-              <a:highlight>
-                <a:srgbClr val="C0C0C0"/>
-              </a:highlight>
-              <a:latin typeface="+mn-lt"/>
-            </a:endParaRPr>
-          </a:p>
-          <a:p>
-            <a:endParaRPr lang="it-IT" sz="1600" i="0" dirty="0">
-              <a:solidFill>
-                <a:schemeClr val="bg1"/>
-              </a:solidFill>
-              <a:highlight>
-                <a:srgbClr val="C0C0C0"/>
-              </a:highlight>
-              <a:latin typeface="+mn-lt"/>
-            </a:endParaRPr>
-          </a:p>
-          <a:p>
-            <a:endParaRPr lang="it-IT" sz="1600" dirty="0">
-              <a:solidFill>
-                <a:schemeClr val="bg1"/>
-              </a:solidFill>
-              <a:highlight>
-                <a:srgbClr val="C0C0C0"/>
-              </a:highlight>
-            </a:endParaRPr>
-          </a:p>
-          <a:p>
-            <a:endParaRPr lang="it-IT" sz="1600" i="0" dirty="0">
-              <a:solidFill>
-                <a:schemeClr val="bg1"/>
-              </a:solidFill>
-              <a:highlight>
-                <a:srgbClr val="C0C0C0"/>
-              </a:highlight>
-              <a:latin typeface="+mn-lt"/>
-            </a:endParaRPr>
-          </a:p>
-          <a:p>
-            <a:endParaRPr lang="it-IT" sz="1600" i="0" dirty="0">
-              <a:solidFill>
-                <a:schemeClr val="bg1"/>
-              </a:solidFill>
-              <a:highlight>
-                <a:srgbClr val="C0C0C0"/>
-              </a:highlight>
-              <a:latin typeface="+mn-lt"/>
-            </a:endParaRPr>
-          </a:p>
-        </p:txBody>
-      </p:sp>
-      <p:sp>
-        <p:nvSpPr>
-          <p:cNvPr id="8" name="CasellaDiTesto 7">
-            <a:extLst>
-              <a:ext uri="{FF2B5EF4-FFF2-40B4-BE49-F238E27FC236}">
-                <a16:creationId xmlns:a16="http://schemas.microsoft.com/office/drawing/2014/main" id="{ECFA3C5D-4B28-89A5-FC10-474FA2B49295}"/>
-              </a:ext>
-            </a:extLst>
-          </p:cNvPr>
-          <p:cNvSpPr txBox="1"/>
-          <p:nvPr/>
-        </p:nvSpPr>
-        <p:spPr>
-          <a:xfrm>
-            <a:off x="6095997" y="663069"/>
-            <a:ext cx="5587164" cy="4339650"/>
-          </a:xfrm>
-          <a:prstGeom prst="rect">
-            <a:avLst/>
-          </a:prstGeom>
-          <a:solidFill>
-            <a:schemeClr val="tx1"/>
-          </a:solidFill>
-          <a:ln w="28575">
-            <a:solidFill>
-              <a:srgbClr val="254A8E"/>
-            </a:solidFill>
-          </a:ln>
-        </p:spPr>
-        <p:txBody>
-          <a:bodyPr wrap="square" rtlCol="0">
-            <a:spAutoFit/>
-          </a:bodyPr>
-          <a:lstStyle/>
-          <a:p>
-            <a:r>
-              <a:rPr lang="it-IT" sz="1600" b="1" dirty="0">
-                <a:solidFill>
-                  <a:schemeClr val="bg2"/>
-                </a:solidFill>
-              </a:rPr>
-              <a:t>Silhouette score:</a:t>
-            </a:r>
-          </a:p>
-          <a:p>
-            <a:endParaRPr lang="it-IT" sz="1600" b="1" dirty="0">
-              <a:solidFill>
-                <a:schemeClr val="bg2"/>
-              </a:solidFill>
-            </a:endParaRPr>
-          </a:p>
-          <a:p>
-            <a:endParaRPr lang="it-IT" sz="1600" b="1" dirty="0">
-              <a:solidFill>
-                <a:schemeClr val="bg2"/>
-              </a:solidFill>
-            </a:endParaRPr>
-          </a:p>
-          <a:p>
-            <a:endParaRPr lang="it-IT" sz="1600" b="1" dirty="0">
-              <a:solidFill>
-                <a:schemeClr val="bg2"/>
-              </a:solidFill>
-            </a:endParaRPr>
-          </a:p>
-          <a:p>
-            <a:endParaRPr lang="it-IT" sz="1600" b="1" dirty="0">
-              <a:solidFill>
-                <a:schemeClr val="bg2"/>
-              </a:solidFill>
-            </a:endParaRPr>
-          </a:p>
-          <a:p>
-            <a:endParaRPr lang="it-IT" sz="1600" b="1" dirty="0">
-              <a:solidFill>
-                <a:schemeClr val="bg2"/>
-              </a:solidFill>
-            </a:endParaRPr>
-          </a:p>
-          <a:p>
-            <a:endParaRPr lang="it-IT" sz="1600" b="1" dirty="0">
-              <a:solidFill>
-                <a:schemeClr val="bg2"/>
-              </a:solidFill>
-            </a:endParaRPr>
-          </a:p>
-          <a:p>
-            <a:endParaRPr lang="it-IT" sz="1600" b="1" dirty="0">
-              <a:solidFill>
-                <a:schemeClr val="bg2"/>
-              </a:solidFill>
-            </a:endParaRPr>
-          </a:p>
-          <a:p>
-            <a:endParaRPr lang="it-IT" sz="1600" b="1" dirty="0">
-              <a:solidFill>
-                <a:schemeClr val="bg2"/>
-              </a:solidFill>
-            </a:endParaRPr>
-          </a:p>
-          <a:p>
-            <a:endParaRPr lang="it-IT" sz="1600" b="1" dirty="0">
-              <a:solidFill>
-                <a:schemeClr val="bg2"/>
-              </a:solidFill>
-            </a:endParaRPr>
-          </a:p>
-          <a:p>
-            <a:endParaRPr lang="it-IT" sz="1600" b="1" dirty="0">
-              <a:solidFill>
-                <a:schemeClr val="bg2"/>
-              </a:solidFill>
-            </a:endParaRPr>
-          </a:p>
-          <a:p>
-            <a:endParaRPr lang="it-IT" sz="1600" b="1" dirty="0">
-              <a:solidFill>
-                <a:schemeClr val="bg2"/>
-              </a:solidFill>
-            </a:endParaRPr>
-          </a:p>
-          <a:p>
-            <a:endParaRPr lang="it-IT" sz="1600" b="1" dirty="0">
-              <a:solidFill>
-                <a:schemeClr val="bg2"/>
-              </a:solidFill>
-            </a:endParaRPr>
-          </a:p>
-          <a:p>
-            <a:endParaRPr lang="it-IT" sz="1600" b="1" dirty="0">
-              <a:solidFill>
-                <a:schemeClr val="bg2"/>
-              </a:solidFill>
-            </a:endParaRPr>
-          </a:p>
-          <a:p>
-            <a:endParaRPr lang="it-IT" sz="1600" b="1" dirty="0">
-              <a:solidFill>
-                <a:schemeClr val="bg2"/>
-              </a:solidFill>
-            </a:endParaRPr>
-          </a:p>
-          <a:p>
-            <a:r>
-              <a:rPr lang="it-IT" sz="400" b="1" dirty="0">
-                <a:solidFill>
-                  <a:schemeClr val="bg2"/>
-                </a:solidFill>
-              </a:rPr>
-              <a:t>  </a:t>
-            </a:r>
-          </a:p>
-          <a:p>
-            <a:pPr marL="285750" indent="-285750">
-              <a:buFont typeface="Arial" panose="020B0604020202020204" pitchFamily="34" charset="0"/>
-              <a:buChar char="•"/>
-            </a:pPr>
-            <a:endParaRPr lang="it-IT" sz="1600" dirty="0">
-              <a:solidFill>
-                <a:schemeClr val="bg1"/>
-              </a:solidFill>
-            </a:endParaRPr>
-          </a:p>
-          <a:p>
-            <a:pPr marL="285750" indent="-285750">
-              <a:buFont typeface="Arial" panose="020B0604020202020204" pitchFamily="34" charset="0"/>
-              <a:buChar char="•"/>
-            </a:pPr>
-            <a:endParaRPr lang="it-IT" sz="1600" dirty="0">
-              <a:solidFill>
-                <a:schemeClr val="bg1"/>
-              </a:solidFill>
-            </a:endParaRPr>
-          </a:p>
-        </p:txBody>
-      </p:sp>
-      <p:sp>
-        <p:nvSpPr>
-          <p:cNvPr id="9" name="CasellaDiTesto 8">
-            <a:extLst>
-              <a:ext uri="{FF2B5EF4-FFF2-40B4-BE49-F238E27FC236}">
-                <a16:creationId xmlns:a16="http://schemas.microsoft.com/office/drawing/2014/main" id="{A2473A8D-B1FD-BC9A-F8AA-3C0CC99414E6}"/>
-              </a:ext>
-            </a:extLst>
-          </p:cNvPr>
-          <p:cNvSpPr txBox="1"/>
-          <p:nvPr/>
-        </p:nvSpPr>
-        <p:spPr>
-          <a:xfrm>
-            <a:off x="1175055" y="4705618"/>
-            <a:ext cx="9841883" cy="1938992"/>
-          </a:xfrm>
-          <a:prstGeom prst="rect">
-            <a:avLst/>
-          </a:prstGeom>
-          <a:solidFill>
-            <a:srgbClr val="254A8E"/>
-          </a:solidFill>
-          <a:ln w="28575">
-            <a:solidFill>
-              <a:srgbClr val="254A8E"/>
-            </a:solidFill>
-          </a:ln>
-        </p:spPr>
-        <p:txBody>
-          <a:bodyPr wrap="square" rtlCol="0">
-            <a:spAutoFit/>
-          </a:bodyPr>
-          <a:lstStyle/>
-          <a:p>
-            <a:pPr algn="ctr"/>
-            <a:r>
-              <a:rPr lang="it-IT" sz="1600" b="1" dirty="0"/>
-              <a:t>METRICA FINALE:</a:t>
-            </a:r>
-          </a:p>
-          <a:p>
-            <a:r>
-              <a:rPr lang="it-IT" sz="400" b="1" dirty="0">
-                <a:solidFill>
-                  <a:schemeClr val="bg1"/>
-                </a:solidFill>
-              </a:rPr>
-              <a:t>  </a:t>
-            </a:r>
-          </a:p>
-          <a:p>
-            <a:r>
-              <a:rPr lang="it-IT" sz="1600" dirty="0"/>
-              <a:t>Combina le due metriche con una penalità aggiuntiva proporzionale al numero di cluster per evitare che l'algoritmo porti all’overfitting</a:t>
-            </a:r>
-            <a:endParaRPr lang="it-IT" sz="1600" b="1" dirty="0"/>
-          </a:p>
-          <a:p>
-            <a:r>
-              <a:rPr lang="it-IT" sz="400" b="1" dirty="0"/>
-              <a:t>  </a:t>
-            </a:r>
-            <a:endParaRPr lang="it-IT" sz="1600" i="0" dirty="0">
-              <a:solidFill>
-                <a:schemeClr val="bg2"/>
-              </a:solidFill>
-              <a:highlight>
-                <a:srgbClr val="C0C0C0"/>
-              </a:highlight>
-              <a:latin typeface="+mn-lt"/>
-            </a:endParaRPr>
-          </a:p>
-          <a:p>
-            <a:endParaRPr lang="it-IT" sz="1600" dirty="0">
-              <a:solidFill>
-                <a:schemeClr val="bg2"/>
-              </a:solidFill>
-              <a:highlight>
-                <a:srgbClr val="C0C0C0"/>
-              </a:highlight>
-            </a:endParaRPr>
-          </a:p>
-          <a:p>
-            <a:endParaRPr lang="it-IT" sz="1600" i="0" dirty="0">
-              <a:solidFill>
-                <a:schemeClr val="bg2"/>
-              </a:solidFill>
-              <a:highlight>
-                <a:srgbClr val="C0C0C0"/>
-              </a:highlight>
-              <a:latin typeface="+mn-lt"/>
-            </a:endParaRPr>
-          </a:p>
-          <a:p>
-            <a:endParaRPr lang="it-IT" sz="1600" dirty="0">
-              <a:solidFill>
-                <a:schemeClr val="bg2"/>
-              </a:solidFill>
-              <a:highlight>
-                <a:srgbClr val="C0C0C0"/>
-              </a:highlight>
-            </a:endParaRPr>
-          </a:p>
-          <a:p>
-            <a:endParaRPr lang="it-IT" sz="1600" i="0" dirty="0">
-              <a:solidFill>
-                <a:schemeClr val="bg2"/>
-              </a:solidFill>
-              <a:highlight>
-                <a:srgbClr val="C0C0C0"/>
-              </a:highlight>
-              <a:latin typeface="+mn-lt"/>
-            </a:endParaRPr>
-          </a:p>
-        </p:txBody>
-      </p:sp>
-      <p:pic>
-        <p:nvPicPr>
-          <p:cNvPr id="11" name="Immagine 10">
-            <a:extLst>
-              <a:ext uri="{FF2B5EF4-FFF2-40B4-BE49-F238E27FC236}">
-                <a16:creationId xmlns:a16="http://schemas.microsoft.com/office/drawing/2014/main" id="{944A2420-8644-48C8-C287-B9057875B1ED}"/>
-              </a:ext>
-            </a:extLst>
-          </p:cNvPr>
-          <p:cNvPicPr>
-            <a:picLocks noChangeAspect="1"/>
-          </p:cNvPicPr>
-          <p:nvPr/>
-        </p:nvPicPr>
-        <p:blipFill>
-          <a:blip r:embed="rId3"/>
-          <a:stretch>
-            <a:fillRect/>
-          </a:stretch>
-        </p:blipFill>
-        <p:spPr>
-          <a:xfrm>
-            <a:off x="1296294" y="2097909"/>
-            <a:ext cx="3371959" cy="855572"/>
-          </a:xfrm>
-          <a:prstGeom prst="rect">
-            <a:avLst/>
-          </a:prstGeom>
-        </p:spPr>
-      </p:pic>
-      <p:sp>
-        <p:nvSpPr>
-          <p:cNvPr id="15" name="CasellaDiTesto 14">
-            <a:extLst>
-              <a:ext uri="{FF2B5EF4-FFF2-40B4-BE49-F238E27FC236}">
-                <a16:creationId xmlns:a16="http://schemas.microsoft.com/office/drawing/2014/main" id="{2207B795-906E-F4EF-6FA5-C82ED4ECBC1E}"/>
-              </a:ext>
-            </a:extLst>
-          </p:cNvPr>
-          <p:cNvSpPr txBox="1"/>
-          <p:nvPr/>
-        </p:nvSpPr>
-        <p:spPr>
-          <a:xfrm>
-            <a:off x="7751800" y="160442"/>
-            <a:ext cx="6096000" cy="461665"/>
+            <a:off x="575431" y="1310571"/>
+            <a:ext cx="4785362" cy="1677382"/>
           </a:xfrm>
           <a:prstGeom prst="rect">
             <a:avLst/>
@@ -17716,92 +16474,485 @@
           <a:lstStyle/>
           <a:p>
             <a:r>
-              <a:rPr lang="it-IT" sz="2400" b="1" dirty="0">
-                <a:solidFill>
-                  <a:schemeClr val="bg2"/>
-                </a:solidFill>
-              </a:rPr>
-              <a:t>METRICHE:</a:t>
-            </a:r>
-            <a:r>
-              <a:rPr lang="it-IT" sz="2000" b="1" dirty="0">
-                <a:solidFill>
-                  <a:schemeClr val="bg2"/>
-                </a:solidFill>
-              </a:rPr>
-              <a:t>	</a:t>
-            </a:r>
-            <a:endParaRPr lang="it-IT" sz="2400" b="1" dirty="0">
+              <a:rPr lang="it-IT" sz="1600" b="1" dirty="0">
+                <a:solidFill>
+                  <a:schemeClr val="bg1"/>
+                </a:solidFill>
+              </a:rPr>
+              <a:t>Risultati Medi delle Valutazioni su n Misurazioni:</a:t>
+            </a:r>
+          </a:p>
+          <a:p>
+            <a:endParaRPr lang="it-IT" sz="700" b="1" dirty="0">
               <a:solidFill>
-                <a:schemeClr val="bg2"/>
+                <a:schemeClr val="bg1"/>
               </a:solidFill>
             </a:endParaRPr>
           </a:p>
+          <a:p>
+            <a:r>
+              <a:rPr lang="it-IT" sz="1600" dirty="0">
+                <a:solidFill>
+                  <a:schemeClr val="bg1"/>
+                </a:solidFill>
+              </a:rPr>
+              <a:t>Nella tabella seguente sono riportati i valori medi delle principali metriche di valutazione ottenuti dopo n misurazioni consecutive. </a:t>
+            </a:r>
+            <a:endParaRPr lang="it-IT" sz="1600" b="1" dirty="0">
+              <a:solidFill>
+                <a:schemeClr val="bg1"/>
+              </a:solidFill>
+            </a:endParaRPr>
+          </a:p>
         </p:txBody>
       </p:sp>
-      <p:pic>
-        <p:nvPicPr>
-          <p:cNvPr id="19" name="Immagine 18">
+      <p:sp>
+        <p:nvSpPr>
+          <p:cNvPr id="21" name="CasellaDiTesto 20">
             <a:extLst>
               <a:ext uri="{FF2B5EF4-FFF2-40B4-BE49-F238E27FC236}">
-                <a16:creationId xmlns:a16="http://schemas.microsoft.com/office/drawing/2014/main" id="{ABCAE029-428E-42DC-2785-63C0AA9A21C2}"/>
+                <a16:creationId xmlns:a16="http://schemas.microsoft.com/office/drawing/2014/main" id="{970665FC-ECE4-972C-5D31-D80D39DC5FF7}"/>
               </a:ext>
             </a:extLst>
           </p:cNvPr>
-          <p:cNvPicPr>
-            <a:picLocks noChangeAspect="1"/>
-          </p:cNvPicPr>
+          <p:cNvSpPr txBox="1"/>
           <p:nvPr/>
-        </p:nvPicPr>
-        <p:blipFill>
-          <a:blip r:embed="rId4"/>
-          <a:stretch>
-            <a:fillRect/>
-          </a:stretch>
-        </p:blipFill>
+        </p:nvSpPr>
         <p:spPr>
           <a:xfrm>
-            <a:off x="1522108" y="5624286"/>
-            <a:ext cx="9147775" cy="846372"/>
+            <a:off x="6936732" y="1064349"/>
+            <a:ext cx="4785362" cy="2169825"/>
           </a:xfrm>
           <a:prstGeom prst="rect">
             <a:avLst/>
           </a:prstGeom>
+          <a:noFill/>
         </p:spPr>
-      </p:pic>
-      <p:pic>
-        <p:nvPicPr>
-          <p:cNvPr id="3" name="Immagine 2" descr="Immagine che contiene testo, diagramma, schermata, linea&#10;&#10;Descrizione generata automaticamente">
+        <p:txBody>
+          <a:bodyPr wrap="square">
+            <a:spAutoFit/>
+          </a:bodyPr>
+          <a:lstStyle/>
+          <a:p>
+            <a:r>
+              <a:rPr lang="it-IT" sz="1600" b="1" dirty="0"/>
+              <a:t>Risultati della Migliore Misurazione:</a:t>
+            </a:r>
+          </a:p>
+          <a:p>
+            <a:endParaRPr lang="it-IT" sz="700" b="1" dirty="0"/>
+          </a:p>
+          <a:p>
+            <a:r>
+              <a:rPr lang="it-IT" sz="1600" dirty="0"/>
+              <a:t>Nella tabella seguente sono riportati i risultati della misurazione che ha ottenuto i valori migliori in termini di performance complessiva. Questi risultati rappresentano il massimo raggiunto dal modello durante il processo di valutazione.</a:t>
+            </a:r>
+            <a:endParaRPr lang="it-IT" sz="1600" b="1" dirty="0"/>
+          </a:p>
+        </p:txBody>
+      </p:sp>
+      <p:graphicFrame>
+        <p:nvGraphicFramePr>
+          <p:cNvPr id="5" name="Tabella 4">
             <a:extLst>
               <a:ext uri="{FF2B5EF4-FFF2-40B4-BE49-F238E27FC236}">
-                <a16:creationId xmlns:a16="http://schemas.microsoft.com/office/drawing/2014/main" id="{36B0C081-B35C-0179-FA02-43FC6D709C27}"/>
+                <a16:creationId xmlns:a16="http://schemas.microsoft.com/office/drawing/2014/main" id="{3EF89C8D-CB36-536C-4139-370FA63C588F}"/>
               </a:ext>
             </a:extLst>
           </p:cNvPr>
-          <p:cNvPicPr>
-            <a:picLocks noChangeAspect="1"/>
-          </p:cNvPicPr>
-          <p:nvPr/>
-        </p:nvPicPr>
-        <p:blipFill>
-          <a:blip r:embed="rId5"/>
-          <a:srcRect l="4289" t="10322" r="7788" b="6933"/>
-          <a:stretch/>
-        </p:blipFill>
-        <p:spPr>
-          <a:xfrm>
-            <a:off x="6156477" y="1014220"/>
-            <a:ext cx="5466204" cy="3600986"/>
-          </a:xfrm>
-          <a:prstGeom prst="rect">
-            <a:avLst/>
-          </a:prstGeom>
-        </p:spPr>
-      </p:pic>
+          <p:cNvGraphicFramePr>
+            <a:graphicFrameLocks noGrp="1"/>
+          </p:cNvGraphicFramePr>
+          <p:nvPr>
+            <p:extLst>
+              <p:ext uri="{D42A27DB-BD31-4B8C-83A1-F6EECF244321}">
+                <p14:modId xmlns:p14="http://schemas.microsoft.com/office/powerpoint/2010/main" val="2056671914"/>
+              </p:ext>
+            </p:extLst>
+          </p:nvPr>
+        </p:nvGraphicFramePr>
+        <p:xfrm>
+          <a:off x="1150913" y="3585582"/>
+          <a:ext cx="3291974" cy="2372450"/>
+        </p:xfrm>
+        <a:graphic>
+          <a:graphicData uri="http://schemas.openxmlformats.org/drawingml/2006/table">
+            <a:tbl>
+              <a:tblPr firstRow="1" bandRow="1">
+                <a:tableStyleId>{5C22544A-7EE6-4342-B048-85BDC9FD1C3A}</a:tableStyleId>
+              </a:tblPr>
+              <a:tblGrid>
+                <a:gridCol w="1702483">
+                  <a:extLst>
+                    <a:ext uri="{9D8B030D-6E8A-4147-A177-3AD203B41FA5}">
+                      <a16:colId xmlns:a16="http://schemas.microsoft.com/office/drawing/2014/main" val="1764006265"/>
+                    </a:ext>
+                  </a:extLst>
+                </a:gridCol>
+                <a:gridCol w="1589491">
+                  <a:extLst>
+                    <a:ext uri="{9D8B030D-6E8A-4147-A177-3AD203B41FA5}">
+                      <a16:colId xmlns:a16="http://schemas.microsoft.com/office/drawing/2014/main" val="2028457956"/>
+                    </a:ext>
+                  </a:extLst>
+                </a:gridCol>
+              </a:tblGrid>
+              <a:tr h="534840">
+                <a:tc>
+                  <a:txBody>
+                    <a:bodyPr/>
+                    <a:lstStyle/>
+                    <a:p>
+                      <a:pPr algn="ctr"/>
+                      <a:r>
+                        <a:rPr lang="en-GB" sz="1400" dirty="0" err="1"/>
+                        <a:t>Metrica</a:t>
+                      </a:r>
+                      <a:endParaRPr lang="it-IT" sz="1400" dirty="0"/>
+                    </a:p>
+                  </a:txBody>
+                  <a:tcPr anchor="ctr"/>
+                </a:tc>
+                <a:tc>
+                  <a:txBody>
+                    <a:bodyPr/>
+                    <a:lstStyle/>
+                    <a:p>
+                      <a:pPr algn="ctr"/>
+                      <a:r>
+                        <a:rPr lang="en-GB" sz="1400" dirty="0"/>
+                        <a:t>Valore</a:t>
+                      </a:r>
+                      <a:endParaRPr lang="it-IT" sz="1400" dirty="0"/>
+                    </a:p>
+                  </a:txBody>
+                  <a:tcPr anchor="ctr"/>
+                </a:tc>
+                <a:extLst>
+                  <a:ext uri="{0D108BD9-81ED-4DB2-BD59-A6C34878D82A}">
+                    <a16:rowId xmlns:a16="http://schemas.microsoft.com/office/drawing/2014/main" val="1364915199"/>
+                  </a:ext>
+                </a:extLst>
+              </a:tr>
+              <a:tr h="601250">
+                <a:tc>
+                  <a:txBody>
+                    <a:bodyPr/>
+                    <a:lstStyle/>
+                    <a:p>
+                      <a:pPr algn="ctr"/>
+                      <a:r>
+                        <a:rPr lang="en-GB" sz="1200" dirty="0"/>
+                        <a:t>Purity Media</a:t>
+                      </a:r>
+                      <a:endParaRPr lang="it-IT" sz="1200" dirty="0"/>
+                    </a:p>
+                  </a:txBody>
+                  <a:tcPr anchor="ctr"/>
+                </a:tc>
+                <a:tc>
+                  <a:txBody>
+                    <a:bodyPr/>
+                    <a:lstStyle/>
+                    <a:p>
+                      <a:pPr algn="ctr"/>
+                      <a:r>
+                        <a:rPr lang="it-IT" sz="1200" dirty="0"/>
+                        <a:t>0.845771</a:t>
+                      </a:r>
+                    </a:p>
+                  </a:txBody>
+                  <a:tcPr anchor="ctr"/>
+                </a:tc>
+                <a:extLst>
+                  <a:ext uri="{0D108BD9-81ED-4DB2-BD59-A6C34878D82A}">
+                    <a16:rowId xmlns:a16="http://schemas.microsoft.com/office/drawing/2014/main" val="2958987106"/>
+                  </a:ext>
+                </a:extLst>
+              </a:tr>
+              <a:tr h="618180">
+                <a:tc>
+                  <a:txBody>
+                    <a:bodyPr/>
+                    <a:lstStyle/>
+                    <a:p>
+                      <a:pPr algn="ctr"/>
+                      <a:r>
+                        <a:rPr lang="en-GB" sz="1200" dirty="0"/>
+                        <a:t>Silhouette Media</a:t>
+                      </a:r>
+                      <a:endParaRPr lang="it-IT" sz="1200" dirty="0"/>
+                    </a:p>
+                  </a:txBody>
+                  <a:tcPr anchor="ctr"/>
+                </a:tc>
+                <a:tc>
+                  <a:txBody>
+                    <a:bodyPr/>
+                    <a:lstStyle/>
+                    <a:p>
+                      <a:pPr algn="ctr"/>
+                      <a:r>
+                        <a:rPr lang="it-IT" sz="1200" dirty="0"/>
+                        <a:t>0.678832</a:t>
+                      </a:r>
+                    </a:p>
+                  </a:txBody>
+                  <a:tcPr anchor="ctr"/>
+                </a:tc>
+                <a:extLst>
+                  <a:ext uri="{0D108BD9-81ED-4DB2-BD59-A6C34878D82A}">
+                    <a16:rowId xmlns:a16="http://schemas.microsoft.com/office/drawing/2014/main" val="3549623544"/>
+                  </a:ext>
+                </a:extLst>
+              </a:tr>
+              <a:tr h="618180">
+                <a:tc>
+                  <a:txBody>
+                    <a:bodyPr/>
+                    <a:lstStyle/>
+                    <a:p>
+                      <a:pPr algn="ctr"/>
+                      <a:r>
+                        <a:rPr lang="en-GB" sz="1200" dirty="0" err="1"/>
+                        <a:t>Metrica</a:t>
+                      </a:r>
+                      <a:r>
+                        <a:rPr lang="en-GB" sz="1200" dirty="0"/>
+                        <a:t> Finale Media</a:t>
+                      </a:r>
+                      <a:endParaRPr lang="it-IT" sz="1200" dirty="0"/>
+                    </a:p>
+                  </a:txBody>
+                  <a:tcPr anchor="ctr"/>
+                </a:tc>
+                <a:tc>
+                  <a:txBody>
+                    <a:bodyPr/>
+                    <a:lstStyle/>
+                    <a:p>
+                      <a:pPr algn="ctr"/>
+                      <a:r>
+                        <a:rPr lang="it-IT" sz="1200" dirty="0"/>
+                        <a:t>0.562302</a:t>
+                      </a:r>
+                    </a:p>
+                  </a:txBody>
+                  <a:tcPr anchor="ctr"/>
+                </a:tc>
+                <a:extLst>
+                  <a:ext uri="{0D108BD9-81ED-4DB2-BD59-A6C34878D82A}">
+                    <a16:rowId xmlns:a16="http://schemas.microsoft.com/office/drawing/2014/main" val="7301362"/>
+                  </a:ext>
+                </a:extLst>
+              </a:tr>
+            </a:tbl>
+          </a:graphicData>
+        </a:graphic>
+      </p:graphicFrame>
+      <p:graphicFrame>
+        <p:nvGraphicFramePr>
+          <p:cNvPr id="7" name="Tabella 6">
+            <a:extLst>
+              <a:ext uri="{FF2B5EF4-FFF2-40B4-BE49-F238E27FC236}">
+                <a16:creationId xmlns:a16="http://schemas.microsoft.com/office/drawing/2014/main" id="{680828CE-6231-DBB6-F449-E53C93A16A9C}"/>
+              </a:ext>
+            </a:extLst>
+          </p:cNvPr>
+          <p:cNvGraphicFramePr>
+            <a:graphicFrameLocks noGrp="1"/>
+          </p:cNvGraphicFramePr>
+          <p:nvPr>
+            <p:extLst>
+              <p:ext uri="{D42A27DB-BD31-4B8C-83A1-F6EECF244321}">
+                <p14:modId xmlns:p14="http://schemas.microsoft.com/office/powerpoint/2010/main" val="947559491"/>
+              </p:ext>
+            </p:extLst>
+          </p:nvPr>
+        </p:nvGraphicFramePr>
+        <p:xfrm>
+          <a:off x="7764961" y="3727814"/>
+          <a:ext cx="3291974" cy="2087985"/>
+        </p:xfrm>
+        <a:graphic>
+          <a:graphicData uri="http://schemas.openxmlformats.org/drawingml/2006/table">
+            <a:tbl>
+              <a:tblPr firstRow="1" bandRow="1">
+                <a:tableStyleId>{5C22544A-7EE6-4342-B048-85BDC9FD1C3A}</a:tableStyleId>
+              </a:tblPr>
+              <a:tblGrid>
+                <a:gridCol w="1702483">
+                  <a:extLst>
+                    <a:ext uri="{9D8B030D-6E8A-4147-A177-3AD203B41FA5}">
+                      <a16:colId xmlns:a16="http://schemas.microsoft.com/office/drawing/2014/main" val="1764006265"/>
+                    </a:ext>
+                  </a:extLst>
+                </a:gridCol>
+                <a:gridCol w="1589491">
+                  <a:extLst>
+                    <a:ext uri="{9D8B030D-6E8A-4147-A177-3AD203B41FA5}">
+                      <a16:colId xmlns:a16="http://schemas.microsoft.com/office/drawing/2014/main" val="2028457956"/>
+                    </a:ext>
+                  </a:extLst>
+                </a:gridCol>
+              </a:tblGrid>
+              <a:tr h="470711">
+                <a:tc>
+                  <a:txBody>
+                    <a:bodyPr/>
+                    <a:lstStyle/>
+                    <a:p>
+                      <a:pPr algn="ctr"/>
+                      <a:r>
+                        <a:rPr lang="en-GB" sz="1400" dirty="0" err="1"/>
+                        <a:t>Metrica</a:t>
+                      </a:r>
+                      <a:endParaRPr lang="it-IT" sz="1400" dirty="0"/>
+                    </a:p>
+                  </a:txBody>
+                  <a:tcPr anchor="ctr"/>
+                </a:tc>
+                <a:tc>
+                  <a:txBody>
+                    <a:bodyPr/>
+                    <a:lstStyle/>
+                    <a:p>
+                      <a:pPr algn="ctr"/>
+                      <a:r>
+                        <a:rPr lang="en-GB" sz="1400" dirty="0"/>
+                        <a:t>Valore</a:t>
+                      </a:r>
+                      <a:endParaRPr lang="it-IT" sz="1400" dirty="0"/>
+                    </a:p>
+                  </a:txBody>
+                  <a:tcPr anchor="ctr"/>
+                </a:tc>
+                <a:extLst>
+                  <a:ext uri="{0D108BD9-81ED-4DB2-BD59-A6C34878D82A}">
+                    <a16:rowId xmlns:a16="http://schemas.microsoft.com/office/drawing/2014/main" val="1364915199"/>
+                  </a:ext>
+                </a:extLst>
+              </a:tr>
+              <a:tr h="529158">
+                <a:tc>
+                  <a:txBody>
+                    <a:bodyPr/>
+                    <a:lstStyle/>
+                    <a:p>
+                      <a:pPr algn="ctr"/>
+                      <a:r>
+                        <a:rPr lang="en-GB" sz="1200" dirty="0"/>
+                        <a:t>Purity</a:t>
+                      </a:r>
+                      <a:endParaRPr lang="it-IT" sz="1200" dirty="0"/>
+                    </a:p>
+                  </a:txBody>
+                  <a:tcPr anchor="ctr"/>
+                </a:tc>
+                <a:tc>
+                  <a:txBody>
+                    <a:bodyPr/>
+                    <a:lstStyle/>
+                    <a:p>
+                      <a:pPr algn="ctr"/>
+                      <a:r>
+                        <a:rPr lang="it-IT" sz="1200" dirty="0"/>
+                        <a:t>0.87686</a:t>
+                      </a:r>
+                    </a:p>
+                  </a:txBody>
+                  <a:tcPr anchor="ctr"/>
+                </a:tc>
+                <a:extLst>
+                  <a:ext uri="{0D108BD9-81ED-4DB2-BD59-A6C34878D82A}">
+                    <a16:rowId xmlns:a16="http://schemas.microsoft.com/office/drawing/2014/main" val="2958987106"/>
+                  </a:ext>
+                </a:extLst>
+              </a:tr>
+              <a:tr h="544058">
+                <a:tc>
+                  <a:txBody>
+                    <a:bodyPr/>
+                    <a:lstStyle/>
+                    <a:p>
+                      <a:pPr algn="ctr"/>
+                      <a:r>
+                        <a:rPr lang="en-GB" sz="1200" dirty="0"/>
+                        <a:t>Silhouette</a:t>
+                      </a:r>
+                      <a:endParaRPr lang="it-IT" sz="1200" dirty="0"/>
+                    </a:p>
+                  </a:txBody>
+                  <a:tcPr anchor="ctr"/>
+                </a:tc>
+                <a:tc>
+                  <a:txBody>
+                    <a:bodyPr/>
+                    <a:lstStyle/>
+                    <a:p>
+                      <a:pPr algn="ctr"/>
+                      <a:r>
+                        <a:rPr lang="it-IT" sz="1200" dirty="0"/>
+                        <a:t>0.73871</a:t>
+                      </a:r>
+                    </a:p>
+                  </a:txBody>
+                  <a:tcPr anchor="ctr"/>
+                </a:tc>
+                <a:extLst>
+                  <a:ext uri="{0D108BD9-81ED-4DB2-BD59-A6C34878D82A}">
+                    <a16:rowId xmlns:a16="http://schemas.microsoft.com/office/drawing/2014/main" val="3549623544"/>
+                  </a:ext>
+                </a:extLst>
+              </a:tr>
+              <a:tr h="544058">
+                <a:tc>
+                  <a:txBody>
+                    <a:bodyPr/>
+                    <a:lstStyle/>
+                    <a:p>
+                      <a:pPr algn="ctr"/>
+                      <a:r>
+                        <a:rPr lang="en-GB" sz="1200" dirty="0" err="1"/>
+                        <a:t>Metrica</a:t>
+                      </a:r>
+                      <a:r>
+                        <a:rPr lang="en-GB" sz="1200" dirty="0"/>
+                        <a:t> Finale</a:t>
+                      </a:r>
+                      <a:endParaRPr lang="it-IT" sz="1200" dirty="0"/>
+                    </a:p>
+                  </a:txBody>
+                  <a:tcPr anchor="ctr"/>
+                </a:tc>
+                <a:tc>
+                  <a:txBody>
+                    <a:bodyPr/>
+                    <a:lstStyle/>
+                    <a:p>
+                      <a:pPr algn="ctr"/>
+                      <a:r>
+                        <a:rPr lang="it-IT" sz="1200" dirty="0"/>
+                        <a:t>0.60778</a:t>
+                      </a:r>
+                    </a:p>
+                  </a:txBody>
+                  <a:tcPr anchor="ctr"/>
+                </a:tc>
+                <a:extLst>
+                  <a:ext uri="{0D108BD9-81ED-4DB2-BD59-A6C34878D82A}">
+                    <a16:rowId xmlns:a16="http://schemas.microsoft.com/office/drawing/2014/main" val="7301362"/>
+                  </a:ext>
+                </a:extLst>
+              </a:tr>
+            </a:tbl>
+          </a:graphicData>
+        </a:graphic>
+      </p:graphicFrame>
     </p:spTree>
     <p:extLst>
       <p:ext uri="{BB962C8B-B14F-4D97-AF65-F5344CB8AC3E}">
-        <p14:creationId xmlns:p14="http://schemas.microsoft.com/office/powerpoint/2010/main" val="782383674"/>
+        <p14:creationId xmlns:p14="http://schemas.microsoft.com/office/powerpoint/2010/main" val="3397511937"/>
       </p:ext>
     </p:extLst>
   </p:cSld>
@@ -17864,94 +17015,10 @@
       </p:grpSpPr>
       <p:sp>
         <p:nvSpPr>
-          <p:cNvPr id="14" name="Ovale 13">
+          <p:cNvPr id="2" name="Pentagono 3">
             <a:extLst>
               <a:ext uri="{FF2B5EF4-FFF2-40B4-BE49-F238E27FC236}">
-                <a16:creationId xmlns:a16="http://schemas.microsoft.com/office/drawing/2014/main" id="{6D25DF4B-28C5-56B9-517F-354687038C97}"/>
-              </a:ext>
-            </a:extLst>
-          </p:cNvPr>
-          <p:cNvSpPr/>
-          <p:nvPr/>
-        </p:nvSpPr>
-        <p:spPr>
-          <a:xfrm>
-            <a:off x="6096000" y="-4072419"/>
-            <a:ext cx="6629897" cy="15157579"/>
-          </a:xfrm>
-          <a:prstGeom prst="ellipse">
-            <a:avLst/>
-          </a:prstGeom>
-          <a:solidFill>
-            <a:srgbClr val="254A8E"/>
-          </a:solidFill>
-          <a:ln>
-            <a:solidFill>
-              <a:srgbClr val="254A8E"/>
-            </a:solidFill>
-          </a:ln>
-        </p:spPr>
-        <p:style>
-          <a:lnRef idx="2">
-            <a:schemeClr val="accent1">
-              <a:shade val="15000"/>
-            </a:schemeClr>
-          </a:lnRef>
-          <a:fillRef idx="1">
-            <a:schemeClr val="accent1"/>
-          </a:fillRef>
-          <a:effectRef idx="0">
-            <a:schemeClr val="accent1"/>
-          </a:effectRef>
-          <a:fontRef idx="minor">
-            <a:schemeClr val="lt1"/>
-          </a:fontRef>
-        </p:style>
-        <p:txBody>
-          <a:bodyPr rtlCol="0" anchor="ctr"/>
-          <a:lstStyle/>
-          <a:p>
-            <a:pPr algn="ctr"/>
-            <a:endParaRPr lang="it-IT" dirty="0"/>
-          </a:p>
-        </p:txBody>
-      </p:sp>
-      <p:pic>
-        <p:nvPicPr>
-          <p:cNvPr id="10" name="Immagine 9">
-            <a:extLst>
-              <a:ext uri="{FF2B5EF4-FFF2-40B4-BE49-F238E27FC236}">
-                <a16:creationId xmlns:a16="http://schemas.microsoft.com/office/drawing/2014/main" id="{2A55AEA4-2828-8EEE-43D8-CC28D159A3E6}"/>
-              </a:ext>
-            </a:extLst>
-          </p:cNvPr>
-          <p:cNvPicPr>
-            <a:picLocks noChangeAspect="1"/>
-          </p:cNvPicPr>
-          <p:nvPr/>
-        </p:nvPicPr>
-        <p:blipFill>
-          <a:blip r:embed="rId3"/>
-          <a:stretch>
-            <a:fillRect/>
-          </a:stretch>
-        </p:blipFill>
-        <p:spPr>
-          <a:xfrm>
-            <a:off x="615199" y="3418658"/>
-            <a:ext cx="4705826" cy="2707268"/>
-          </a:xfrm>
-          <a:prstGeom prst="rect">
-            <a:avLst/>
-          </a:prstGeom>
-        </p:spPr>
-      </p:pic>
-      <p:sp>
-        <p:nvSpPr>
-          <p:cNvPr id="2" name="Pentagono 3">
-            <a:extLst>
-              <a:ext uri="{FF2B5EF4-FFF2-40B4-BE49-F238E27FC236}">
-                <a16:creationId xmlns:a16="http://schemas.microsoft.com/office/drawing/2014/main" id="{A3B02C0C-A95C-5DB0-AC4F-1E60EDC57863}"/>
+                <a16:creationId xmlns:a16="http://schemas.microsoft.com/office/drawing/2014/main" id="{205EABED-105B-3A70-D0AF-24946B0396A9}"/>
               </a:ext>
             </a:extLst>
           </p:cNvPr>
@@ -17961,7 +17028,7 @@
         <p:spPr>
           <a:xfrm>
             <a:off x="0" y="0"/>
-            <a:ext cx="5041900" cy="869525"/>
+            <a:ext cx="5682174" cy="869525"/>
           </a:xfrm>
           <a:prstGeom prst="homePlate">
             <a:avLst/>
@@ -18000,17 +17067,17 @@
             <a:pPr algn="ctr"/>
             <a:r>
               <a:rPr lang="it-IT" sz="2800" dirty="0"/>
-              <a:t>Risultati</a:t>
+              <a:t>Grafici Interattivi</a:t>
             </a:r>
           </a:p>
         </p:txBody>
       </p:sp>
       <p:sp>
         <p:nvSpPr>
-          <p:cNvPr id="4" name="CasellaDiTesto 3">
+          <p:cNvPr id="5" name="CasellaDiTesto 4">
             <a:extLst>
               <a:ext uri="{FF2B5EF4-FFF2-40B4-BE49-F238E27FC236}">
-                <a16:creationId xmlns:a16="http://schemas.microsoft.com/office/drawing/2014/main" id="{6F8CDE49-F698-4612-B7D3-911956B404AF}"/>
+                <a16:creationId xmlns:a16="http://schemas.microsoft.com/office/drawing/2014/main" id="{BB41901C-036E-F530-717B-39A03322390D}"/>
               </a:ext>
             </a:extLst>
           </p:cNvPr>
@@ -18035,7 +17102,7 @@
           <a:p>
             <a:r>
               <a:rPr lang="en-GB" sz="2400" dirty="0"/>
-              <a:t>6</a:t>
+              <a:t>7</a:t>
             </a:r>
             <a:endParaRPr lang="it-IT" sz="2400" dirty="0"/>
           </a:p>
@@ -18043,10 +17110,10 @@
       </p:sp>
       <p:sp>
         <p:nvSpPr>
-          <p:cNvPr id="6" name="CasellaDiTesto 5">
+          <p:cNvPr id="4" name="CasellaDiTesto 3">
             <a:extLst>
               <a:ext uri="{FF2B5EF4-FFF2-40B4-BE49-F238E27FC236}">
-                <a16:creationId xmlns:a16="http://schemas.microsoft.com/office/drawing/2014/main" id="{8E2A7817-2261-1133-0AE6-7AAFAE5CBEB4}"/>
+                <a16:creationId xmlns:a16="http://schemas.microsoft.com/office/drawing/2014/main" id="{F466810C-C89B-7DFE-1CE4-13F96D49E490}"/>
               </a:ext>
             </a:extLst>
           </p:cNvPr>
@@ -18055,13 +17122,122 @@
         </p:nvSpPr>
         <p:spPr>
           <a:xfrm>
-            <a:off x="600946" y="3429000"/>
-            <a:ext cx="4705826" cy="2677656"/>
+            <a:off x="6096000" y="174611"/>
+            <a:ext cx="5452424" cy="584775"/>
           </a:xfrm>
           <a:prstGeom prst="rect">
             <a:avLst/>
           </a:prstGeom>
           <a:noFill/>
+        </p:spPr>
+        <p:txBody>
+          <a:bodyPr wrap="square">
+            <a:spAutoFit/>
+          </a:bodyPr>
+          <a:lstStyle/>
+          <a:p>
+            <a:r>
+              <a:rPr lang="it-IT" sz="1600" dirty="0" err="1">
+                <a:solidFill>
+                  <a:schemeClr val="bg1"/>
+                </a:solidFill>
+              </a:rPr>
+              <a:t>Clusterizzazione</a:t>
+            </a:r>
+            <a:r>
+              <a:rPr lang="it-IT" sz="1600" dirty="0">
+                <a:solidFill>
+                  <a:schemeClr val="bg1"/>
+                </a:solidFill>
+              </a:rPr>
+              <a:t> dei Campioni per Incrementi di Teleassistenza:</a:t>
+            </a:r>
+          </a:p>
+        </p:txBody>
+      </p:sp>
+      <p:pic>
+        <p:nvPicPr>
+          <p:cNvPr id="3" name="Immagine 2">
+            <a:hlinkClick r:id="rId2"/>
+            <a:extLst>
+              <a:ext uri="{FF2B5EF4-FFF2-40B4-BE49-F238E27FC236}">
+                <a16:creationId xmlns:a16="http://schemas.microsoft.com/office/drawing/2014/main" id="{D7C4BDD6-53ED-98D5-849F-2058F812D3DC}"/>
+              </a:ext>
+            </a:extLst>
+          </p:cNvPr>
+          <p:cNvPicPr>
+            <a:picLocks noChangeAspect="1"/>
+          </p:cNvPicPr>
+          <p:nvPr/>
+        </p:nvPicPr>
+        <p:blipFill>
+          <a:blip r:embed="rId3"/>
+          <a:srcRect t="4667" b="4667"/>
+          <a:stretch/>
+        </p:blipFill>
+        <p:spPr>
+          <a:xfrm>
+            <a:off x="190389" y="1141550"/>
+            <a:ext cx="6947530" cy="3149516"/>
+          </a:xfrm>
+          <a:prstGeom prst="rect">
+            <a:avLst/>
+          </a:prstGeom>
+        </p:spPr>
+      </p:pic>
+      <p:pic>
+        <p:nvPicPr>
+          <p:cNvPr id="6" name="Immagine 5">
+            <a:hlinkClick r:id="rId4"/>
+            <a:extLst>
+              <a:ext uri="{FF2B5EF4-FFF2-40B4-BE49-F238E27FC236}">
+                <a16:creationId xmlns:a16="http://schemas.microsoft.com/office/drawing/2014/main" id="{8BFF7C2A-6619-6CA5-EE8A-28B0BA44D0B4}"/>
+              </a:ext>
+            </a:extLst>
+          </p:cNvPr>
+          <p:cNvPicPr>
+            <a:picLocks noChangeAspect="1"/>
+          </p:cNvPicPr>
+          <p:nvPr/>
+        </p:nvPicPr>
+        <p:blipFill>
+          <a:blip r:embed="rId5"/>
+          <a:srcRect t="4362" b="4362"/>
+          <a:stretch/>
+        </p:blipFill>
+        <p:spPr>
+          <a:xfrm>
+            <a:off x="7328025" y="3429000"/>
+            <a:ext cx="4731044" cy="2962001"/>
+          </a:xfrm>
+          <a:prstGeom prst="rect">
+            <a:avLst/>
+          </a:prstGeom>
+        </p:spPr>
+      </p:pic>
+      <p:sp>
+        <p:nvSpPr>
+          <p:cNvPr id="10" name="CasellaDiTesto 9">
+            <a:extLst>
+              <a:ext uri="{FF2B5EF4-FFF2-40B4-BE49-F238E27FC236}">
+                <a16:creationId xmlns:a16="http://schemas.microsoft.com/office/drawing/2014/main" id="{B0CE9432-238C-67CA-D451-52C8DB5A8657}"/>
+              </a:ext>
+            </a:extLst>
+          </p:cNvPr>
+          <p:cNvSpPr txBox="1"/>
+          <p:nvPr/>
+        </p:nvSpPr>
+        <p:spPr>
+          <a:xfrm>
+            <a:off x="491747" y="4769781"/>
+            <a:ext cx="6344813" cy="646331"/>
+          </a:xfrm>
+          <a:prstGeom prst="rect">
+            <a:avLst/>
+          </a:prstGeom>
+          <a:solidFill>
+            <a:schemeClr val="tx1"/>
+          </a:solidFill>
           <a:ln w="28575">
             <a:solidFill>
               <a:srgbClr val="254A8E"/>
@@ -18074,183 +17250,136 @@
           </a:bodyPr>
           <a:lstStyle/>
           <a:p>
-            <a:endParaRPr lang="it-IT" sz="1200" dirty="0">
-              <a:solidFill>
-                <a:schemeClr val="bg1"/>
-              </a:solidFill>
-              <a:highlight>
-                <a:srgbClr val="C0C0C0"/>
-              </a:highlight>
-            </a:endParaRPr>
-          </a:p>
-          <a:p>
-            <a:endParaRPr lang="it-IT" sz="1200" dirty="0">
-              <a:solidFill>
-                <a:schemeClr val="bg1"/>
-              </a:solidFill>
-              <a:highlight>
-                <a:srgbClr val="C0C0C0"/>
-              </a:highlight>
-            </a:endParaRPr>
-          </a:p>
-          <a:p>
-            <a:endParaRPr lang="it-IT" sz="1200" dirty="0">
-              <a:solidFill>
-                <a:schemeClr val="bg1"/>
-              </a:solidFill>
-              <a:highlight>
-                <a:srgbClr val="C0C0C0"/>
-              </a:highlight>
-            </a:endParaRPr>
-          </a:p>
-          <a:p>
-            <a:endParaRPr lang="it-IT" sz="1200" dirty="0">
-              <a:solidFill>
-                <a:schemeClr val="bg1"/>
-              </a:solidFill>
-              <a:highlight>
-                <a:srgbClr val="C0C0C0"/>
-              </a:highlight>
-            </a:endParaRPr>
-          </a:p>
-          <a:p>
-            <a:endParaRPr lang="it-IT" sz="1200" dirty="0">
-              <a:solidFill>
-                <a:schemeClr val="bg1"/>
-              </a:solidFill>
-              <a:highlight>
-                <a:srgbClr val="C0C0C0"/>
-              </a:highlight>
-            </a:endParaRPr>
-          </a:p>
-          <a:p>
-            <a:endParaRPr lang="it-IT" sz="1200" dirty="0">
-              <a:solidFill>
-                <a:schemeClr val="bg1"/>
-              </a:solidFill>
-              <a:highlight>
-                <a:srgbClr val="C0C0C0"/>
-              </a:highlight>
-            </a:endParaRPr>
-          </a:p>
-          <a:p>
-            <a:endParaRPr lang="it-IT" sz="1200" dirty="0">
-              <a:solidFill>
-                <a:schemeClr val="bg1"/>
-              </a:solidFill>
-              <a:highlight>
-                <a:srgbClr val="C0C0C0"/>
-              </a:highlight>
-            </a:endParaRPr>
-          </a:p>
-          <a:p>
-            <a:endParaRPr lang="it-IT" sz="1200" dirty="0">
-              <a:solidFill>
-                <a:schemeClr val="bg1"/>
-              </a:solidFill>
-              <a:highlight>
-                <a:srgbClr val="C0C0C0"/>
-              </a:highlight>
-            </a:endParaRPr>
-          </a:p>
-          <a:p>
-            <a:endParaRPr lang="it-IT" sz="1200" dirty="0">
-              <a:solidFill>
-                <a:schemeClr val="bg1"/>
-              </a:solidFill>
-              <a:highlight>
-                <a:srgbClr val="C0C0C0"/>
-              </a:highlight>
-            </a:endParaRPr>
-          </a:p>
-          <a:p>
-            <a:endParaRPr lang="it-IT" sz="1200" dirty="0">
-              <a:solidFill>
-                <a:schemeClr val="bg1"/>
-              </a:solidFill>
-              <a:highlight>
-                <a:srgbClr val="C0C0C0"/>
-              </a:highlight>
-            </a:endParaRPr>
-          </a:p>
-          <a:p>
-            <a:endParaRPr lang="it-IT" sz="1200" dirty="0">
-              <a:solidFill>
-                <a:schemeClr val="bg1"/>
-              </a:solidFill>
-              <a:highlight>
-                <a:srgbClr val="C0C0C0"/>
-              </a:highlight>
-            </a:endParaRPr>
-          </a:p>
-          <a:p>
-            <a:endParaRPr lang="it-IT" sz="1200" dirty="0">
-              <a:solidFill>
-                <a:schemeClr val="bg1"/>
-              </a:solidFill>
-              <a:highlight>
-                <a:srgbClr val="C0C0C0"/>
-              </a:highlight>
-            </a:endParaRPr>
-          </a:p>
-          <a:p>
-            <a:endParaRPr lang="it-IT" sz="1200" dirty="0">
-              <a:solidFill>
-                <a:schemeClr val="bg1"/>
-              </a:solidFill>
-              <a:highlight>
-                <a:srgbClr val="C0C0C0"/>
-              </a:highlight>
-            </a:endParaRPr>
-          </a:p>
-          <a:p>
-            <a:endParaRPr lang="it-IT" sz="1200" dirty="0">
-              <a:solidFill>
-                <a:schemeClr val="bg1"/>
-              </a:solidFill>
-              <a:highlight>
-                <a:srgbClr val="C0C0C0"/>
-              </a:highlight>
-            </a:endParaRPr>
+            <a:r>
+              <a:rPr lang="it-IT" sz="1200" dirty="0">
+                <a:solidFill>
+                  <a:schemeClr val="bg1"/>
+                </a:solidFill>
+              </a:rPr>
+              <a:t>I campioni sono principalmente concentrati nelle categorie </a:t>
+            </a:r>
+            <a:r>
+              <a:rPr lang="it-IT" sz="1200" b="1" dirty="0" err="1">
+                <a:solidFill>
+                  <a:schemeClr val="bg1"/>
+                </a:solidFill>
+              </a:rPr>
+              <a:t>low_increment</a:t>
+            </a:r>
+            <a:r>
+              <a:rPr lang="it-IT" sz="1200" dirty="0">
+                <a:solidFill>
+                  <a:schemeClr val="bg1"/>
+                </a:solidFill>
+              </a:rPr>
+              <a:t> e </a:t>
+            </a:r>
+            <a:r>
+              <a:rPr lang="it-IT" sz="1200" b="1" dirty="0" err="1">
+                <a:solidFill>
+                  <a:schemeClr val="bg1"/>
+                </a:solidFill>
+              </a:rPr>
+              <a:t>high_increment</a:t>
+            </a:r>
+            <a:r>
+              <a:rPr lang="it-IT" sz="1200" dirty="0">
+                <a:solidFill>
+                  <a:schemeClr val="bg1"/>
+                </a:solidFill>
+              </a:rPr>
+              <a:t>, e nel </a:t>
+            </a:r>
+            <a:r>
+              <a:rPr lang="it-IT" sz="1200" b="1" dirty="0">
+                <a:solidFill>
+                  <a:schemeClr val="bg1"/>
+                </a:solidFill>
+              </a:rPr>
+              <a:t>cluster 0</a:t>
+            </a:r>
+            <a:r>
+              <a:rPr lang="it-IT" sz="1200" dirty="0">
+                <a:solidFill>
+                  <a:schemeClr val="bg1"/>
+                </a:solidFill>
+              </a:rPr>
+              <a:t>, con minore presenza nei </a:t>
+            </a:r>
+            <a:r>
+              <a:rPr lang="it-IT" sz="1200" b="1" dirty="0" err="1">
+                <a:solidFill>
+                  <a:schemeClr val="bg1"/>
+                </a:solidFill>
+              </a:rPr>
+              <a:t>decrement</a:t>
+            </a:r>
+            <a:r>
+              <a:rPr lang="it-IT" sz="1200" dirty="0">
+                <a:solidFill>
+                  <a:schemeClr val="bg1"/>
+                </a:solidFill>
+              </a:rPr>
+              <a:t> e negli altri cluster.</a:t>
+            </a:r>
           </a:p>
         </p:txBody>
       </p:sp>
-      <p:pic>
-        <p:nvPicPr>
-          <p:cNvPr id="12" name="Immagine 11">
+      <p:cxnSp>
+        <p:nvCxnSpPr>
+          <p:cNvPr id="17" name="Connettore diritto 16">
             <a:extLst>
               <a:ext uri="{FF2B5EF4-FFF2-40B4-BE49-F238E27FC236}">
-                <a16:creationId xmlns:a16="http://schemas.microsoft.com/office/drawing/2014/main" id="{B677F98C-0566-EEBE-F897-29158530FA6C}"/>
+                <a16:creationId xmlns:a16="http://schemas.microsoft.com/office/drawing/2014/main" id="{C72A7EDD-9A82-FA94-A794-912AB20D6024}"/>
               </a:ext>
             </a:extLst>
           </p:cNvPr>
-          <p:cNvPicPr>
-            <a:picLocks noChangeAspect="1"/>
-          </p:cNvPicPr>
+          <p:cNvCxnSpPr>
+            <a:cxnSpLocks/>
+            <a:stCxn id="10" idx="0"/>
+            <a:endCxn id="3" idx="2"/>
+          </p:cNvCxnSpPr>
           <p:nvPr/>
-        </p:nvPicPr>
-        <p:blipFill>
-          <a:blip r:embed="rId4"/>
-          <a:stretch>
-            <a:fillRect/>
-          </a:stretch>
-        </p:blipFill>
+        </p:nvCxnSpPr>
         <p:spPr>
-          <a:xfrm>
-            <a:off x="6885230" y="3506371"/>
-            <a:ext cx="4888367" cy="2451661"/>
+          <a:xfrm flipV="1">
+            <a:off x="3664154" y="4291066"/>
+            <a:ext cx="0" cy="478715"/>
           </a:xfrm>
-          <a:prstGeom prst="rect">
+          <a:prstGeom prst="line">
             <a:avLst/>
           </a:prstGeom>
+          <a:ln w="28575" cap="flat" cmpd="sng" algn="ctr">
+            <a:solidFill>
+              <a:srgbClr val="254A8E"/>
+            </a:solidFill>
+            <a:prstDash val="dash"/>
+            <a:round/>
+            <a:headEnd type="none" w="med" len="med"/>
+            <a:tailEnd type="arrow" w="med" len="med"/>
+          </a:ln>
         </p:spPr>
-      </p:pic>
+        <p:style>
+          <a:lnRef idx="0">
+            <a:scrgbClr r="0" g="0" b="0"/>
+          </a:lnRef>
+          <a:fillRef idx="0">
+            <a:scrgbClr r="0" g="0" b="0"/>
+          </a:fillRef>
+          <a:effectRef idx="0">
+            <a:scrgbClr r="0" g="0" b="0"/>
+          </a:effectRef>
+          <a:fontRef idx="minor">
+            <a:schemeClr val="tx1"/>
+          </a:fontRef>
+        </p:style>
+      </p:cxnSp>
       <p:sp>
         <p:nvSpPr>
-          <p:cNvPr id="15" name="CasellaDiTesto 14">
+          <p:cNvPr id="9" name="CasellaDiTesto 8">
             <a:extLst>
               <a:ext uri="{FF2B5EF4-FFF2-40B4-BE49-F238E27FC236}">
-                <a16:creationId xmlns:a16="http://schemas.microsoft.com/office/drawing/2014/main" id="{3EE1B8FA-A40F-9B4F-C85E-B5723672197F}"/>
+                <a16:creationId xmlns:a16="http://schemas.microsoft.com/office/drawing/2014/main" id="{E13176F9-2231-5B30-9755-CBFC75F33116}"/>
               </a:ext>
             </a:extLst>
           </p:cNvPr>
@@ -18259,13 +17388,15 @@
         </p:nvSpPr>
         <p:spPr>
           <a:xfrm>
-            <a:off x="6870977" y="3495485"/>
-            <a:ext cx="4888367" cy="2492990"/>
+            <a:off x="7637687" y="1652794"/>
+            <a:ext cx="4111719" cy="1015663"/>
           </a:xfrm>
           <a:prstGeom prst="rect">
             <a:avLst/>
           </a:prstGeom>
-          <a:noFill/>
+          <a:solidFill>
+            <a:schemeClr val="tx1"/>
+          </a:solidFill>
           <a:ln w="28575">
             <a:solidFill>
               <a:srgbClr val="254A8E"/>
@@ -18278,247 +17409,155 @@
           </a:bodyPr>
           <a:lstStyle/>
           <a:p>
-            <a:endParaRPr lang="it-IT" sz="1200" dirty="0">
-              <a:solidFill>
-                <a:schemeClr val="bg1"/>
-              </a:solidFill>
-              <a:highlight>
-                <a:srgbClr val="C0C0C0"/>
-              </a:highlight>
-            </a:endParaRPr>
-          </a:p>
-          <a:p>
-            <a:endParaRPr lang="it-IT" sz="1200" dirty="0">
-              <a:solidFill>
-                <a:schemeClr val="bg1"/>
-              </a:solidFill>
-              <a:highlight>
-                <a:srgbClr val="C0C0C0"/>
-              </a:highlight>
-            </a:endParaRPr>
-          </a:p>
-          <a:p>
-            <a:endParaRPr lang="it-IT" sz="1200" dirty="0">
-              <a:solidFill>
-                <a:schemeClr val="bg1"/>
-              </a:solidFill>
-              <a:highlight>
-                <a:srgbClr val="C0C0C0"/>
-              </a:highlight>
-            </a:endParaRPr>
-          </a:p>
-          <a:p>
-            <a:endParaRPr lang="it-IT" sz="1200" dirty="0">
-              <a:solidFill>
-                <a:schemeClr val="bg1"/>
-              </a:solidFill>
-              <a:highlight>
-                <a:srgbClr val="C0C0C0"/>
-              </a:highlight>
-            </a:endParaRPr>
-          </a:p>
-          <a:p>
-            <a:endParaRPr lang="it-IT" sz="1200" dirty="0">
-              <a:solidFill>
-                <a:schemeClr val="bg1"/>
-              </a:solidFill>
-              <a:highlight>
-                <a:srgbClr val="C0C0C0"/>
-              </a:highlight>
-            </a:endParaRPr>
-          </a:p>
-          <a:p>
-            <a:endParaRPr lang="it-IT" sz="1200" dirty="0">
-              <a:solidFill>
-                <a:schemeClr val="bg1"/>
-              </a:solidFill>
-              <a:highlight>
-                <a:srgbClr val="C0C0C0"/>
-              </a:highlight>
-            </a:endParaRPr>
-          </a:p>
-          <a:p>
-            <a:endParaRPr lang="it-IT" sz="1200" dirty="0">
-              <a:solidFill>
-                <a:schemeClr val="bg1"/>
-              </a:solidFill>
-              <a:highlight>
-                <a:srgbClr val="C0C0C0"/>
-              </a:highlight>
-            </a:endParaRPr>
-          </a:p>
-          <a:p>
-            <a:endParaRPr lang="it-IT" sz="1200" dirty="0">
-              <a:solidFill>
-                <a:schemeClr val="bg1"/>
-              </a:solidFill>
-              <a:highlight>
-                <a:srgbClr val="C0C0C0"/>
-              </a:highlight>
-            </a:endParaRPr>
-          </a:p>
-          <a:p>
-            <a:endParaRPr lang="it-IT" sz="1200" dirty="0">
-              <a:solidFill>
-                <a:schemeClr val="bg1"/>
-              </a:solidFill>
-              <a:highlight>
-                <a:srgbClr val="C0C0C0"/>
-              </a:highlight>
-            </a:endParaRPr>
-          </a:p>
-          <a:p>
-            <a:endParaRPr lang="it-IT" sz="1200" dirty="0">
-              <a:solidFill>
-                <a:schemeClr val="bg1"/>
-              </a:solidFill>
-              <a:highlight>
-                <a:srgbClr val="C0C0C0"/>
-              </a:highlight>
-            </a:endParaRPr>
-          </a:p>
-          <a:p>
-            <a:endParaRPr lang="it-IT" sz="1200" dirty="0">
-              <a:solidFill>
-                <a:schemeClr val="bg1"/>
-              </a:solidFill>
-              <a:highlight>
-                <a:srgbClr val="C0C0C0"/>
-              </a:highlight>
-            </a:endParaRPr>
-          </a:p>
-          <a:p>
-            <a:endParaRPr lang="it-IT" sz="1200" dirty="0">
-              <a:solidFill>
-                <a:schemeClr val="bg1"/>
-              </a:solidFill>
-              <a:highlight>
-                <a:srgbClr val="C0C0C0"/>
-              </a:highlight>
-            </a:endParaRPr>
-          </a:p>
-          <a:p>
-            <a:endParaRPr lang="it-IT" sz="1200" dirty="0">
-              <a:solidFill>
-                <a:schemeClr val="bg1"/>
-              </a:solidFill>
-              <a:highlight>
-                <a:srgbClr val="C0C0C0"/>
-              </a:highlight>
-            </a:endParaRPr>
-          </a:p>
-        </p:txBody>
-      </p:sp>
-      <p:sp>
-        <p:nvSpPr>
-          <p:cNvPr id="20" name="CasellaDiTesto 19">
-            <a:extLst>
-              <a:ext uri="{FF2B5EF4-FFF2-40B4-BE49-F238E27FC236}">
-                <a16:creationId xmlns:a16="http://schemas.microsoft.com/office/drawing/2014/main" id="{B58D4545-2B8A-DF08-87B4-EC57B031DB59}"/>
-              </a:ext>
-            </a:extLst>
-          </p:cNvPr>
-          <p:cNvSpPr txBox="1"/>
-          <p:nvPr/>
-        </p:nvSpPr>
-        <p:spPr>
-          <a:xfrm>
-            <a:off x="575431" y="1310571"/>
-            <a:ext cx="4785362" cy="1677382"/>
-          </a:xfrm>
-          <a:prstGeom prst="rect">
-            <a:avLst/>
-          </a:prstGeom>
-          <a:noFill/>
-        </p:spPr>
-        <p:txBody>
-          <a:bodyPr wrap="square">
-            <a:spAutoFit/>
-          </a:bodyPr>
-          <a:lstStyle/>
-          <a:p>
-            <a:r>
-              <a:rPr lang="it-IT" sz="1600" b="1" dirty="0">
+            <a:r>
+              <a:rPr lang="it-IT" sz="1200" dirty="0">
                 <a:solidFill>
                   <a:schemeClr val="bg1"/>
                 </a:solidFill>
               </a:rPr>
-              <a:t>Risultati Medi delle Valutazioni su n Misurazioni:</a:t>
-            </a:r>
-          </a:p>
-          <a:p>
-            <a:endParaRPr lang="it-IT" sz="700" b="1" dirty="0">
+              <a:t>La categoria </a:t>
+            </a:r>
+            <a:r>
+              <a:rPr lang="it-IT" sz="1200" b="1" dirty="0" err="1">
+                <a:solidFill>
+                  <a:schemeClr val="bg1"/>
+                </a:solidFill>
+              </a:rPr>
+              <a:t>low_increment</a:t>
+            </a:r>
+            <a:r>
+              <a:rPr lang="it-IT" sz="1200" dirty="0">
+                <a:solidFill>
+                  <a:schemeClr val="bg1"/>
+                </a:solidFill>
+              </a:rPr>
+              <a:t> è fortemente concentrata nel </a:t>
+            </a:r>
+            <a:r>
+              <a:rPr lang="it-IT" sz="1200" b="1" dirty="0">
+                <a:solidFill>
+                  <a:schemeClr val="bg1"/>
+                </a:solidFill>
+              </a:rPr>
+              <a:t>cluster 0</a:t>
+            </a:r>
+            <a:r>
+              <a:rPr lang="it-IT" sz="1200" dirty="0">
+                <a:solidFill>
+                  <a:schemeClr val="bg1"/>
+                </a:solidFill>
+              </a:rPr>
+              <a:t>, mentre </a:t>
+            </a:r>
+            <a:r>
+              <a:rPr lang="it-IT" sz="1200" b="1" dirty="0" err="1">
+                <a:solidFill>
+                  <a:schemeClr val="bg1"/>
+                </a:solidFill>
+              </a:rPr>
+              <a:t>high_increment</a:t>
+            </a:r>
+            <a:r>
+              <a:rPr lang="it-IT" sz="1200" dirty="0">
+                <a:solidFill>
+                  <a:schemeClr val="bg1"/>
+                </a:solidFill>
+              </a:rPr>
+              <a:t> è maggiormente distribuita tra i </a:t>
+            </a:r>
+            <a:r>
+              <a:rPr lang="it-IT" sz="1200" b="1" dirty="0">
+                <a:solidFill>
+                  <a:schemeClr val="bg1"/>
+                </a:solidFill>
+              </a:rPr>
+              <a:t>cluster 1</a:t>
+            </a:r>
+            <a:r>
+              <a:rPr lang="it-IT" sz="1200" dirty="0">
+                <a:solidFill>
+                  <a:schemeClr val="bg1"/>
+                </a:solidFill>
+              </a:rPr>
+              <a:t>. I </a:t>
+            </a:r>
+            <a:r>
+              <a:rPr lang="it-IT" sz="1200" b="1" dirty="0">
+                <a:solidFill>
+                  <a:schemeClr val="bg1"/>
+                </a:solidFill>
+              </a:rPr>
+              <a:t>cluster 1 e 2 </a:t>
+            </a:r>
+            <a:r>
+              <a:rPr lang="it-IT" sz="1200" dirty="0">
+                <a:solidFill>
+                  <a:schemeClr val="bg1"/>
+                </a:solidFill>
+              </a:rPr>
+              <a:t>hanno una distribuzione più variegata.</a:t>
+            </a:r>
+            <a:endParaRPr lang="it-IT" sz="1200" b="1" dirty="0">
               <a:solidFill>
                 <a:schemeClr val="bg1"/>
               </a:solidFill>
             </a:endParaRPr>
           </a:p>
-          <a:p>
-            <a:r>
-              <a:rPr lang="it-IT" sz="1600" dirty="0">
-                <a:solidFill>
-                  <a:schemeClr val="bg1"/>
-                </a:solidFill>
-              </a:rPr>
-              <a:t>Nella tabella seguente sono riportati i valori medi delle principali metriche di valutazione ottenuti dopo n misurazioni consecutive. </a:t>
-            </a:r>
-            <a:endParaRPr lang="it-IT" sz="1600" b="1" dirty="0">
-              <a:solidFill>
-                <a:schemeClr val="bg1"/>
-              </a:solidFill>
-            </a:endParaRPr>
-          </a:p>
         </p:txBody>
       </p:sp>
-      <p:sp>
-        <p:nvSpPr>
-          <p:cNvPr id="21" name="CasellaDiTesto 20">
+      <p:cxnSp>
+        <p:nvCxnSpPr>
+          <p:cNvPr id="11" name="Connettore diritto 10">
             <a:extLst>
               <a:ext uri="{FF2B5EF4-FFF2-40B4-BE49-F238E27FC236}">
-                <a16:creationId xmlns:a16="http://schemas.microsoft.com/office/drawing/2014/main" id="{970665FC-ECE4-972C-5D31-D80D39DC5FF7}"/>
+                <a16:creationId xmlns:a16="http://schemas.microsoft.com/office/drawing/2014/main" id="{D35D5BC3-BE05-532F-0C5F-046623EEDF63}"/>
               </a:ext>
             </a:extLst>
           </p:cNvPr>
-          <p:cNvSpPr txBox="1"/>
+          <p:cNvCxnSpPr>
+            <a:cxnSpLocks/>
+            <a:stCxn id="9" idx="2"/>
+            <a:endCxn id="6" idx="0"/>
+          </p:cNvCxnSpPr>
           <p:nvPr/>
-        </p:nvSpPr>
+        </p:nvCxnSpPr>
         <p:spPr>
           <a:xfrm>
-            <a:off x="6936732" y="1064349"/>
-            <a:ext cx="4785362" cy="2169825"/>
+            <a:off x="9693547" y="2668457"/>
+            <a:ext cx="0" cy="760543"/>
           </a:xfrm>
-          <a:prstGeom prst="rect">
+          <a:prstGeom prst="line">
             <a:avLst/>
           </a:prstGeom>
-          <a:noFill/>
+          <a:ln w="28575" cap="flat" cmpd="sng" algn="ctr">
+            <a:solidFill>
+              <a:srgbClr val="254A8E"/>
+            </a:solidFill>
+            <a:prstDash val="dash"/>
+            <a:round/>
+            <a:headEnd type="none" w="med" len="med"/>
+            <a:tailEnd type="arrow" w="med" len="med"/>
+          </a:ln>
         </p:spPr>
-        <p:txBody>
-          <a:bodyPr wrap="square">
-            <a:spAutoFit/>
-          </a:bodyPr>
-          <a:lstStyle/>
-          <a:p>
-            <a:r>
-              <a:rPr lang="it-IT" sz="1600" b="1" dirty="0"/>
-              <a:t>Risultati della Migliore Misurazione:</a:t>
-            </a:r>
-          </a:p>
-          <a:p>
-            <a:endParaRPr lang="it-IT" sz="700" b="1" dirty="0"/>
-          </a:p>
-          <a:p>
-            <a:r>
-              <a:rPr lang="it-IT" sz="1600" dirty="0"/>
-              <a:t>Nella tabella seguente sono riportati i risultati della misurazione che ha ottenuto i valori migliori in termini di performance complessiva. Questi risultati rappresentano il massimo raggiunto dal modello durante il processo di valutazione.</a:t>
-            </a:r>
-            <a:endParaRPr lang="it-IT" sz="1600" b="1" dirty="0"/>
-          </a:p>
-        </p:txBody>
-      </p:sp>
+        <p:style>
+          <a:lnRef idx="0">
+            <a:scrgbClr r="0" g="0" b="0"/>
+          </a:lnRef>
+          <a:fillRef idx="0">
+            <a:scrgbClr r="0" g="0" b="0"/>
+          </a:fillRef>
+          <a:effectRef idx="0">
+            <a:scrgbClr r="0" g="0" b="0"/>
+          </a:effectRef>
+          <a:fontRef idx="minor">
+            <a:schemeClr val="tx1"/>
+          </a:fontRef>
+        </p:style>
+      </p:cxnSp>
     </p:spTree>
     <p:extLst>
       <p:ext uri="{BB962C8B-B14F-4D97-AF65-F5344CB8AC3E}">
-        <p14:creationId xmlns:p14="http://schemas.microsoft.com/office/powerpoint/2010/main" val="3397511937"/>
+        <p14:creationId xmlns:p14="http://schemas.microsoft.com/office/powerpoint/2010/main" val="3094767102"/>
       </p:ext>
     </p:extLst>
   </p:cSld>
@@ -18581,10 +17620,10 @@
       </p:grpSpPr>
       <p:sp>
         <p:nvSpPr>
-          <p:cNvPr id="2" name="Pentagono 3">
+          <p:cNvPr id="24" name="Pentagono 3">
             <a:extLst>
               <a:ext uri="{FF2B5EF4-FFF2-40B4-BE49-F238E27FC236}">
-                <a16:creationId xmlns:a16="http://schemas.microsoft.com/office/drawing/2014/main" id="{205EABED-105B-3A70-D0AF-24946B0396A9}"/>
+                <a16:creationId xmlns:a16="http://schemas.microsoft.com/office/drawing/2014/main" id="{2B6C8776-32CA-797D-73DB-A514D01F99BA}"/>
               </a:ext>
             </a:extLst>
           </p:cNvPr>
@@ -18594,7 +17633,7 @@
         <p:spPr>
           <a:xfrm>
             <a:off x="0" y="0"/>
-            <a:ext cx="5041900" cy="869525"/>
+            <a:ext cx="5682174" cy="869525"/>
           </a:xfrm>
           <a:prstGeom prst="homePlate">
             <a:avLst/>
@@ -18633,7 +17672,7 @@
             <a:pPr algn="ctr"/>
             <a:r>
               <a:rPr lang="it-IT" sz="2800" dirty="0"/>
-              <a:t>Grafici</a:t>
+              <a:t>Grafici Interattivi</a:t>
             </a:r>
           </a:p>
         </p:txBody>
@@ -18676,10 +17715,10 @@
       </p:sp>
       <p:sp>
         <p:nvSpPr>
-          <p:cNvPr id="4" name="CasellaDiTesto 3">
+          <p:cNvPr id="12" name="CasellaDiTesto 11">
             <a:extLst>
               <a:ext uri="{FF2B5EF4-FFF2-40B4-BE49-F238E27FC236}">
-                <a16:creationId xmlns:a16="http://schemas.microsoft.com/office/drawing/2014/main" id="{F466810C-C89B-7DFE-1CE4-13F96D49E490}"/>
+                <a16:creationId xmlns:a16="http://schemas.microsoft.com/office/drawing/2014/main" id="{9CBB5E43-2628-E1F7-D6E0-78B58B2915E9}"/>
               </a:ext>
             </a:extLst>
           </p:cNvPr>
@@ -18688,8 +17727,8 @@
         </p:nvSpPr>
         <p:spPr>
           <a:xfrm>
-            <a:off x="5682174" y="203929"/>
-            <a:ext cx="5452424" cy="584775"/>
+            <a:off x="5866975" y="203929"/>
+            <a:ext cx="10612486" cy="338554"/>
           </a:xfrm>
           <a:prstGeom prst="rect">
             <a:avLst/>
@@ -18703,31 +17742,23 @@
           <a:lstStyle/>
           <a:p>
             <a:r>
-              <a:rPr lang="it-IT" sz="1600" dirty="0" err="1">
+              <a:rPr lang="it-IT" sz="1600" dirty="0">
                 <a:solidFill>
                   <a:schemeClr val="bg1"/>
                 </a:solidFill>
               </a:rPr>
-              <a:t>Clusterizzazione</a:t>
-            </a:r>
-            <a:r>
-              <a:rPr lang="it-IT" sz="1600" dirty="0">
-                <a:solidFill>
-                  <a:schemeClr val="bg1"/>
-                </a:solidFill>
-              </a:rPr>
-              <a:t> dei Campioni per Incrementi di Teleassistenza:</a:t>
+              <a:t>Impatto delle Features sulla Separazione dei Cluster</a:t>
             </a:r>
           </a:p>
         </p:txBody>
       </p:sp>
       <p:pic>
         <p:nvPicPr>
-          <p:cNvPr id="3" name="Immagine 2">
+          <p:cNvPr id="13" name="Immagine 12">
             <a:hlinkClick r:id="rId2"/>
             <a:extLst>
               <a:ext uri="{FF2B5EF4-FFF2-40B4-BE49-F238E27FC236}">
-                <a16:creationId xmlns:a16="http://schemas.microsoft.com/office/drawing/2014/main" id="{D7C4BDD6-53ED-98D5-849F-2058F812D3DC}"/>
+                <a16:creationId xmlns:a16="http://schemas.microsoft.com/office/drawing/2014/main" id="{4C8B55CD-3334-F7E9-803D-79333DCFE7BA}"/>
               </a:ext>
             </a:extLst>
           </p:cNvPr>
@@ -18738,13 +17769,13 @@
         </p:nvPicPr>
         <p:blipFill>
           <a:blip r:embed="rId3"/>
-          <a:srcRect t="4667" b="4667"/>
+          <a:srcRect/>
           <a:stretch/>
         </p:blipFill>
         <p:spPr>
           <a:xfrm>
-            <a:off x="190389" y="1141550"/>
-            <a:ext cx="6947530" cy="3149516"/>
+            <a:off x="1094069" y="2796844"/>
+            <a:ext cx="4279782" cy="3876338"/>
           </a:xfrm>
           <a:prstGeom prst="rect">
             <a:avLst/>
@@ -18753,11 +17784,11 @@
       </p:pic>
       <p:pic>
         <p:nvPicPr>
-          <p:cNvPr id="6" name="Immagine 5">
+          <p:cNvPr id="16" name="Immagine 15">
             <a:hlinkClick r:id="rId4"/>
             <a:extLst>
               <a:ext uri="{FF2B5EF4-FFF2-40B4-BE49-F238E27FC236}">
-                <a16:creationId xmlns:a16="http://schemas.microsoft.com/office/drawing/2014/main" id="{8BFF7C2A-6619-6CA5-EE8A-28B0BA44D0B4}"/>
+                <a16:creationId xmlns:a16="http://schemas.microsoft.com/office/drawing/2014/main" id="{C80552D2-DB7A-A02E-76F0-72660F9ED33A}"/>
               </a:ext>
             </a:extLst>
           </p:cNvPr>
@@ -18768,13 +17799,13 @@
         </p:nvPicPr>
         <p:blipFill>
           <a:blip r:embed="rId5"/>
-          <a:srcRect t="4362" b="4362"/>
+          <a:srcRect t="1981" b="1981"/>
           <a:stretch/>
         </p:blipFill>
         <p:spPr>
           <a:xfrm>
-            <a:off x="7328025" y="3429000"/>
-            <a:ext cx="4731044" cy="2962001"/>
+            <a:off x="6662334" y="1586166"/>
+            <a:ext cx="5100445" cy="3036633"/>
           </a:xfrm>
           <a:prstGeom prst="rect">
             <a:avLst/>
@@ -18783,10 +17814,10 @@
       </p:pic>
       <p:sp>
         <p:nvSpPr>
-          <p:cNvPr id="10" name="CasellaDiTesto 9">
+          <p:cNvPr id="3" name="CasellaDiTesto 2">
             <a:extLst>
               <a:ext uri="{FF2B5EF4-FFF2-40B4-BE49-F238E27FC236}">
-                <a16:creationId xmlns:a16="http://schemas.microsoft.com/office/drawing/2014/main" id="{B0CE9432-238C-67CA-D451-52C8DB5A8657}"/>
+                <a16:creationId xmlns:a16="http://schemas.microsoft.com/office/drawing/2014/main" id="{CE0BDD56-0653-7AE2-BF3A-6A7520FD861C}"/>
               </a:ext>
             </a:extLst>
           </p:cNvPr>
@@ -18795,8 +17826,8 @@
         </p:nvSpPr>
         <p:spPr>
           <a:xfrm>
-            <a:off x="470307" y="4817897"/>
-            <a:ext cx="6344813" cy="646331"/>
+            <a:off x="600946" y="1417686"/>
+            <a:ext cx="5266029" cy="830997"/>
           </a:xfrm>
           <a:prstGeom prst="rect">
             <a:avLst/>
@@ -18822,7 +17853,7 @@
                   <a:schemeClr val="bg1"/>
                 </a:solidFill>
               </a:rPr>
-              <a:t>I campioni sono principalmente concentrati nelle categorie </a:t>
+              <a:t>Il </a:t>
             </a:r>
             <a:r>
               <a:rPr lang="it-IT" sz="1200" b="1" dirty="0" err="1">
@@ -18833,12 +17864,20 @@
               <a:t>low_increment</a:t>
             </a:r>
             <a:r>
+              <a:rPr lang="it-IT" sz="1200" b="1" dirty="0">
+                <a:solidFill>
+                  <a:schemeClr val="bg1"/>
+                </a:solidFill>
+              </a:rPr>
+              <a:t> </a:t>
+            </a:r>
+            <a:r>
               <a:rPr lang="it-IT" sz="1200" dirty="0">
                 <a:solidFill>
                   <a:schemeClr val="bg1"/>
                 </a:solidFill>
               </a:rPr>
-              <a:t> e </a:t>
+              <a:t>prevale nel centro-sud, mentre il </a:t>
             </a:r>
             <a:r>
               <a:rPr lang="it-IT" sz="1200" b="1" dirty="0" err="1">
@@ -18854,7 +17893,25 @@
                   <a:schemeClr val="bg1"/>
                 </a:solidFill>
               </a:rPr>
-              <a:t>, e nel </a:t>
+              <a:t> è diversificato sul territorio.</a:t>
+            </a:r>
+          </a:p>
+          <a:p>
+            <a:r>
+              <a:rPr lang="it-IT" sz="1200" dirty="0">
+                <a:solidFill>
+                  <a:schemeClr val="bg1"/>
+                </a:solidFill>
+              </a:rPr>
+              <a:t>Il </a:t>
+            </a:r>
+            <a:r>
+              <a:rPr lang="it-IT" sz="1200" b="1" dirty="0" err="1">
+                <a:solidFill>
+                  <a:schemeClr val="bg1"/>
+                </a:solidFill>
+              </a:rPr>
+              <a:t>medium_increment</a:t>
             </a:r>
             <a:r>
               <a:rPr lang="it-IT" sz="1200" b="1" dirty="0">
@@ -18862,7 +17919,7 @@
                   <a:schemeClr val="bg1"/>
                 </a:solidFill>
               </a:rPr>
-              <a:t>cluster 0</a:t>
+              <a:t> </a:t>
             </a:r>
             <a:r>
               <a:rPr lang="it-IT" sz="1200" dirty="0">
@@ -18870,7 +17927,69 @@
                   <a:schemeClr val="bg1"/>
                 </a:solidFill>
               </a:rPr>
-              <a:t>, con minore presenza nei </a:t>
+              <a:t>è meno frequente e più limitato geograficamente.</a:t>
+            </a:r>
+          </a:p>
+        </p:txBody>
+      </p:sp>
+      <p:sp>
+        <p:nvSpPr>
+          <p:cNvPr id="4" name="CasellaDiTesto 3">
+            <a:extLst>
+              <a:ext uri="{FF2B5EF4-FFF2-40B4-BE49-F238E27FC236}">
+                <a16:creationId xmlns:a16="http://schemas.microsoft.com/office/drawing/2014/main" id="{E105411F-C4EF-FA06-200E-AAB19DE61D50}"/>
+              </a:ext>
+            </a:extLst>
+          </p:cNvPr>
+          <p:cNvSpPr txBox="1"/>
+          <p:nvPr/>
+        </p:nvSpPr>
+        <p:spPr>
+          <a:xfrm>
+            <a:off x="6579543" y="5377858"/>
+            <a:ext cx="5266029" cy="830997"/>
+          </a:xfrm>
+          <a:prstGeom prst="rect">
+            <a:avLst/>
+          </a:prstGeom>
+          <a:solidFill>
+            <a:schemeClr val="tx1"/>
+          </a:solidFill>
+          <a:ln w="28575">
+            <a:solidFill>
+              <a:srgbClr val="254A8E"/>
+            </a:solidFill>
+          </a:ln>
+        </p:spPr>
+        <p:txBody>
+          <a:bodyPr wrap="square" rtlCol="0">
+            <a:spAutoFit/>
+          </a:bodyPr>
+          <a:lstStyle/>
+          <a:p>
+            <a:r>
+              <a:rPr lang="it-IT" sz="1200" dirty="0">
+                <a:solidFill>
+                  <a:schemeClr val="bg1"/>
+                </a:solidFill>
+              </a:rPr>
+              <a:t>Donne e uomini presenta una distribuzione relativamente simile in quasi tutti i tipi di incremento. Le donne sono leggermente più </a:t>
+            </a:r>
+            <a:r>
+              <a:rPr lang="it-IT" sz="1200" dirty="0" err="1">
+                <a:solidFill>
+                  <a:schemeClr val="bg1"/>
+                </a:solidFill>
+              </a:rPr>
+              <a:t>peresenti</a:t>
+            </a:r>
+            <a:r>
+              <a:rPr lang="it-IT" sz="1200" dirty="0">
+                <a:solidFill>
+                  <a:schemeClr val="bg1"/>
+                </a:solidFill>
+              </a:rPr>
+              <a:t> nei gruppi di </a:t>
             </a:r>
             <a:r>
               <a:rPr lang="it-IT" sz="1200" b="1" dirty="0" err="1">
@@ -18878,7 +17997,15 @@
                   <a:schemeClr val="bg1"/>
                 </a:solidFill>
               </a:rPr>
-              <a:t>decrement</a:t>
+              <a:t>low_increment</a:t>
+            </a:r>
+            <a:r>
+              <a:rPr lang="it-IT" sz="1200" b="1" dirty="0">
+                <a:solidFill>
+                  <a:schemeClr val="bg1"/>
+                </a:solidFill>
+              </a:rPr>
+              <a:t> </a:t>
             </a:r>
             <a:r>
               <a:rPr lang="it-IT" sz="1200" dirty="0">
@@ -18886,30 +18013,47 @@
                   <a:schemeClr val="bg1"/>
                 </a:solidFill>
               </a:rPr>
-              <a:t> e negli altri cluster.</a:t>
+              <a:t>e </a:t>
+            </a:r>
+            <a:r>
+              <a:rPr lang="it-IT" sz="1200" b="1" dirty="0" err="1">
+                <a:solidFill>
+                  <a:schemeClr val="bg1"/>
+                </a:solidFill>
+              </a:rPr>
+              <a:t>high_increment</a:t>
+            </a:r>
+            <a:r>
+              <a:rPr lang="it-IT" sz="1200" dirty="0">
+                <a:solidFill>
+                  <a:schemeClr val="bg1"/>
+                </a:solidFill>
+              </a:rPr>
+              <a:t>. </a:t>
             </a:r>
           </a:p>
         </p:txBody>
       </p:sp>
       <p:cxnSp>
         <p:nvCxnSpPr>
-          <p:cNvPr id="17" name="Connettore diritto 16">
+          <p:cNvPr id="6" name="Connettore diritto 5">
             <a:extLst>
               <a:ext uri="{FF2B5EF4-FFF2-40B4-BE49-F238E27FC236}">
-                <a16:creationId xmlns:a16="http://schemas.microsoft.com/office/drawing/2014/main" id="{C72A7EDD-9A82-FA94-A794-912AB20D6024}"/>
+                <a16:creationId xmlns:a16="http://schemas.microsoft.com/office/drawing/2014/main" id="{1B8B1CB5-C8AE-A0A2-59BA-4CC278535737}"/>
               </a:ext>
             </a:extLst>
           </p:cNvPr>
           <p:cNvCxnSpPr>
             <a:cxnSpLocks/>
-            <a:stCxn id="10" idx="0"/>
+            <a:stCxn id="3" idx="2"/>
+            <a:endCxn id="13" idx="0"/>
           </p:cNvCxnSpPr>
           <p:nvPr/>
         </p:nvCxnSpPr>
         <p:spPr>
-          <a:xfrm flipV="1">
-            <a:off x="3642714" y="4339182"/>
-            <a:ext cx="6745" cy="478715"/>
+          <a:xfrm flipH="1">
+            <a:off x="3233960" y="2248683"/>
+            <a:ext cx="1" cy="548161"/>
           </a:xfrm>
           <a:prstGeom prst="line">
             <a:avLst/>
@@ -18939,125 +18083,26 @@
           </a:fontRef>
         </p:style>
       </p:cxnSp>
-      <p:sp>
-        <p:nvSpPr>
-          <p:cNvPr id="9" name="CasellaDiTesto 8">
-            <a:extLst>
-              <a:ext uri="{FF2B5EF4-FFF2-40B4-BE49-F238E27FC236}">
-                <a16:creationId xmlns:a16="http://schemas.microsoft.com/office/drawing/2014/main" id="{E13176F9-2231-5B30-9755-CBFC75F33116}"/>
-              </a:ext>
-            </a:extLst>
-          </p:cNvPr>
-          <p:cNvSpPr txBox="1"/>
-          <p:nvPr/>
-        </p:nvSpPr>
-        <p:spPr>
-          <a:xfrm>
-            <a:off x="7637687" y="1652794"/>
-            <a:ext cx="4111719" cy="1200329"/>
-          </a:xfrm>
-          <a:prstGeom prst="rect">
-            <a:avLst/>
-          </a:prstGeom>
-          <a:solidFill>
-            <a:schemeClr val="tx1"/>
-          </a:solidFill>
-          <a:ln w="28575">
-            <a:solidFill>
-              <a:srgbClr val="254A8E"/>
-            </a:solidFill>
-          </a:ln>
-        </p:spPr>
-        <p:txBody>
-          <a:bodyPr wrap="square" rtlCol="0">
-            <a:spAutoFit/>
-          </a:bodyPr>
-          <a:lstStyle/>
-          <a:p>
-            <a:r>
-              <a:rPr lang="it-IT" sz="1200" dirty="0">
-                <a:solidFill>
-                  <a:schemeClr val="bg1"/>
-                </a:solidFill>
-              </a:rPr>
-              <a:t>La categoria </a:t>
-            </a:r>
-            <a:r>
-              <a:rPr lang="it-IT" sz="1200" b="1" dirty="0" err="1">
-                <a:solidFill>
-                  <a:schemeClr val="bg1"/>
-                </a:solidFill>
-              </a:rPr>
-              <a:t>low_increment</a:t>
-            </a:r>
-            <a:r>
-              <a:rPr lang="it-IT" sz="1200" dirty="0">
-                <a:solidFill>
-                  <a:schemeClr val="bg1"/>
-                </a:solidFill>
-              </a:rPr>
-              <a:t> è fortemente concentrata nel </a:t>
-            </a:r>
-            <a:r>
-              <a:rPr lang="it-IT" sz="1200" b="1" dirty="0">
-                <a:solidFill>
-                  <a:schemeClr val="bg1"/>
-                </a:solidFill>
-              </a:rPr>
-              <a:t>cluster 0</a:t>
-            </a:r>
-            <a:r>
-              <a:rPr lang="it-IT" sz="1200" dirty="0">
-                <a:solidFill>
-                  <a:schemeClr val="bg1"/>
-                </a:solidFill>
-              </a:rPr>
-              <a:t>, mentre </a:t>
-            </a:r>
-            <a:r>
-              <a:rPr lang="it-IT" sz="1200" b="1" dirty="0" err="1">
-                <a:solidFill>
-                  <a:schemeClr val="bg1"/>
-                </a:solidFill>
-              </a:rPr>
-              <a:t>high_increment</a:t>
-            </a:r>
-            <a:r>
-              <a:rPr lang="it-IT" sz="1200" dirty="0">
-                <a:solidFill>
-                  <a:schemeClr val="bg1"/>
-                </a:solidFill>
-              </a:rPr>
-              <a:t> è maggiormente distribuita tra i cluster 0, 1, e 3. Le altre categorie mostrano una distribuzione più equilibrata tra i cluster.</a:t>
-            </a:r>
-            <a:endParaRPr lang="it-IT" sz="1200" b="1" dirty="0">
-              <a:solidFill>
-                <a:schemeClr val="bg1"/>
-              </a:solidFill>
-            </a:endParaRPr>
-          </a:p>
-        </p:txBody>
-      </p:sp>
       <p:cxnSp>
         <p:nvCxnSpPr>
-          <p:cNvPr id="11" name="Connettore diritto 10">
+          <p:cNvPr id="10" name="Connettore diritto 9">
             <a:extLst>
               <a:ext uri="{FF2B5EF4-FFF2-40B4-BE49-F238E27FC236}">
-                <a16:creationId xmlns:a16="http://schemas.microsoft.com/office/drawing/2014/main" id="{D35D5BC3-BE05-532F-0C5F-046623EEDF63}"/>
+                <a16:creationId xmlns:a16="http://schemas.microsoft.com/office/drawing/2014/main" id="{AD026518-1E0C-296F-B59E-91E452F2CB34}"/>
               </a:ext>
             </a:extLst>
           </p:cNvPr>
           <p:cNvCxnSpPr>
             <a:cxnSpLocks/>
-            <a:stCxn id="9" idx="2"/>
-            <a:endCxn id="6" idx="0"/>
+            <a:stCxn id="4" idx="0"/>
+            <a:endCxn id="16" idx="2"/>
           </p:cNvCxnSpPr>
           <p:nvPr/>
         </p:nvCxnSpPr>
         <p:spPr>
-          <a:xfrm>
-            <a:off x="9693547" y="2853123"/>
-            <a:ext cx="0" cy="575877"/>
+          <a:xfrm flipH="1" flipV="1">
+            <a:off x="9212557" y="4622799"/>
+            <a:ext cx="1" cy="755059"/>
           </a:xfrm>
           <a:prstGeom prst="line">
             <a:avLst/>
@@ -19090,7 +18135,7 @@
     </p:spTree>
     <p:extLst>
       <p:ext uri="{BB962C8B-B14F-4D97-AF65-F5344CB8AC3E}">
-        <p14:creationId xmlns:p14="http://schemas.microsoft.com/office/powerpoint/2010/main" val="3094767102"/>
+        <p14:creationId xmlns:p14="http://schemas.microsoft.com/office/powerpoint/2010/main" val="2797098168"/>
       </p:ext>
     </p:extLst>
   </p:cSld>
@@ -19153,10 +18198,10 @@
       </p:grpSpPr>
       <p:sp>
         <p:nvSpPr>
-          <p:cNvPr id="2" name="Pentagono 3">
+          <p:cNvPr id="21" name="Pentagono 3">
             <a:extLst>
               <a:ext uri="{FF2B5EF4-FFF2-40B4-BE49-F238E27FC236}">
-                <a16:creationId xmlns:a16="http://schemas.microsoft.com/office/drawing/2014/main" id="{205EABED-105B-3A70-D0AF-24946B0396A9}"/>
+                <a16:creationId xmlns:a16="http://schemas.microsoft.com/office/drawing/2014/main" id="{9A4E4526-E62D-EADE-74C1-576A8149A3E9}"/>
               </a:ext>
             </a:extLst>
           </p:cNvPr>
@@ -19166,7 +18211,7 @@
         <p:spPr>
           <a:xfrm>
             <a:off x="0" y="0"/>
-            <a:ext cx="5041900" cy="869525"/>
+            <a:ext cx="5682174" cy="869525"/>
           </a:xfrm>
           <a:prstGeom prst="homePlate">
             <a:avLst/>
@@ -19205,7 +18250,7 @@
             <a:pPr algn="ctr"/>
             <a:r>
               <a:rPr lang="it-IT" sz="2800" dirty="0"/>
-              <a:t>Grafici</a:t>
+              <a:t>Grafici Interattivi</a:t>
             </a:r>
           </a:p>
         </p:txBody>
@@ -19246,52 +18291,13 @@
           </a:p>
         </p:txBody>
       </p:sp>
-      <p:sp>
-        <p:nvSpPr>
-          <p:cNvPr id="12" name="CasellaDiTesto 11">
-            <a:extLst>
-              <a:ext uri="{FF2B5EF4-FFF2-40B4-BE49-F238E27FC236}">
-                <a16:creationId xmlns:a16="http://schemas.microsoft.com/office/drawing/2014/main" id="{9CBB5E43-2628-E1F7-D6E0-78B58B2915E9}"/>
-              </a:ext>
-            </a:extLst>
-          </p:cNvPr>
-          <p:cNvSpPr txBox="1"/>
-          <p:nvPr/>
-        </p:nvSpPr>
-        <p:spPr>
-          <a:xfrm>
-            <a:off x="5363111" y="203929"/>
-            <a:ext cx="10612486" cy="338554"/>
-          </a:xfrm>
-          <a:prstGeom prst="rect">
-            <a:avLst/>
-          </a:prstGeom>
-          <a:noFill/>
-        </p:spPr>
-        <p:txBody>
-          <a:bodyPr wrap="square">
-            <a:spAutoFit/>
-          </a:bodyPr>
-          <a:lstStyle/>
-          <a:p>
-            <a:r>
-              <a:rPr lang="it-IT" sz="1600" dirty="0">
-                <a:solidFill>
-                  <a:schemeClr val="bg1"/>
-                </a:solidFill>
-              </a:rPr>
-              <a:t>Impatto delle Features sulla Separazione dei Cluster</a:t>
-            </a:r>
-          </a:p>
-        </p:txBody>
-      </p:sp>
       <p:pic>
         <p:nvPicPr>
-          <p:cNvPr id="13" name="Immagine 12">
+          <p:cNvPr id="14" name="Immagine 13">
             <a:hlinkClick r:id="rId2"/>
             <a:extLst>
               <a:ext uri="{FF2B5EF4-FFF2-40B4-BE49-F238E27FC236}">
-                <a16:creationId xmlns:a16="http://schemas.microsoft.com/office/drawing/2014/main" id="{4C8B55CD-3334-F7E9-803D-79333DCFE7BA}"/>
+                <a16:creationId xmlns:a16="http://schemas.microsoft.com/office/drawing/2014/main" id="{F3AC5B1A-4D3E-FA26-F053-C5C017CEA3E1}"/>
               </a:ext>
             </a:extLst>
           </p:cNvPr>
@@ -19307,8 +18313,8 @@
         </p:blipFill>
         <p:spPr>
           <a:xfrm>
-            <a:off x="1350309" y="2981662"/>
-            <a:ext cx="3767302" cy="3412168"/>
+            <a:off x="786552" y="1237354"/>
+            <a:ext cx="5068645" cy="3379096"/>
           </a:xfrm>
           <a:prstGeom prst="rect">
             <a:avLst/>
@@ -19317,11 +18323,11 @@
       </p:pic>
       <p:pic>
         <p:nvPicPr>
-          <p:cNvPr id="16" name="Immagine 15">
+          <p:cNvPr id="15" name="Immagine 14">
             <a:hlinkClick r:id="rId4"/>
             <a:extLst>
               <a:ext uri="{FF2B5EF4-FFF2-40B4-BE49-F238E27FC236}">
-                <a16:creationId xmlns:a16="http://schemas.microsoft.com/office/drawing/2014/main" id="{C80552D2-DB7A-A02E-76F0-72660F9ED33A}"/>
+                <a16:creationId xmlns:a16="http://schemas.microsoft.com/office/drawing/2014/main" id="{5FEFB0E5-2788-00C8-0BDB-2029FB4196CF}"/>
               </a:ext>
             </a:extLst>
           </p:cNvPr>
@@ -19332,13 +18338,13 @@
         </p:nvPicPr>
         <p:blipFill>
           <a:blip r:embed="rId5"/>
-          <a:srcRect t="1981" b="1981"/>
+          <a:srcRect/>
           <a:stretch/>
         </p:blipFill>
         <p:spPr>
           <a:xfrm>
-            <a:off x="6949927" y="1243267"/>
-            <a:ext cx="4359679" cy="2595606"/>
+            <a:off x="6604321" y="3206647"/>
+            <a:ext cx="5198425" cy="3465616"/>
           </a:xfrm>
           <a:prstGeom prst="rect">
             <a:avLst/>
@@ -19359,8 +18365,8 @@
         </p:nvSpPr>
         <p:spPr>
           <a:xfrm>
-            <a:off x="600946" y="1595290"/>
-            <a:ext cx="5266029" cy="830997"/>
+            <a:off x="523372" y="5240978"/>
+            <a:ext cx="5595005" cy="1200329"/>
           </a:xfrm>
           <a:prstGeom prst="rect">
             <a:avLst/>
@@ -19389,11 +18395,83 @@
               <a:t>Il </a:t>
             </a:r>
             <a:r>
+              <a:rPr lang="it-IT" sz="1200" b="1" dirty="0">
+                <a:solidFill>
+                  <a:schemeClr val="bg1"/>
+                </a:solidFill>
+              </a:rPr>
+              <a:t>cluster 1</a:t>
+            </a:r>
+            <a:r>
+              <a:rPr lang="it-IT" sz="1200" dirty="0">
+                <a:solidFill>
+                  <a:schemeClr val="bg1"/>
+                </a:solidFill>
+              </a:rPr>
+              <a:t> è predominante nell'</a:t>
+            </a:r>
+            <a:r>
+              <a:rPr lang="it-IT" sz="1200" b="1" dirty="0">
+                <a:solidFill>
+                  <a:schemeClr val="bg1"/>
+                </a:solidFill>
+              </a:rPr>
+              <a:t> </a:t>
+            </a:r>
+            <a:r>
               <a:rPr lang="it-IT" sz="1200" b="1" dirty="0" err="1">
                 <a:solidFill>
                   <a:schemeClr val="bg1"/>
                 </a:solidFill>
               </a:rPr>
+              <a:t>high_increment</a:t>
+            </a:r>
+            <a:r>
+              <a:rPr lang="it-IT" sz="1200" b="1" dirty="0">
+                <a:solidFill>
+                  <a:schemeClr val="bg1"/>
+                </a:solidFill>
+              </a:rPr>
+              <a:t> </a:t>
+            </a:r>
+            <a:r>
+              <a:rPr lang="it-IT" sz="1200" dirty="0">
+                <a:solidFill>
+                  <a:schemeClr val="bg1"/>
+                </a:solidFill>
+              </a:rPr>
+              <a:t>professionisti quali psicologi, logopedisti, infermiere e fisioterapisti.     Il </a:t>
+            </a:r>
+            <a:r>
+              <a:rPr lang="it-IT" sz="1200" b="1" dirty="0">
+                <a:solidFill>
+                  <a:schemeClr val="bg1"/>
+                </a:solidFill>
+              </a:rPr>
+              <a:t>cluster 2</a:t>
+            </a:r>
+            <a:r>
+              <a:rPr lang="it-IT" sz="1200" dirty="0">
+                <a:solidFill>
+                  <a:schemeClr val="bg1"/>
+                </a:solidFill>
+              </a:rPr>
+              <a:t> è dominante nell'</a:t>
+            </a:r>
+            <a:r>
+              <a:rPr lang="it-IT" sz="1200" b="1" dirty="0">
+                <a:solidFill>
+                  <a:schemeClr val="bg1"/>
+                </a:solidFill>
+              </a:rPr>
+              <a:t> </a:t>
+            </a:r>
+            <a:r>
+              <a:rPr lang="it-IT" sz="1200" b="1" dirty="0" err="1">
+                <a:solidFill>
+                  <a:schemeClr val="bg1"/>
+                </a:solidFill>
+              </a:rPr>
               <a:t>low_increment</a:t>
             </a:r>
             <a:r>
@@ -19402,7 +18480,47 @@
                   <a:schemeClr val="bg1"/>
                 </a:solidFill>
               </a:rPr>
-              <a:t> prevale nel centro-sud, mentre il </a:t>
+              <a:t>, particolarmente per professioni come l'</a:t>
+            </a:r>
+            <a:r>
+              <a:rPr lang="it-IT" sz="1200" b="1" dirty="0">
+                <a:solidFill>
+                  <a:schemeClr val="bg1"/>
+                </a:solidFill>
+              </a:rPr>
+              <a:t>infermiere</a:t>
+            </a:r>
+            <a:r>
+              <a:rPr lang="it-IT" sz="1200" dirty="0">
+                <a:solidFill>
+                  <a:schemeClr val="bg1"/>
+                </a:solidFill>
+              </a:rPr>
+              <a:t> e il </a:t>
+            </a:r>
+            <a:r>
+              <a:rPr lang="it-IT" sz="1200" b="1" dirty="0">
+                <a:solidFill>
+                  <a:schemeClr val="bg1"/>
+                </a:solidFill>
+              </a:rPr>
+              <a:t>dietista.              </a:t>
+            </a:r>
+            <a:r>
+              <a:rPr lang="it-IT" sz="1200" dirty="0">
+                <a:solidFill>
+                  <a:schemeClr val="bg1"/>
+                </a:solidFill>
+              </a:rPr>
+              <a:t>Nel</a:t>
+            </a:r>
+            <a:r>
+              <a:rPr lang="it-IT" sz="1200" b="1" dirty="0">
+                <a:solidFill>
+                  <a:schemeClr val="bg1"/>
+                </a:solidFill>
+              </a:rPr>
+              <a:t> </a:t>
             </a:r>
             <a:r>
               <a:rPr lang="it-IT" sz="1200" b="1" dirty="0" err="1">
@@ -19410,7 +18528,15 @@
                   <a:schemeClr val="bg1"/>
                 </a:solidFill>
               </a:rPr>
-              <a:t>high_increment</a:t>
+              <a:t>medium_increment</a:t>
+            </a:r>
+            <a:r>
+              <a:rPr lang="it-IT" sz="1200" b="1" dirty="0">
+                <a:solidFill>
+                  <a:schemeClr val="bg1"/>
+                </a:solidFill>
+              </a:rPr>
+              <a:t> </a:t>
             </a:r>
             <a:r>
               <a:rPr lang="it-IT" sz="1200" dirty="0">
@@ -19418,15 +18544,15 @@
                   <a:schemeClr val="bg1"/>
                 </a:solidFill>
               </a:rPr>
-              <a:t> è concentrato principalmente nel nord. Il </a:t>
-            </a:r>
-            <a:r>
-              <a:rPr lang="it-IT" sz="1200" b="1" dirty="0" err="1">
+              <a:t>c'è una predominanza del </a:t>
+            </a:r>
+            <a:r>
+              <a:rPr lang="it-IT" sz="1200" b="1" dirty="0">
                 <a:solidFill>
                   <a:schemeClr val="bg1"/>
                 </a:solidFill>
               </a:rPr>
-              <a:t>medium_increment</a:t>
+              <a:t>cluster 3, </a:t>
             </a:r>
             <a:r>
               <a:rPr lang="it-IT" sz="1200" dirty="0">
@@ -19434,7 +18560,7 @@
                   <a:schemeClr val="bg1"/>
                 </a:solidFill>
               </a:rPr>
-              <a:t> è meno frequente e più limitato geograficamente.</a:t>
+              <a:t>con i professionisti come gli infermiere, fisioterapisti e psicologi </a:t>
             </a:r>
           </a:p>
         </p:txBody>
@@ -19444,7 +18570,7 @@
           <p:cNvPr id="4" name="CasellaDiTesto 3">
             <a:extLst>
               <a:ext uri="{FF2B5EF4-FFF2-40B4-BE49-F238E27FC236}">
-                <a16:creationId xmlns:a16="http://schemas.microsoft.com/office/drawing/2014/main" id="{E105411F-C4EF-FA06-200E-AAB19DE61D50}"/>
+                <a16:creationId xmlns:a16="http://schemas.microsoft.com/office/drawing/2014/main" id="{F9BECD2F-FB5F-4DCC-9113-4BD7B1C24F9D}"/>
               </a:ext>
             </a:extLst>
           </p:cNvPr>
@@ -19453,8 +18579,8 @@
         </p:nvSpPr>
         <p:spPr>
           <a:xfrm>
-            <a:off x="6496753" y="4539658"/>
-            <a:ext cx="5266029" cy="646331"/>
+            <a:off x="6398874" y="1097476"/>
+            <a:ext cx="5564525" cy="1200329"/>
           </a:xfrm>
           <a:prstGeom prst="rect">
             <a:avLst/>
@@ -19480,7 +18606,31 @@
                   <a:schemeClr val="bg1"/>
                 </a:solidFill>
               </a:rPr>
-              <a:t>Le donne sono più presenti nei gruppi di </a:t>
+              <a:t>Il </a:t>
+            </a:r>
+            <a:r>
+              <a:rPr lang="it-IT" sz="1200" b="1" dirty="0">
+                <a:solidFill>
+                  <a:schemeClr val="bg1"/>
+                </a:solidFill>
+              </a:rPr>
+              <a:t>cluster 0 </a:t>
+            </a:r>
+            <a:r>
+              <a:rPr lang="it-IT" sz="1200" dirty="0">
+                <a:solidFill>
+                  <a:schemeClr val="bg1"/>
+                </a:solidFill>
+              </a:rPr>
+              <a:t>sembra rappresentare le strutture più stabili (spesso pubbliche) con</a:t>
+            </a:r>
+            <a:r>
+              <a:rPr lang="it-IT" sz="1200" b="1" dirty="0">
+                <a:solidFill>
+                  <a:schemeClr val="bg1"/>
+                </a:solidFill>
+              </a:rPr>
+              <a:t> </a:t>
             </a:r>
             <a:r>
               <a:rPr lang="it-IT" sz="1200" b="1" dirty="0" err="1">
@@ -19496,7 +18646,31 @@
                   <a:schemeClr val="bg1"/>
                 </a:solidFill>
               </a:rPr>
-              <a:t> e </a:t>
+              <a:t>, mentre il c</a:t>
+            </a:r>
+            <a:r>
+              <a:rPr lang="it-IT" sz="1200" b="1" dirty="0">
+                <a:solidFill>
+                  <a:schemeClr val="bg1"/>
+                </a:solidFill>
+              </a:rPr>
+              <a:t>luster 1 </a:t>
+            </a:r>
+            <a:r>
+              <a:rPr lang="it-IT" sz="1200" dirty="0">
+                <a:solidFill>
+                  <a:schemeClr val="bg1"/>
+                </a:solidFill>
+              </a:rPr>
+              <a:t>raccoglie le strutture con</a:t>
+            </a:r>
+            <a:r>
+              <a:rPr lang="it-IT" sz="1200" b="1" dirty="0">
+                <a:solidFill>
+                  <a:schemeClr val="bg1"/>
+                </a:solidFill>
+              </a:rPr>
+              <a:t> </a:t>
             </a:r>
             <a:r>
               <a:rPr lang="it-IT" sz="1200" b="1" dirty="0" err="1">
@@ -19512,23 +18686,7 @@
                   <a:schemeClr val="bg1"/>
                 </a:solidFill>
               </a:rPr>
-              <a:t>, mentre nel </a:t>
-            </a:r>
-            <a:r>
-              <a:rPr lang="it-IT" sz="1200" b="1" dirty="0" err="1">
-                <a:solidFill>
-                  <a:schemeClr val="bg1"/>
-                </a:solidFill>
-              </a:rPr>
-              <a:t>medium_increment</a:t>
-            </a:r>
-            <a:r>
-              <a:rPr lang="it-IT" sz="1200" dirty="0">
-                <a:solidFill>
-                  <a:schemeClr val="bg1"/>
-                </a:solidFill>
-              </a:rPr>
-              <a:t> la distribuzione tra i sessi è più equilibrata.</a:t>
+              <a:t>, tipicamente quelle private o a gestione diretta. Evidenziando come le tipologie di strutture sanitarie si distribuiscono nei diversi cluster in base al tipo di incremento.</a:t>
             </a:r>
           </a:p>
         </p:txBody>
@@ -19538,21 +18696,21 @@
           <p:cNvPr id="6" name="Connettore diritto 5">
             <a:extLst>
               <a:ext uri="{FF2B5EF4-FFF2-40B4-BE49-F238E27FC236}">
-                <a16:creationId xmlns:a16="http://schemas.microsoft.com/office/drawing/2014/main" id="{1B8B1CB5-C8AE-A0A2-59BA-4CC278535737}"/>
+                <a16:creationId xmlns:a16="http://schemas.microsoft.com/office/drawing/2014/main" id="{55DD20A2-30B8-95D1-6249-37E4C166764F}"/>
               </a:ext>
             </a:extLst>
           </p:cNvPr>
           <p:cNvCxnSpPr>
             <a:cxnSpLocks/>
-            <a:stCxn id="3" idx="2"/>
-            <a:endCxn id="13" idx="0"/>
+            <a:stCxn id="3" idx="0"/>
+            <a:endCxn id="14" idx="2"/>
           </p:cNvCxnSpPr>
           <p:nvPr/>
         </p:nvCxnSpPr>
         <p:spPr>
-          <a:xfrm flipH="1">
-            <a:off x="3233960" y="2426287"/>
-            <a:ext cx="1" cy="555375"/>
+          <a:xfrm flipV="1">
+            <a:off x="3320875" y="4616450"/>
+            <a:ext cx="0" cy="624528"/>
           </a:xfrm>
           <a:prstGeom prst="line">
             <a:avLst/>
@@ -19584,24 +18742,24 @@
       </p:cxnSp>
       <p:cxnSp>
         <p:nvCxnSpPr>
-          <p:cNvPr id="10" name="Connettore diritto 9">
+          <p:cNvPr id="9" name="Connettore diritto 8">
             <a:extLst>
               <a:ext uri="{FF2B5EF4-FFF2-40B4-BE49-F238E27FC236}">
-                <a16:creationId xmlns:a16="http://schemas.microsoft.com/office/drawing/2014/main" id="{AD026518-1E0C-296F-B59E-91E452F2CB34}"/>
+                <a16:creationId xmlns:a16="http://schemas.microsoft.com/office/drawing/2014/main" id="{8685D503-D181-BC93-4ABE-95086F58A651}"/>
               </a:ext>
             </a:extLst>
           </p:cNvPr>
           <p:cNvCxnSpPr>
             <a:cxnSpLocks/>
-            <a:stCxn id="4" idx="0"/>
-            <a:endCxn id="16" idx="2"/>
+            <a:stCxn id="4" idx="2"/>
+            <a:endCxn id="15" idx="0"/>
           </p:cNvCxnSpPr>
           <p:nvPr/>
         </p:nvCxnSpPr>
         <p:spPr>
-          <a:xfrm flipH="1" flipV="1">
-            <a:off x="9129767" y="3838873"/>
-            <a:ext cx="1" cy="700785"/>
+          <a:xfrm>
+            <a:off x="9181137" y="2297805"/>
+            <a:ext cx="22397" cy="908842"/>
           </a:xfrm>
           <a:prstGeom prst="line">
             <a:avLst/>
@@ -19631,10 +18789,49 @@
           </a:fontRef>
         </p:style>
       </p:cxnSp>
+      <p:sp>
+        <p:nvSpPr>
+          <p:cNvPr id="23" name="CasellaDiTesto 22">
+            <a:extLst>
+              <a:ext uri="{FF2B5EF4-FFF2-40B4-BE49-F238E27FC236}">
+                <a16:creationId xmlns:a16="http://schemas.microsoft.com/office/drawing/2014/main" id="{77E479FA-E8B1-E5C8-DEBD-F934ED7B4AB7}"/>
+              </a:ext>
+            </a:extLst>
+          </p:cNvPr>
+          <p:cNvSpPr txBox="1"/>
+          <p:nvPr/>
+        </p:nvSpPr>
+        <p:spPr>
+          <a:xfrm>
+            <a:off x="5866975" y="203929"/>
+            <a:ext cx="10612486" cy="338554"/>
+          </a:xfrm>
+          <a:prstGeom prst="rect">
+            <a:avLst/>
+          </a:prstGeom>
+          <a:noFill/>
+        </p:spPr>
+        <p:txBody>
+          <a:bodyPr wrap="square">
+            <a:spAutoFit/>
+          </a:bodyPr>
+          <a:lstStyle/>
+          <a:p>
+            <a:r>
+              <a:rPr lang="it-IT" sz="1600" dirty="0">
+                <a:solidFill>
+                  <a:schemeClr val="bg1"/>
+                </a:solidFill>
+              </a:rPr>
+              <a:t>Impatto delle Features sulla Separazione dei Cluster</a:t>
+            </a:r>
+          </a:p>
+        </p:txBody>
+      </p:sp>
     </p:spTree>
     <p:extLst>
       <p:ext uri="{BB962C8B-B14F-4D97-AF65-F5344CB8AC3E}">
-        <p14:creationId xmlns:p14="http://schemas.microsoft.com/office/powerpoint/2010/main" val="2797098168"/>
+        <p14:creationId xmlns:p14="http://schemas.microsoft.com/office/powerpoint/2010/main" val="3444321023"/>
       </p:ext>
     </p:extLst>
   </p:cSld>
@@ -19645,6 +18842,310 @@
 </file>
 
 <file path=ppt/slides/slide18.xml><?xml version="1.0" encoding="utf-8"?>
+<p:sld xmlns:a="http://schemas.openxmlformats.org/drawingml/2006/main" xmlns:r="http://schemas.openxmlformats.org/officeDocument/2006/relationships" xmlns:p="http://schemas.openxmlformats.org/presentationml/2006/main">
+  <p:cSld>
+    <p:spTree>
+      <p:nvGrpSpPr>
+        <p:cNvPr id="1" name=""/>
+        <p:cNvGrpSpPr/>
+        <p:nvPr/>
+      </p:nvGrpSpPr>
+      <p:grpSpPr>
+        <a:xfrm>
+          <a:off x="0" y="0"/>
+          <a:ext cx="0" cy="0"/>
+          <a:chOff x="0" y="0"/>
+          <a:chExt cx="0" cy="0"/>
+        </a:xfrm>
+      </p:grpSpPr>
+      <p:pic>
+        <p:nvPicPr>
+          <p:cNvPr id="8" name="Immagine 7">
+            <a:extLst>
+              <a:ext uri="{FF2B5EF4-FFF2-40B4-BE49-F238E27FC236}">
+                <a16:creationId xmlns:a16="http://schemas.microsoft.com/office/drawing/2014/main" id="{832106B4-7043-32DF-A005-C2C7839B2F94}"/>
+              </a:ext>
+            </a:extLst>
+          </p:cNvPr>
+          <p:cNvPicPr>
+            <a:picLocks noChangeAspect="1"/>
+          </p:cNvPicPr>
+          <p:nvPr/>
+        </p:nvPicPr>
+        <p:blipFill>
+          <a:blip r:embed="rId2">
+            <a:extLst>
+              <a:ext uri="{28A0092B-C50C-407E-A947-70E740481C1C}">
+                <a14:useLocalDpi xmlns:a14="http://schemas.microsoft.com/office/drawing/2010/main" val="0"/>
+              </a:ext>
+            </a:extLst>
+          </a:blip>
+          <a:stretch>
+            <a:fillRect/>
+          </a:stretch>
+        </p:blipFill>
+        <p:spPr>
+          <a:xfrm>
+            <a:off x="0" y="0"/>
+            <a:ext cx="12192000" cy="6858000"/>
+          </a:xfrm>
+          <a:prstGeom prst="rect">
+            <a:avLst/>
+          </a:prstGeom>
+        </p:spPr>
+      </p:pic>
+      <p:sp>
+        <p:nvSpPr>
+          <p:cNvPr id="2" name="Rettangolo 1">
+            <a:extLst>
+              <a:ext uri="{FF2B5EF4-FFF2-40B4-BE49-F238E27FC236}">
+                <a16:creationId xmlns:a16="http://schemas.microsoft.com/office/drawing/2014/main" id="{F8449010-1902-53D3-DE00-C64FD2EB7CC6}"/>
+              </a:ext>
+            </a:extLst>
+          </p:cNvPr>
+          <p:cNvSpPr/>
+          <p:nvPr/>
+        </p:nvSpPr>
+        <p:spPr>
+          <a:xfrm>
+            <a:off x="4407108" y="974361"/>
+            <a:ext cx="3267856" cy="1963711"/>
+          </a:xfrm>
+          <a:prstGeom prst="rect">
+            <a:avLst/>
+          </a:prstGeom>
+          <a:solidFill>
+            <a:srgbClr val="324A76"/>
+          </a:solidFill>
+          <a:ln>
+            <a:solidFill>
+              <a:srgbClr val="324A76"/>
+            </a:solidFill>
+          </a:ln>
+        </p:spPr>
+        <p:style>
+          <a:lnRef idx="2">
+            <a:schemeClr val="accent1">
+              <a:shade val="15000"/>
+            </a:schemeClr>
+          </a:lnRef>
+          <a:fillRef idx="1">
+            <a:schemeClr val="accent1"/>
+          </a:fillRef>
+          <a:effectRef idx="0">
+            <a:schemeClr val="accent1"/>
+          </a:effectRef>
+          <a:fontRef idx="minor">
+            <a:schemeClr val="lt1"/>
+          </a:fontRef>
+        </p:style>
+        <p:txBody>
+          <a:bodyPr rtlCol="0" anchor="ctr"/>
+          <a:lstStyle/>
+          <a:p>
+            <a:pPr algn="ctr"/>
+            <a:endParaRPr lang="it-IT"/>
+          </a:p>
+        </p:txBody>
+      </p:sp>
+      <p:sp>
+        <p:nvSpPr>
+          <p:cNvPr id="3" name="Rettangolo 2">
+            <a:extLst>
+              <a:ext uri="{FF2B5EF4-FFF2-40B4-BE49-F238E27FC236}">
+                <a16:creationId xmlns:a16="http://schemas.microsoft.com/office/drawing/2014/main" id="{4F932798-F3EF-0D07-21AB-2DAC0501AB12}"/>
+              </a:ext>
+            </a:extLst>
+          </p:cNvPr>
+          <p:cNvSpPr/>
+          <p:nvPr/>
+        </p:nvSpPr>
+        <p:spPr>
+          <a:xfrm>
+            <a:off x="3360294" y="4484558"/>
+            <a:ext cx="5753725" cy="1399081"/>
+          </a:xfrm>
+          <a:prstGeom prst="rect">
+            <a:avLst/>
+          </a:prstGeom>
+          <a:solidFill>
+            <a:srgbClr val="324A76"/>
+          </a:solidFill>
+          <a:ln>
+            <a:solidFill>
+              <a:srgbClr val="324A76"/>
+            </a:solidFill>
+          </a:ln>
+        </p:spPr>
+        <p:style>
+          <a:lnRef idx="2">
+            <a:schemeClr val="accent1">
+              <a:shade val="15000"/>
+            </a:schemeClr>
+          </a:lnRef>
+          <a:fillRef idx="1">
+            <a:schemeClr val="accent1"/>
+          </a:fillRef>
+          <a:effectRef idx="0">
+            <a:schemeClr val="accent1"/>
+          </a:effectRef>
+          <a:fontRef idx="minor">
+            <a:schemeClr val="lt1"/>
+          </a:fontRef>
+        </p:style>
+        <p:txBody>
+          <a:bodyPr rtlCol="0" anchor="ctr"/>
+          <a:lstStyle/>
+          <a:p>
+            <a:pPr algn="ctr"/>
+            <a:endParaRPr lang="it-IT"/>
+          </a:p>
+        </p:txBody>
+      </p:sp>
+      <p:sp>
+        <p:nvSpPr>
+          <p:cNvPr id="4" name="CasellaDiTesto 3">
+            <a:extLst>
+              <a:ext uri="{FF2B5EF4-FFF2-40B4-BE49-F238E27FC236}">
+                <a16:creationId xmlns:a16="http://schemas.microsoft.com/office/drawing/2014/main" id="{38A3FA4E-6AB2-B0E3-5221-8B01AA8D68CD}"/>
+              </a:ext>
+            </a:extLst>
+          </p:cNvPr>
+          <p:cNvSpPr txBox="1"/>
+          <p:nvPr/>
+        </p:nvSpPr>
+        <p:spPr>
+          <a:xfrm>
+            <a:off x="4407108" y="4522378"/>
+            <a:ext cx="3711272" cy="1323439"/>
+          </a:xfrm>
+          <a:prstGeom prst="rect">
+            <a:avLst/>
+          </a:prstGeom>
+          <a:noFill/>
+        </p:spPr>
+        <p:txBody>
+          <a:bodyPr wrap="none" rtlCol="0">
+            <a:spAutoFit/>
+          </a:bodyPr>
+          <a:lstStyle/>
+          <a:p>
+            <a:pPr algn="ctr" defTabSz="457200">
+              <a:defRPr/>
+            </a:pPr>
+            <a:r>
+              <a:rPr lang="it-IT" sz="2000" i="1" dirty="0"/>
+              <a:t>Alessia Rossi</a:t>
+            </a:r>
+            <a:endParaRPr kumimoji="0" lang="it-IT" sz="2000" b="0" i="1" u="none" strike="noStrike" kern="1200" cap="none" spc="0" normalizeH="0" baseline="0" noProof="0" dirty="0">
+              <a:ln>
+                <a:noFill/>
+              </a:ln>
+              <a:effectLst/>
+              <a:uLnTx/>
+              <a:uFillTx/>
+              <a:ea typeface="+mn-ea"/>
+              <a:cs typeface="+mn-cs"/>
+            </a:endParaRPr>
+          </a:p>
+          <a:p>
+            <a:pPr marL="0" marR="0" lvl="0" indent="0" algn="ctr" defTabSz="457200" rtl="0" eaLnBrk="1" fontAlgn="auto" latinLnBrk="0" hangingPunct="1">
+              <a:lnSpc>
+                <a:spcPct val="100000"/>
+              </a:lnSpc>
+              <a:spcBef>
+                <a:spcPts val="0"/>
+              </a:spcBef>
+              <a:spcAft>
+                <a:spcPts val="0"/>
+              </a:spcAft>
+              <a:buClrTx/>
+              <a:buSzTx/>
+              <a:buFontTx/>
+              <a:buNone/>
+              <a:tabLst/>
+              <a:defRPr/>
+            </a:pPr>
+            <a:r>
+              <a:rPr kumimoji="0" lang="it-IT" sz="2000" b="0" i="1" u="none" strike="noStrike" kern="1200" cap="none" spc="0" normalizeH="0" baseline="0" noProof="0" dirty="0">
+                <a:ln>
+                  <a:noFill/>
+                </a:ln>
+                <a:effectLst/>
+                <a:uLnTx/>
+                <a:uFillTx/>
+                <a:ea typeface="+mn-ea"/>
+                <a:cs typeface="+mn-cs"/>
+              </a:rPr>
+              <a:t>Fabio Di Gregorio</a:t>
+            </a:r>
+          </a:p>
+          <a:p>
+            <a:pPr algn="ctr"/>
+            <a:r>
+              <a:rPr lang="it-IT" sz="2000" i="1" dirty="0"/>
+              <a:t>Ignazio Emanuele Piccichè</a:t>
+            </a:r>
+          </a:p>
+          <a:p>
+            <a:pPr algn="ctr"/>
+            <a:r>
+              <a:rPr lang="it-IT" sz="2000" i="1" dirty="0"/>
+              <a:t>Martina Bertazzoni</a:t>
+            </a:r>
+          </a:p>
+        </p:txBody>
+      </p:sp>
+      <p:pic>
+        <p:nvPicPr>
+          <p:cNvPr id="6" name="Elemento grafico 5" descr="Cura contorno">
+            <a:extLst>
+              <a:ext uri="{FF2B5EF4-FFF2-40B4-BE49-F238E27FC236}">
+                <a16:creationId xmlns:a16="http://schemas.microsoft.com/office/drawing/2014/main" id="{A8C0D3E1-F936-6F5B-77BA-D6AF7BD3B715}"/>
+              </a:ext>
+            </a:extLst>
+          </p:cNvPr>
+          <p:cNvPicPr>
+            <a:picLocks noChangeAspect="1"/>
+          </p:cNvPicPr>
+          <p:nvPr/>
+        </p:nvPicPr>
+        <p:blipFill>
+          <a:blip r:embed="rId3">
+            <a:extLst>
+              <a:ext uri="{96DAC541-7B7A-43D3-8B79-37D633B846F1}">
+                <asvg:svgBlip xmlns:asvg="http://schemas.microsoft.com/office/drawing/2016/SVG/main" r:embed="rId4"/>
+              </a:ext>
+            </a:extLst>
+          </a:blip>
+          <a:stretch>
+            <a:fillRect/>
+          </a:stretch>
+        </p:blipFill>
+        <p:spPr>
+          <a:xfrm>
+            <a:off x="5197839" y="1058055"/>
+            <a:ext cx="1796321" cy="1796321"/>
+          </a:xfrm>
+          <a:prstGeom prst="rect">
+            <a:avLst/>
+          </a:prstGeom>
+        </p:spPr>
+      </p:pic>
+    </p:spTree>
+    <p:extLst>
+      <p:ext uri="{BB962C8B-B14F-4D97-AF65-F5344CB8AC3E}">
+        <p14:creationId xmlns:p14="http://schemas.microsoft.com/office/powerpoint/2010/main" val="1479114942"/>
+      </p:ext>
+    </p:extLst>
+  </p:cSld>
+  <p:clrMapOvr>
+    <a:masterClrMapping/>
+  </p:clrMapOvr>
+</p:sld>
+</file>
+
+<file path=ppt/slides/slide19.xml><?xml version="1.0" encoding="utf-8"?>
 <p:sld xmlns:a="http://schemas.openxmlformats.org/drawingml/2006/main" xmlns:r="http://schemas.openxmlformats.org/officeDocument/2006/relationships" xmlns:p="http://schemas.openxmlformats.org/presentationml/2006/main">
   <p:cSld>
     <p:bg>
@@ -19697,10 +19198,398 @@
       </p:grpSpPr>
       <p:sp>
         <p:nvSpPr>
-          <p:cNvPr id="2" name="Pentagono 3">
+          <p:cNvPr id="9" name="Rettangolo con angoli arrotondati 8">
             <a:extLst>
               <a:ext uri="{FF2B5EF4-FFF2-40B4-BE49-F238E27FC236}">
-                <a16:creationId xmlns:a16="http://schemas.microsoft.com/office/drawing/2014/main" id="{205EABED-105B-3A70-D0AF-24946B0396A9}"/>
+                <a16:creationId xmlns:a16="http://schemas.microsoft.com/office/drawing/2014/main" id="{CE3688EF-696D-DF40-AB25-66FDCA1C1AAC}"/>
+              </a:ext>
+            </a:extLst>
+          </p:cNvPr>
+          <p:cNvSpPr/>
+          <p:nvPr/>
+        </p:nvSpPr>
+        <p:spPr>
+          <a:xfrm>
+            <a:off x="708828" y="4758835"/>
+            <a:ext cx="9048783" cy="413235"/>
+          </a:xfrm>
+          <a:prstGeom prst="roundRect">
+            <a:avLst/>
+          </a:prstGeom>
+          <a:solidFill>
+            <a:schemeClr val="tx1">
+              <a:lumMod val="75000"/>
+              <a:alpha val="60000"/>
+            </a:schemeClr>
+          </a:solidFill>
+          <a:ln>
+            <a:solidFill>
+              <a:schemeClr val="tx1">
+                <a:lumMod val="75000"/>
+              </a:schemeClr>
+            </a:solidFill>
+          </a:ln>
+        </p:spPr>
+        <p:style>
+          <a:lnRef idx="2">
+            <a:schemeClr val="accent1">
+              <a:shade val="15000"/>
+            </a:schemeClr>
+          </a:lnRef>
+          <a:fillRef idx="1">
+            <a:schemeClr val="accent1"/>
+          </a:fillRef>
+          <a:effectRef idx="0">
+            <a:schemeClr val="accent1"/>
+          </a:effectRef>
+          <a:fontRef idx="minor">
+            <a:schemeClr val="lt1"/>
+          </a:fontRef>
+        </p:style>
+        <p:txBody>
+          <a:bodyPr rtlCol="0" anchor="ctr"/>
+          <a:lstStyle/>
+          <a:p>
+            <a:pPr algn="ctr"/>
+            <a:endParaRPr lang="it-IT"/>
+          </a:p>
+        </p:txBody>
+      </p:sp>
+      <p:sp>
+        <p:nvSpPr>
+          <p:cNvPr id="4" name="Rettangolo con angoli arrotondati 3">
+            <a:extLst>
+              <a:ext uri="{FF2B5EF4-FFF2-40B4-BE49-F238E27FC236}">
+                <a16:creationId xmlns:a16="http://schemas.microsoft.com/office/drawing/2014/main" id="{F5CEC5A1-C331-8DDA-5169-823701825D79}"/>
+              </a:ext>
+            </a:extLst>
+          </p:cNvPr>
+          <p:cNvSpPr/>
+          <p:nvPr/>
+        </p:nvSpPr>
+        <p:spPr>
+          <a:xfrm>
+            <a:off x="733926" y="1070811"/>
+            <a:ext cx="6545179" cy="413235"/>
+          </a:xfrm>
+          <a:prstGeom prst="roundRect">
+            <a:avLst/>
+          </a:prstGeom>
+          <a:solidFill>
+            <a:schemeClr val="tx1">
+              <a:lumMod val="75000"/>
+              <a:alpha val="60000"/>
+            </a:schemeClr>
+          </a:solidFill>
+          <a:ln>
+            <a:solidFill>
+              <a:schemeClr val="tx1">
+                <a:lumMod val="75000"/>
+              </a:schemeClr>
+            </a:solidFill>
+          </a:ln>
+        </p:spPr>
+        <p:style>
+          <a:lnRef idx="2">
+            <a:schemeClr val="accent1">
+              <a:shade val="15000"/>
+            </a:schemeClr>
+          </a:lnRef>
+          <a:fillRef idx="1">
+            <a:schemeClr val="accent1"/>
+          </a:fillRef>
+          <a:effectRef idx="0">
+            <a:schemeClr val="accent1"/>
+          </a:effectRef>
+          <a:fontRef idx="minor">
+            <a:schemeClr val="lt1"/>
+          </a:fontRef>
+        </p:style>
+        <p:txBody>
+          <a:bodyPr rtlCol="0" anchor="ctr"/>
+          <a:lstStyle/>
+          <a:p>
+            <a:pPr algn="ctr"/>
+            <a:endParaRPr lang="it-IT"/>
+          </a:p>
+        </p:txBody>
+      </p:sp>
+      <p:sp>
+        <p:nvSpPr>
+          <p:cNvPr id="6" name="Segnaposto contenuto 5">
+            <a:extLst>
+              <a:ext uri="{FF2B5EF4-FFF2-40B4-BE49-F238E27FC236}">
+                <a16:creationId xmlns:a16="http://schemas.microsoft.com/office/drawing/2014/main" id="{60992ACA-F591-72D8-B124-496FA7AB97E2}"/>
+              </a:ext>
+            </a:extLst>
+          </p:cNvPr>
+          <p:cNvSpPr>
+            <a:spLocks noGrp="1"/>
+          </p:cNvSpPr>
+          <p:nvPr>
+            <p:ph sz="quarter" idx="4"/>
+          </p:nvPr>
+        </p:nvSpPr>
+        <p:spPr>
+          <a:xfrm>
+            <a:off x="708829" y="5486869"/>
+            <a:ext cx="11173051" cy="1144754"/>
+          </a:xfrm>
+        </p:spPr>
+        <p:txBody>
+          <a:bodyPr>
+            <a:normAutofit fontScale="85000" lnSpcReduction="10000"/>
+          </a:bodyPr>
+          <a:lstStyle/>
+          <a:p>
+            <a:pPr marL="0" indent="0">
+              <a:buNone/>
+            </a:pPr>
+            <a:r>
+              <a:rPr lang="it-IT" sz="1900" dirty="0">
+                <a:solidFill>
+                  <a:schemeClr val="bg1"/>
+                </a:solidFill>
+              </a:rPr>
+              <a:t>Questo dataset contiene informazioni ISTAT, che includono codici statistici e denominazioni aggiornati dei comuni italiani. Viene utilizzato in combinazione con il primo dataset per completare i dati mancanti sul comune di residenza durante la fase di data cleaning</a:t>
+            </a:r>
+            <a:r>
+              <a:rPr lang="it-IT" sz="1800" dirty="0">
+                <a:solidFill>
+                  <a:schemeClr val="bg1"/>
+                </a:solidFill>
+              </a:rPr>
+              <a:t>.</a:t>
+            </a:r>
+          </a:p>
+        </p:txBody>
+      </p:sp>
+      <p:sp>
+        <p:nvSpPr>
+          <p:cNvPr id="7" name="Rectangle 1">
+            <a:extLst>
+              <a:ext uri="{FF2B5EF4-FFF2-40B4-BE49-F238E27FC236}">
+                <a16:creationId xmlns:a16="http://schemas.microsoft.com/office/drawing/2014/main" id="{23F6D46D-D013-8306-CF38-94797116D07A}"/>
+              </a:ext>
+            </a:extLst>
+          </p:cNvPr>
+          <p:cNvSpPr>
+            <a:spLocks noGrp="1" noChangeArrowheads="1"/>
+          </p:cNvSpPr>
+          <p:nvPr>
+            <p:ph type="body" idx="1"/>
+          </p:nvPr>
+        </p:nvSpPr>
+        <p:spPr bwMode="auto">
+          <a:xfrm>
+            <a:off x="442630" y="1100494"/>
+            <a:ext cx="7077579" cy="369332"/>
+          </a:xfrm>
+          <a:prstGeom prst="rect">
+            <a:avLst/>
+          </a:prstGeom>
+          <a:noFill/>
+          <a:ln>
+            <a:noFill/>
+          </a:ln>
+          <a:effectLst/>
+          <a:extLst>
+            <a:ext uri="{909E8E84-426E-40DD-AFC4-6F175D3DCCD1}">
+              <a14:hiddenFill xmlns:a14="http://schemas.microsoft.com/office/drawing/2010/main">
+                <a:solidFill>
+                  <a:schemeClr val="accent1"/>
+                </a:solidFill>
+              </a14:hiddenFill>
+            </a:ext>
+            <a:ext uri="{91240B29-F687-4F45-9708-019B960494DF}">
+              <a14:hiddenLine xmlns:a14="http://schemas.microsoft.com/office/drawing/2010/main" w="9525">
+                <a:solidFill>
+                  <a:schemeClr val="tx1"/>
+                </a:solidFill>
+                <a:miter lim="800000"/>
+                <a:headEnd/>
+                <a:tailEnd/>
+              </a14:hiddenLine>
+            </a:ext>
+            <a:ext uri="{AF507438-7753-43E0-B8FC-AC1667EBCBE1}">
+              <a14:hiddenEffects xmlns:a14="http://schemas.microsoft.com/office/drawing/2010/main">
+                <a:effectLst>
+                  <a:outerShdw dist="35921" dir="2700000" algn="ctr" rotWithShape="0">
+                    <a:schemeClr val="bg2"/>
+                  </a:outerShdw>
+                </a:effectLst>
+              </a14:hiddenEffects>
+            </a:ext>
+          </a:extLst>
+        </p:spPr>
+        <p:txBody>
+          <a:bodyPr vert="horz" wrap="none" lIns="91440" tIns="45720" rIns="91440" bIns="45720" numCol="1" anchor="ctr" anchorCtr="0" compatLnSpc="1">
+            <a:prstTxWarp prst="textNoShape">
+              <a:avLst/>
+            </a:prstTxWarp>
+            <a:spAutoFit/>
+          </a:bodyPr>
+          <a:lstStyle/>
+          <a:p>
+            <a:pPr marL="285750" marR="0" lvl="0" indent="-285750" algn="l" defTabSz="914400" rtl="0" eaLnBrk="0" fontAlgn="base" latinLnBrk="0" hangingPunct="0">
+              <a:lnSpc>
+                <a:spcPct val="100000"/>
+              </a:lnSpc>
+              <a:spcBef>
+                <a:spcPct val="0"/>
+              </a:spcBef>
+              <a:spcAft>
+                <a:spcPct val="0"/>
+              </a:spcAft>
+              <a:buClrTx/>
+              <a:buSzTx/>
+              <a:buFont typeface="Arial" panose="020B0604020202020204" pitchFamily="34" charset="0"/>
+              <a:buChar char="•"/>
+              <a:tabLst/>
+            </a:pPr>
+            <a:r>
+              <a:rPr lang="it-IT" altLang="it-IT" b="0" i="1" cap="none" dirty="0">
+                <a:solidFill>
+                  <a:schemeClr val="bg1"/>
+                </a:solidFill>
+              </a:rPr>
+              <a:t>challenge_campus_biomedico_2023.parquet </a:t>
+            </a:r>
+          </a:p>
+        </p:txBody>
+      </p:sp>
+      <p:sp>
+        <p:nvSpPr>
+          <p:cNvPr id="8" name="Rectangle 2">
+            <a:extLst>
+              <a:ext uri="{FF2B5EF4-FFF2-40B4-BE49-F238E27FC236}">
+                <a16:creationId xmlns:a16="http://schemas.microsoft.com/office/drawing/2014/main" id="{9FF223D4-5667-9B6F-20FA-1B6EBA473E46}"/>
+              </a:ext>
+            </a:extLst>
+          </p:cNvPr>
+          <p:cNvSpPr>
+            <a:spLocks noGrp="1" noChangeArrowheads="1"/>
+          </p:cNvSpPr>
+          <p:nvPr>
+            <p:ph type="body" sz="quarter" idx="3"/>
+          </p:nvPr>
+        </p:nvSpPr>
+        <p:spPr bwMode="auto">
+          <a:xfrm>
+            <a:off x="442630" y="4789368"/>
+            <a:ext cx="9554219" cy="369332"/>
+          </a:xfrm>
+          <a:prstGeom prst="rect">
+            <a:avLst/>
+          </a:prstGeom>
+          <a:noFill/>
+          <a:ln>
+            <a:noFill/>
+          </a:ln>
+          <a:effectLst/>
+        </p:spPr>
+        <p:txBody>
+          <a:bodyPr vert="horz" wrap="none" lIns="91440" tIns="45720" rIns="91440" bIns="45720" numCol="1" anchor="ctr" anchorCtr="0" compatLnSpc="1">
+            <a:prstTxWarp prst="textNoShape">
+              <a:avLst/>
+            </a:prstTxWarp>
+            <a:spAutoFit/>
+          </a:bodyPr>
+          <a:lstStyle/>
+          <a:p>
+            <a:pPr marL="285750" marR="0" lvl="0" indent="-285750" algn="l" defTabSz="914400" rtl="0" eaLnBrk="0" fontAlgn="base" latinLnBrk="0" hangingPunct="0">
+              <a:lnSpc>
+                <a:spcPct val="100000"/>
+              </a:lnSpc>
+              <a:spcBef>
+                <a:spcPct val="0"/>
+              </a:spcBef>
+              <a:spcAft>
+                <a:spcPct val="0"/>
+              </a:spcAft>
+              <a:buClrTx/>
+              <a:buSzTx/>
+              <a:buFont typeface="Arial" panose="020B0604020202020204" pitchFamily="34" charset="0"/>
+              <a:buChar char="•"/>
+              <a:tabLst/>
+            </a:pPr>
+            <a:r>
+              <a:rPr lang="it-IT" altLang="it-IT" b="0" i="1" cap="none" dirty="0">
+                <a:solidFill>
+                  <a:schemeClr val="bg1"/>
+                </a:solidFill>
+              </a:rPr>
+              <a:t>Codici-statistici-e-denominazioni-aggiornato-2023.xlsx </a:t>
+            </a:r>
+          </a:p>
+        </p:txBody>
+      </p:sp>
+      <p:pic>
+        <p:nvPicPr>
+          <p:cNvPr id="10" name="Immagine 9">
+            <a:extLst>
+              <a:ext uri="{FF2B5EF4-FFF2-40B4-BE49-F238E27FC236}">
+                <a16:creationId xmlns:a16="http://schemas.microsoft.com/office/drawing/2014/main" id="{3E85FA8E-E814-77BC-9CE5-C163DD2BC1B9}"/>
+              </a:ext>
+            </a:extLst>
+          </p:cNvPr>
+          <p:cNvPicPr>
+            <a:picLocks noChangeAspect="1"/>
+          </p:cNvPicPr>
+          <p:nvPr/>
+        </p:nvPicPr>
+        <p:blipFill>
+          <a:blip r:embed="rId3"/>
+          <a:stretch>
+            <a:fillRect/>
+          </a:stretch>
+        </p:blipFill>
+        <p:spPr>
+          <a:xfrm>
+            <a:off x="238094" y="2023033"/>
+            <a:ext cx="5450372" cy="2121281"/>
+          </a:xfrm>
+          <a:prstGeom prst="rect">
+            <a:avLst/>
+          </a:prstGeom>
+        </p:spPr>
+      </p:pic>
+      <p:pic>
+        <p:nvPicPr>
+          <p:cNvPr id="12" name="Immagine 11">
+            <a:extLst>
+              <a:ext uri="{FF2B5EF4-FFF2-40B4-BE49-F238E27FC236}">
+                <a16:creationId xmlns:a16="http://schemas.microsoft.com/office/drawing/2014/main" id="{8EEFC2BD-22BF-41FF-47AC-EEFEDB3B3DE3}"/>
+              </a:ext>
+            </a:extLst>
+          </p:cNvPr>
+          <p:cNvPicPr>
+            <a:picLocks noChangeAspect="1"/>
+          </p:cNvPicPr>
+          <p:nvPr/>
+        </p:nvPicPr>
+        <p:blipFill>
+          <a:blip r:embed="rId4"/>
+          <a:stretch>
+            <a:fillRect/>
+          </a:stretch>
+        </p:blipFill>
+        <p:spPr>
+          <a:xfrm>
+            <a:off x="5983171" y="1833984"/>
+            <a:ext cx="5970735" cy="2499377"/>
+          </a:xfrm>
+          <a:prstGeom prst="rect">
+            <a:avLst/>
+          </a:prstGeom>
+        </p:spPr>
+      </p:pic>
+      <p:sp>
+        <p:nvSpPr>
+          <p:cNvPr id="3" name="Pentagono 3">
+            <a:extLst>
+              <a:ext uri="{FF2B5EF4-FFF2-40B4-BE49-F238E27FC236}">
+                <a16:creationId xmlns:a16="http://schemas.microsoft.com/office/drawing/2014/main" id="{D14F9DB1-F983-0BC2-964E-1F2C9092969C}"/>
               </a:ext>
             </a:extLst>
           </p:cNvPr>
@@ -19710,7 +19599,7 @@
         <p:spPr>
           <a:xfrm>
             <a:off x="0" y="0"/>
-            <a:ext cx="5041900" cy="869525"/>
+            <a:ext cx="6096000" cy="869525"/>
           </a:xfrm>
           <a:prstGeom prst="homePlate">
             <a:avLst/>
@@ -19749,836 +19638,15 @@
             <a:pPr algn="ctr"/>
             <a:r>
               <a:rPr lang="it-IT" sz="2800" dirty="0"/>
-              <a:t>Grafici</a:t>
+              <a:t>Datasets</a:t>
             </a:r>
           </a:p>
         </p:txBody>
       </p:sp>
-      <p:sp>
-        <p:nvSpPr>
-          <p:cNvPr id="5" name="CasellaDiTesto 4">
-            <a:extLst>
-              <a:ext uri="{FF2B5EF4-FFF2-40B4-BE49-F238E27FC236}">
-                <a16:creationId xmlns:a16="http://schemas.microsoft.com/office/drawing/2014/main" id="{BB41901C-036E-F530-717B-39A03322390D}"/>
-              </a:ext>
-            </a:extLst>
-          </p:cNvPr>
-          <p:cNvSpPr txBox="1"/>
-          <p:nvPr/>
-        </p:nvSpPr>
-        <p:spPr>
-          <a:xfrm>
-            <a:off x="246362" y="203929"/>
-            <a:ext cx="354584" cy="461665"/>
-          </a:xfrm>
-          <a:prstGeom prst="rect">
-            <a:avLst/>
-          </a:prstGeom>
-          <a:noFill/>
-        </p:spPr>
-        <p:txBody>
-          <a:bodyPr wrap="none" rtlCol="0">
-            <a:spAutoFit/>
-          </a:bodyPr>
-          <a:lstStyle/>
-          <a:p>
-            <a:r>
-              <a:rPr lang="en-GB" sz="2400" dirty="0"/>
-              <a:t>7</a:t>
-            </a:r>
-            <a:endParaRPr lang="it-IT" sz="2400" dirty="0"/>
-          </a:p>
-        </p:txBody>
-      </p:sp>
-      <p:sp>
-        <p:nvSpPr>
-          <p:cNvPr id="12" name="CasellaDiTesto 11">
-            <a:extLst>
-              <a:ext uri="{FF2B5EF4-FFF2-40B4-BE49-F238E27FC236}">
-                <a16:creationId xmlns:a16="http://schemas.microsoft.com/office/drawing/2014/main" id="{9CBB5E43-2628-E1F7-D6E0-78B58B2915E9}"/>
-              </a:ext>
-            </a:extLst>
-          </p:cNvPr>
-          <p:cNvSpPr txBox="1"/>
-          <p:nvPr/>
-        </p:nvSpPr>
-        <p:spPr>
-          <a:xfrm>
-            <a:off x="5363111" y="203929"/>
-            <a:ext cx="10612486" cy="338554"/>
-          </a:xfrm>
-          <a:prstGeom prst="rect">
-            <a:avLst/>
-          </a:prstGeom>
-          <a:noFill/>
-        </p:spPr>
-        <p:txBody>
-          <a:bodyPr wrap="square">
-            <a:spAutoFit/>
-          </a:bodyPr>
-          <a:lstStyle/>
-          <a:p>
-            <a:r>
-              <a:rPr lang="it-IT" sz="1600" dirty="0">
-                <a:solidFill>
-                  <a:schemeClr val="bg1"/>
-                </a:solidFill>
-              </a:rPr>
-              <a:t>Impatto delle Features sulla Separazione dei Cluster</a:t>
-            </a:r>
-          </a:p>
-        </p:txBody>
-      </p:sp>
-      <p:pic>
-        <p:nvPicPr>
-          <p:cNvPr id="14" name="Immagine 13">
-            <a:hlinkClick r:id="rId2"/>
-            <a:extLst>
-              <a:ext uri="{FF2B5EF4-FFF2-40B4-BE49-F238E27FC236}">
-                <a16:creationId xmlns:a16="http://schemas.microsoft.com/office/drawing/2014/main" id="{F3AC5B1A-4D3E-FA26-F053-C5C017CEA3E1}"/>
-              </a:ext>
-            </a:extLst>
-          </p:cNvPr>
-          <p:cNvPicPr>
-            <a:picLocks noChangeAspect="1"/>
-          </p:cNvPicPr>
-          <p:nvPr/>
-        </p:nvPicPr>
-        <p:blipFill>
-          <a:blip r:embed="rId3"/>
-          <a:srcRect/>
-          <a:stretch/>
-        </p:blipFill>
-        <p:spPr>
-          <a:xfrm>
-            <a:off x="953611" y="1237354"/>
-            <a:ext cx="4734530" cy="3156353"/>
-          </a:xfrm>
-          <a:prstGeom prst="rect">
-            <a:avLst/>
-          </a:prstGeom>
-        </p:spPr>
-      </p:pic>
-      <p:pic>
-        <p:nvPicPr>
-          <p:cNvPr id="15" name="Immagine 14">
-            <a:hlinkClick r:id="rId4"/>
-            <a:extLst>
-              <a:ext uri="{FF2B5EF4-FFF2-40B4-BE49-F238E27FC236}">
-                <a16:creationId xmlns:a16="http://schemas.microsoft.com/office/drawing/2014/main" id="{5FEFB0E5-2788-00C8-0BDB-2029FB4196CF}"/>
-              </a:ext>
-            </a:extLst>
-          </p:cNvPr>
-          <p:cNvPicPr>
-            <a:picLocks noChangeAspect="1"/>
-          </p:cNvPicPr>
-          <p:nvPr/>
-        </p:nvPicPr>
-        <p:blipFill>
-          <a:blip r:embed="rId5"/>
-          <a:srcRect/>
-          <a:stretch/>
-        </p:blipFill>
-        <p:spPr>
-          <a:xfrm>
-            <a:off x="6813872" y="3341584"/>
-            <a:ext cx="4734530" cy="3156353"/>
-          </a:xfrm>
-          <a:prstGeom prst="rect">
-            <a:avLst/>
-          </a:prstGeom>
-        </p:spPr>
-      </p:pic>
-      <p:sp>
-        <p:nvSpPr>
-          <p:cNvPr id="3" name="CasellaDiTesto 2">
-            <a:extLst>
-              <a:ext uri="{FF2B5EF4-FFF2-40B4-BE49-F238E27FC236}">
-                <a16:creationId xmlns:a16="http://schemas.microsoft.com/office/drawing/2014/main" id="{CE0BDD56-0653-7AE2-BF3A-6A7520FD861C}"/>
-              </a:ext>
-            </a:extLst>
-          </p:cNvPr>
-          <p:cNvSpPr txBox="1"/>
-          <p:nvPr/>
-        </p:nvSpPr>
-        <p:spPr>
-          <a:xfrm>
-            <a:off x="523373" y="5088578"/>
-            <a:ext cx="5595005" cy="830997"/>
-          </a:xfrm>
-          <a:prstGeom prst="rect">
-            <a:avLst/>
-          </a:prstGeom>
-          <a:solidFill>
-            <a:schemeClr val="tx1"/>
-          </a:solidFill>
-          <a:ln w="28575">
-            <a:solidFill>
-              <a:srgbClr val="254A8E"/>
-            </a:solidFill>
-          </a:ln>
-        </p:spPr>
-        <p:txBody>
-          <a:bodyPr wrap="square" rtlCol="0">
-            <a:spAutoFit/>
-          </a:bodyPr>
-          <a:lstStyle/>
-          <a:p>
-            <a:r>
-              <a:rPr lang="it-IT" sz="1200" dirty="0">
-                <a:solidFill>
-                  <a:schemeClr val="bg1"/>
-                </a:solidFill>
-              </a:rPr>
-              <a:t>Gli </a:t>
-            </a:r>
-            <a:r>
-              <a:rPr lang="it-IT" sz="1200" b="1" dirty="0">
-                <a:solidFill>
-                  <a:schemeClr val="bg1"/>
-                </a:solidFill>
-              </a:rPr>
-              <a:t>infermieri</a:t>
-            </a:r>
-            <a:r>
-              <a:rPr lang="it-IT" sz="1200" dirty="0">
-                <a:solidFill>
-                  <a:schemeClr val="bg1"/>
-                </a:solidFill>
-              </a:rPr>
-              <a:t> e i </a:t>
-            </a:r>
-            <a:r>
-              <a:rPr lang="it-IT" sz="1200" b="1" dirty="0">
-                <a:solidFill>
-                  <a:schemeClr val="bg1"/>
-                </a:solidFill>
-              </a:rPr>
-              <a:t>fisioterapisti</a:t>
-            </a:r>
-            <a:r>
-              <a:rPr lang="it-IT" sz="1200" dirty="0">
-                <a:solidFill>
-                  <a:schemeClr val="bg1"/>
-                </a:solidFill>
-              </a:rPr>
-              <a:t> dominano nei cluster di </a:t>
-            </a:r>
-            <a:r>
-              <a:rPr lang="it-IT" sz="1200" b="1" dirty="0" err="1">
-                <a:solidFill>
-                  <a:schemeClr val="bg1"/>
-                </a:solidFill>
-              </a:rPr>
-              <a:t>low_increment</a:t>
-            </a:r>
-            <a:r>
-              <a:rPr lang="it-IT" sz="1200" dirty="0">
-                <a:solidFill>
-                  <a:schemeClr val="bg1"/>
-                </a:solidFill>
-              </a:rPr>
-              <a:t> e </a:t>
-            </a:r>
-            <a:r>
-              <a:rPr lang="it-IT" sz="1200" b="1" dirty="0" err="1">
-                <a:solidFill>
-                  <a:schemeClr val="bg1"/>
-                </a:solidFill>
-              </a:rPr>
-              <a:t>high_increment</a:t>
-            </a:r>
-            <a:r>
-              <a:rPr lang="it-IT" sz="1200" dirty="0">
-                <a:solidFill>
-                  <a:schemeClr val="bg1"/>
-                </a:solidFill>
-              </a:rPr>
-              <a:t>. I </a:t>
-            </a:r>
-            <a:r>
-              <a:rPr lang="it-IT" sz="1200" b="1" dirty="0">
-                <a:solidFill>
-                  <a:schemeClr val="bg1"/>
-                </a:solidFill>
-              </a:rPr>
-              <a:t>logopedisti</a:t>
-            </a:r>
-            <a:r>
-              <a:rPr lang="it-IT" sz="1200" dirty="0">
-                <a:solidFill>
-                  <a:schemeClr val="bg1"/>
-                </a:solidFill>
-              </a:rPr>
-              <a:t> e gli </a:t>
-            </a:r>
-            <a:r>
-              <a:rPr lang="it-IT" sz="1200" b="1" dirty="0">
-                <a:solidFill>
-                  <a:schemeClr val="bg1"/>
-                </a:solidFill>
-              </a:rPr>
-              <a:t>educatori professionali</a:t>
-            </a:r>
-            <a:r>
-              <a:rPr lang="it-IT" sz="1200" dirty="0">
-                <a:solidFill>
-                  <a:schemeClr val="bg1"/>
-                </a:solidFill>
-              </a:rPr>
-              <a:t> sono maggiormente presenti nei decrementi e nei medium </a:t>
-            </a:r>
-            <a:r>
-              <a:rPr lang="it-IT" sz="1200" dirty="0" err="1">
-                <a:solidFill>
-                  <a:schemeClr val="bg1"/>
-                </a:solidFill>
-              </a:rPr>
-              <a:t>increment</a:t>
-            </a:r>
-            <a:r>
-              <a:rPr lang="it-IT" sz="1200" dirty="0">
-                <a:solidFill>
-                  <a:schemeClr val="bg1"/>
-                </a:solidFill>
-              </a:rPr>
-              <a:t>.</a:t>
-            </a:r>
-          </a:p>
-        </p:txBody>
-      </p:sp>
-      <p:sp>
-        <p:nvSpPr>
-          <p:cNvPr id="4" name="CasellaDiTesto 3">
-            <a:extLst>
-              <a:ext uri="{FF2B5EF4-FFF2-40B4-BE49-F238E27FC236}">
-                <a16:creationId xmlns:a16="http://schemas.microsoft.com/office/drawing/2014/main" id="{F9BECD2F-FB5F-4DCC-9113-4BD7B1C24F9D}"/>
-              </a:ext>
-            </a:extLst>
-          </p:cNvPr>
-          <p:cNvSpPr txBox="1"/>
-          <p:nvPr/>
-        </p:nvSpPr>
-        <p:spPr>
-          <a:xfrm>
-            <a:off x="6383635" y="1815026"/>
-            <a:ext cx="5564525" cy="646331"/>
-          </a:xfrm>
-          <a:prstGeom prst="rect">
-            <a:avLst/>
-          </a:prstGeom>
-          <a:solidFill>
-            <a:schemeClr val="tx1"/>
-          </a:solidFill>
-          <a:ln w="28575">
-            <a:solidFill>
-              <a:srgbClr val="254A8E"/>
-            </a:solidFill>
-          </a:ln>
-        </p:spPr>
-        <p:txBody>
-          <a:bodyPr wrap="square" rtlCol="0">
-            <a:spAutoFit/>
-          </a:bodyPr>
-          <a:lstStyle/>
-          <a:p>
-            <a:r>
-              <a:rPr lang="it-IT" sz="1200" dirty="0">
-                <a:solidFill>
-                  <a:schemeClr val="bg1"/>
-                </a:solidFill>
-              </a:rPr>
-              <a:t>Le strutture </a:t>
-            </a:r>
-            <a:r>
-              <a:rPr lang="it-IT" sz="1200" b="1" dirty="0">
-                <a:solidFill>
-                  <a:schemeClr val="bg1"/>
-                </a:solidFill>
-              </a:rPr>
-              <a:t>ospedaliere</a:t>
-            </a:r>
-            <a:r>
-              <a:rPr lang="it-IT" sz="1200" dirty="0">
-                <a:solidFill>
-                  <a:schemeClr val="bg1"/>
-                </a:solidFill>
-              </a:rPr>
-              <a:t> e </a:t>
-            </a:r>
-            <a:r>
-              <a:rPr lang="it-IT" sz="1200" b="1" dirty="0">
-                <a:solidFill>
-                  <a:schemeClr val="bg1"/>
-                </a:solidFill>
-              </a:rPr>
-              <a:t>IRCCS</a:t>
-            </a:r>
-            <a:r>
-              <a:rPr lang="it-IT" sz="1200" dirty="0">
-                <a:solidFill>
-                  <a:schemeClr val="bg1"/>
-                </a:solidFill>
-              </a:rPr>
-              <a:t> hanno una forte presenza nei cluster di </a:t>
-            </a:r>
-            <a:r>
-              <a:rPr lang="it-IT" sz="1200" b="1" dirty="0" err="1">
-                <a:solidFill>
-                  <a:schemeClr val="bg1"/>
-                </a:solidFill>
-              </a:rPr>
-              <a:t>high_increment</a:t>
-            </a:r>
-            <a:r>
-              <a:rPr lang="it-IT" sz="1200" dirty="0">
-                <a:solidFill>
-                  <a:schemeClr val="bg1"/>
-                </a:solidFill>
-              </a:rPr>
-              <a:t> e </a:t>
-            </a:r>
-            <a:r>
-              <a:rPr lang="it-IT" sz="1200" b="1" dirty="0" err="1">
-                <a:solidFill>
-                  <a:schemeClr val="bg1"/>
-                </a:solidFill>
-              </a:rPr>
-              <a:t>low_increment</a:t>
-            </a:r>
-            <a:r>
-              <a:rPr lang="it-IT" sz="1200" dirty="0">
-                <a:solidFill>
-                  <a:schemeClr val="bg1"/>
-                </a:solidFill>
-              </a:rPr>
-              <a:t>, mentre i </a:t>
-            </a:r>
-            <a:r>
-              <a:rPr lang="it-IT" sz="1200" b="1" dirty="0">
-                <a:solidFill>
-                  <a:schemeClr val="bg1"/>
-                </a:solidFill>
-              </a:rPr>
-              <a:t>Policlinici universitari</a:t>
-            </a:r>
-            <a:r>
-              <a:rPr lang="it-IT" sz="1200" dirty="0">
-                <a:solidFill>
-                  <a:schemeClr val="bg1"/>
-                </a:solidFill>
-              </a:rPr>
-              <a:t> hanno una presenza minore.</a:t>
-            </a:r>
-          </a:p>
-        </p:txBody>
-      </p:sp>
-      <p:cxnSp>
-        <p:nvCxnSpPr>
-          <p:cNvPr id="6" name="Connettore diritto 5">
-            <a:extLst>
-              <a:ext uri="{FF2B5EF4-FFF2-40B4-BE49-F238E27FC236}">
-                <a16:creationId xmlns:a16="http://schemas.microsoft.com/office/drawing/2014/main" id="{55DD20A2-30B8-95D1-6249-37E4C166764F}"/>
-              </a:ext>
-            </a:extLst>
-          </p:cNvPr>
-          <p:cNvCxnSpPr>
-            <a:cxnSpLocks/>
-            <a:stCxn id="3" idx="0"/>
-            <a:endCxn id="14" idx="2"/>
-          </p:cNvCxnSpPr>
-          <p:nvPr/>
-        </p:nvCxnSpPr>
-        <p:spPr>
-          <a:xfrm flipV="1">
-            <a:off x="3320876" y="4393707"/>
-            <a:ext cx="0" cy="694871"/>
-          </a:xfrm>
-          <a:prstGeom prst="line">
-            <a:avLst/>
-          </a:prstGeom>
-          <a:ln w="28575" cap="flat" cmpd="sng" algn="ctr">
-            <a:solidFill>
-              <a:srgbClr val="254A8E"/>
-            </a:solidFill>
-            <a:prstDash val="dash"/>
-            <a:round/>
-            <a:headEnd type="none" w="med" len="med"/>
-            <a:tailEnd type="arrow" w="med" len="med"/>
-          </a:ln>
-        </p:spPr>
-        <p:style>
-          <a:lnRef idx="0">
-            <a:scrgbClr r="0" g="0" b="0"/>
-          </a:lnRef>
-          <a:fillRef idx="0">
-            <a:scrgbClr r="0" g="0" b="0"/>
-          </a:fillRef>
-          <a:effectRef idx="0">
-            <a:scrgbClr r="0" g="0" b="0"/>
-          </a:effectRef>
-          <a:fontRef idx="minor">
-            <a:schemeClr val="tx1"/>
-          </a:fontRef>
-        </p:style>
-      </p:cxnSp>
-      <p:cxnSp>
-        <p:nvCxnSpPr>
-          <p:cNvPr id="9" name="Connettore diritto 8">
-            <a:extLst>
-              <a:ext uri="{FF2B5EF4-FFF2-40B4-BE49-F238E27FC236}">
-                <a16:creationId xmlns:a16="http://schemas.microsoft.com/office/drawing/2014/main" id="{8685D503-D181-BC93-4ABE-95086F58A651}"/>
-              </a:ext>
-            </a:extLst>
-          </p:cNvPr>
-          <p:cNvCxnSpPr>
-            <a:cxnSpLocks/>
-            <a:stCxn id="4" idx="2"/>
-            <a:endCxn id="15" idx="0"/>
-          </p:cNvCxnSpPr>
-          <p:nvPr/>
-        </p:nvCxnSpPr>
-        <p:spPr>
-          <a:xfrm>
-            <a:off x="9165898" y="2461357"/>
-            <a:ext cx="15239" cy="880227"/>
-          </a:xfrm>
-          <a:prstGeom prst="line">
-            <a:avLst/>
-          </a:prstGeom>
-          <a:ln w="28575" cap="flat" cmpd="sng" algn="ctr">
-            <a:solidFill>
-              <a:srgbClr val="254A8E"/>
-            </a:solidFill>
-            <a:prstDash val="dash"/>
-            <a:round/>
-            <a:headEnd type="none" w="med" len="med"/>
-            <a:tailEnd type="arrow" w="med" len="med"/>
-          </a:ln>
-        </p:spPr>
-        <p:style>
-          <a:lnRef idx="0">
-            <a:scrgbClr r="0" g="0" b="0"/>
-          </a:lnRef>
-          <a:fillRef idx="0">
-            <a:scrgbClr r="0" g="0" b="0"/>
-          </a:fillRef>
-          <a:effectRef idx="0">
-            <a:scrgbClr r="0" g="0" b="0"/>
-          </a:effectRef>
-          <a:fontRef idx="minor">
-            <a:schemeClr val="tx1"/>
-          </a:fontRef>
-        </p:style>
-      </p:cxnSp>
     </p:spTree>
     <p:extLst>
       <p:ext uri="{BB962C8B-B14F-4D97-AF65-F5344CB8AC3E}">
-        <p14:creationId xmlns:p14="http://schemas.microsoft.com/office/powerpoint/2010/main" val="3444321023"/>
-      </p:ext>
-    </p:extLst>
-  </p:cSld>
-  <p:clrMapOvr>
-    <a:masterClrMapping/>
-  </p:clrMapOvr>
-</p:sld>
-</file>
-
-<file path=ppt/slides/slide19.xml><?xml version="1.0" encoding="utf-8"?>
-<p:sld xmlns:a="http://schemas.openxmlformats.org/drawingml/2006/main" xmlns:r="http://schemas.openxmlformats.org/officeDocument/2006/relationships" xmlns:p="http://schemas.openxmlformats.org/presentationml/2006/main">
-  <p:cSld>
-    <p:spTree>
-      <p:nvGrpSpPr>
-        <p:cNvPr id="1" name=""/>
-        <p:cNvGrpSpPr/>
-        <p:nvPr/>
-      </p:nvGrpSpPr>
-      <p:grpSpPr>
-        <a:xfrm>
-          <a:off x="0" y="0"/>
-          <a:ext cx="0" cy="0"/>
-          <a:chOff x="0" y="0"/>
-          <a:chExt cx="0" cy="0"/>
-        </a:xfrm>
-      </p:grpSpPr>
-      <p:pic>
-        <p:nvPicPr>
-          <p:cNvPr id="8" name="Immagine 7">
-            <a:extLst>
-              <a:ext uri="{FF2B5EF4-FFF2-40B4-BE49-F238E27FC236}">
-                <a16:creationId xmlns:a16="http://schemas.microsoft.com/office/drawing/2014/main" id="{832106B4-7043-32DF-A005-C2C7839B2F94}"/>
-              </a:ext>
-            </a:extLst>
-          </p:cNvPr>
-          <p:cNvPicPr>
-            <a:picLocks noChangeAspect="1"/>
-          </p:cNvPicPr>
-          <p:nvPr/>
-        </p:nvPicPr>
-        <p:blipFill>
-          <a:blip r:embed="rId2">
-            <a:extLst>
-              <a:ext uri="{28A0092B-C50C-407E-A947-70E740481C1C}">
-                <a14:useLocalDpi xmlns:a14="http://schemas.microsoft.com/office/drawing/2010/main" val="0"/>
-              </a:ext>
-            </a:extLst>
-          </a:blip>
-          <a:stretch>
-            <a:fillRect/>
-          </a:stretch>
-        </p:blipFill>
-        <p:spPr>
-          <a:xfrm>
-            <a:off x="0" y="0"/>
-            <a:ext cx="12192000" cy="6858000"/>
-          </a:xfrm>
-          <a:prstGeom prst="rect">
-            <a:avLst/>
-          </a:prstGeom>
-        </p:spPr>
-      </p:pic>
-      <p:sp>
-        <p:nvSpPr>
-          <p:cNvPr id="2" name="Rettangolo 1">
-            <a:extLst>
-              <a:ext uri="{FF2B5EF4-FFF2-40B4-BE49-F238E27FC236}">
-                <a16:creationId xmlns:a16="http://schemas.microsoft.com/office/drawing/2014/main" id="{F8449010-1902-53D3-DE00-C64FD2EB7CC6}"/>
-              </a:ext>
-            </a:extLst>
-          </p:cNvPr>
-          <p:cNvSpPr/>
-          <p:nvPr/>
-        </p:nvSpPr>
-        <p:spPr>
-          <a:xfrm>
-            <a:off x="4407108" y="974361"/>
-            <a:ext cx="3267856" cy="1963711"/>
-          </a:xfrm>
-          <a:prstGeom prst="rect">
-            <a:avLst/>
-          </a:prstGeom>
-          <a:solidFill>
-            <a:srgbClr val="324A76"/>
-          </a:solidFill>
-          <a:ln>
-            <a:solidFill>
-              <a:srgbClr val="324A76"/>
-            </a:solidFill>
-          </a:ln>
-        </p:spPr>
-        <p:style>
-          <a:lnRef idx="2">
-            <a:schemeClr val="accent1">
-              <a:shade val="15000"/>
-            </a:schemeClr>
-          </a:lnRef>
-          <a:fillRef idx="1">
-            <a:schemeClr val="accent1"/>
-          </a:fillRef>
-          <a:effectRef idx="0">
-            <a:schemeClr val="accent1"/>
-          </a:effectRef>
-          <a:fontRef idx="minor">
-            <a:schemeClr val="lt1"/>
-          </a:fontRef>
-        </p:style>
-        <p:txBody>
-          <a:bodyPr rtlCol="0" anchor="ctr"/>
-          <a:lstStyle/>
-          <a:p>
-            <a:pPr algn="ctr"/>
-            <a:endParaRPr lang="it-IT"/>
-          </a:p>
-        </p:txBody>
-      </p:sp>
-      <p:sp>
-        <p:nvSpPr>
-          <p:cNvPr id="3" name="Rettangolo 2">
-            <a:extLst>
-              <a:ext uri="{FF2B5EF4-FFF2-40B4-BE49-F238E27FC236}">
-                <a16:creationId xmlns:a16="http://schemas.microsoft.com/office/drawing/2014/main" id="{4F932798-F3EF-0D07-21AB-2DAC0501AB12}"/>
-              </a:ext>
-            </a:extLst>
-          </p:cNvPr>
-          <p:cNvSpPr/>
-          <p:nvPr/>
-        </p:nvSpPr>
-        <p:spPr>
-          <a:xfrm>
-            <a:off x="3360294" y="4484558"/>
-            <a:ext cx="5753725" cy="1399081"/>
-          </a:xfrm>
-          <a:prstGeom prst="rect">
-            <a:avLst/>
-          </a:prstGeom>
-          <a:solidFill>
-            <a:srgbClr val="324A76"/>
-          </a:solidFill>
-          <a:ln>
-            <a:solidFill>
-              <a:srgbClr val="324A76"/>
-            </a:solidFill>
-          </a:ln>
-        </p:spPr>
-        <p:style>
-          <a:lnRef idx="2">
-            <a:schemeClr val="accent1">
-              <a:shade val="15000"/>
-            </a:schemeClr>
-          </a:lnRef>
-          <a:fillRef idx="1">
-            <a:schemeClr val="accent1"/>
-          </a:fillRef>
-          <a:effectRef idx="0">
-            <a:schemeClr val="accent1"/>
-          </a:effectRef>
-          <a:fontRef idx="minor">
-            <a:schemeClr val="lt1"/>
-          </a:fontRef>
-        </p:style>
-        <p:txBody>
-          <a:bodyPr rtlCol="0" anchor="ctr"/>
-          <a:lstStyle/>
-          <a:p>
-            <a:pPr algn="ctr"/>
-            <a:endParaRPr lang="it-IT"/>
-          </a:p>
-        </p:txBody>
-      </p:sp>
-      <p:sp>
-        <p:nvSpPr>
-          <p:cNvPr id="4" name="CasellaDiTesto 3">
-            <a:extLst>
-              <a:ext uri="{FF2B5EF4-FFF2-40B4-BE49-F238E27FC236}">
-                <a16:creationId xmlns:a16="http://schemas.microsoft.com/office/drawing/2014/main" id="{38A3FA4E-6AB2-B0E3-5221-8B01AA8D68CD}"/>
-              </a:ext>
-            </a:extLst>
-          </p:cNvPr>
-          <p:cNvSpPr txBox="1"/>
-          <p:nvPr/>
-        </p:nvSpPr>
-        <p:spPr>
-          <a:xfrm>
-            <a:off x="4407108" y="4522378"/>
-            <a:ext cx="3711272" cy="1323439"/>
-          </a:xfrm>
-          <a:prstGeom prst="rect">
-            <a:avLst/>
-          </a:prstGeom>
-          <a:noFill/>
-        </p:spPr>
-        <p:txBody>
-          <a:bodyPr wrap="none" rtlCol="0">
-            <a:spAutoFit/>
-          </a:bodyPr>
-          <a:lstStyle/>
-          <a:p>
-            <a:pPr algn="ctr" defTabSz="457200">
-              <a:defRPr/>
-            </a:pPr>
-            <a:r>
-              <a:rPr lang="it-IT" sz="2000" i="1" dirty="0"/>
-              <a:t>Alessia Rossi</a:t>
-            </a:r>
-            <a:endParaRPr kumimoji="0" lang="it-IT" sz="2000" b="0" i="1" u="none" strike="noStrike" kern="1200" cap="none" spc="0" normalizeH="0" baseline="0" noProof="0" dirty="0">
-              <a:ln>
-                <a:noFill/>
-              </a:ln>
-              <a:effectLst/>
-              <a:uLnTx/>
-              <a:uFillTx/>
-              <a:ea typeface="+mn-ea"/>
-              <a:cs typeface="+mn-cs"/>
-            </a:endParaRPr>
-          </a:p>
-          <a:p>
-            <a:pPr marL="0" marR="0" lvl="0" indent="0" algn="ctr" defTabSz="457200" rtl="0" eaLnBrk="1" fontAlgn="auto" latinLnBrk="0" hangingPunct="1">
-              <a:lnSpc>
-                <a:spcPct val="100000"/>
-              </a:lnSpc>
-              <a:spcBef>
-                <a:spcPts val="0"/>
-              </a:spcBef>
-              <a:spcAft>
-                <a:spcPts val="0"/>
-              </a:spcAft>
-              <a:buClrTx/>
-              <a:buSzTx/>
-              <a:buFontTx/>
-              <a:buNone/>
-              <a:tabLst/>
-              <a:defRPr/>
-            </a:pPr>
-            <a:r>
-              <a:rPr kumimoji="0" lang="it-IT" sz="2000" b="0" i="1" u="none" strike="noStrike" kern="1200" cap="none" spc="0" normalizeH="0" baseline="0" noProof="0" dirty="0">
-                <a:ln>
-                  <a:noFill/>
-                </a:ln>
-                <a:effectLst/>
-                <a:uLnTx/>
-                <a:uFillTx/>
-                <a:ea typeface="+mn-ea"/>
-                <a:cs typeface="+mn-cs"/>
-              </a:rPr>
-              <a:t>Fabio Di Gregorio</a:t>
-            </a:r>
-          </a:p>
-          <a:p>
-            <a:pPr algn="ctr"/>
-            <a:r>
-              <a:rPr lang="it-IT" sz="2000" i="1" dirty="0"/>
-              <a:t>Ignazio Emanuele Piccichè</a:t>
-            </a:r>
-          </a:p>
-          <a:p>
-            <a:pPr algn="ctr"/>
-            <a:r>
-              <a:rPr lang="it-IT" sz="2000" i="1" dirty="0"/>
-              <a:t>Martina Bertazzoni</a:t>
-            </a:r>
-          </a:p>
-        </p:txBody>
-      </p:sp>
-      <p:pic>
-        <p:nvPicPr>
-          <p:cNvPr id="6" name="Elemento grafico 5" descr="Cura contorno">
-            <a:extLst>
-              <a:ext uri="{FF2B5EF4-FFF2-40B4-BE49-F238E27FC236}">
-                <a16:creationId xmlns:a16="http://schemas.microsoft.com/office/drawing/2014/main" id="{A8C0D3E1-F936-6F5B-77BA-D6AF7BD3B715}"/>
-              </a:ext>
-            </a:extLst>
-          </p:cNvPr>
-          <p:cNvPicPr>
-            <a:picLocks noChangeAspect="1"/>
-          </p:cNvPicPr>
-          <p:nvPr/>
-        </p:nvPicPr>
-        <p:blipFill>
-          <a:blip r:embed="rId3">
-            <a:extLst>
-              <a:ext uri="{96DAC541-7B7A-43D3-8B79-37D633B846F1}">
-                <asvg:svgBlip xmlns:asvg="http://schemas.microsoft.com/office/drawing/2016/SVG/main" r:embed="rId4"/>
-              </a:ext>
-            </a:extLst>
-          </a:blip>
-          <a:stretch>
-            <a:fillRect/>
-          </a:stretch>
-        </p:blipFill>
-        <p:spPr>
-          <a:xfrm>
-            <a:off x="5197839" y="1058055"/>
-            <a:ext cx="1796321" cy="1796321"/>
-          </a:xfrm>
-          <a:prstGeom prst="rect">
-            <a:avLst/>
-          </a:prstGeom>
-        </p:spPr>
-      </p:pic>
-    </p:spTree>
-    <p:extLst>
-      <p:ext uri="{BB962C8B-B14F-4D97-AF65-F5344CB8AC3E}">
-        <p14:creationId xmlns:p14="http://schemas.microsoft.com/office/powerpoint/2010/main" val="1479114942"/>
+        <p14:creationId xmlns:p14="http://schemas.microsoft.com/office/powerpoint/2010/main" val="867228327"/>
       </p:ext>
     </p:extLst>
   </p:cSld>
@@ -21108,398 +20176,10 @@
       </p:grpSpPr>
       <p:sp>
         <p:nvSpPr>
-          <p:cNvPr id="9" name="Rettangolo con angoli arrotondati 8">
+          <p:cNvPr id="2" name="Pentagono 3">
             <a:extLst>
               <a:ext uri="{FF2B5EF4-FFF2-40B4-BE49-F238E27FC236}">
-                <a16:creationId xmlns:a16="http://schemas.microsoft.com/office/drawing/2014/main" id="{CE3688EF-696D-DF40-AB25-66FDCA1C1AAC}"/>
-              </a:ext>
-            </a:extLst>
-          </p:cNvPr>
-          <p:cNvSpPr/>
-          <p:nvPr/>
-        </p:nvSpPr>
-        <p:spPr>
-          <a:xfrm>
-            <a:off x="708828" y="4758835"/>
-            <a:ext cx="9048783" cy="413235"/>
-          </a:xfrm>
-          <a:prstGeom prst="roundRect">
-            <a:avLst/>
-          </a:prstGeom>
-          <a:solidFill>
-            <a:schemeClr val="tx1">
-              <a:lumMod val="75000"/>
-              <a:alpha val="60000"/>
-            </a:schemeClr>
-          </a:solidFill>
-          <a:ln>
-            <a:solidFill>
-              <a:schemeClr val="tx1">
-                <a:lumMod val="75000"/>
-              </a:schemeClr>
-            </a:solidFill>
-          </a:ln>
-        </p:spPr>
-        <p:style>
-          <a:lnRef idx="2">
-            <a:schemeClr val="accent1">
-              <a:shade val="15000"/>
-            </a:schemeClr>
-          </a:lnRef>
-          <a:fillRef idx="1">
-            <a:schemeClr val="accent1"/>
-          </a:fillRef>
-          <a:effectRef idx="0">
-            <a:schemeClr val="accent1"/>
-          </a:effectRef>
-          <a:fontRef idx="minor">
-            <a:schemeClr val="lt1"/>
-          </a:fontRef>
-        </p:style>
-        <p:txBody>
-          <a:bodyPr rtlCol="0" anchor="ctr"/>
-          <a:lstStyle/>
-          <a:p>
-            <a:pPr algn="ctr"/>
-            <a:endParaRPr lang="it-IT"/>
-          </a:p>
-        </p:txBody>
-      </p:sp>
-      <p:sp>
-        <p:nvSpPr>
-          <p:cNvPr id="4" name="Rettangolo con angoli arrotondati 3">
-            <a:extLst>
-              <a:ext uri="{FF2B5EF4-FFF2-40B4-BE49-F238E27FC236}">
-                <a16:creationId xmlns:a16="http://schemas.microsoft.com/office/drawing/2014/main" id="{F5CEC5A1-C331-8DDA-5169-823701825D79}"/>
-              </a:ext>
-            </a:extLst>
-          </p:cNvPr>
-          <p:cNvSpPr/>
-          <p:nvPr/>
-        </p:nvSpPr>
-        <p:spPr>
-          <a:xfrm>
-            <a:off x="733926" y="1070811"/>
-            <a:ext cx="6545179" cy="413235"/>
-          </a:xfrm>
-          <a:prstGeom prst="roundRect">
-            <a:avLst/>
-          </a:prstGeom>
-          <a:solidFill>
-            <a:schemeClr val="tx1">
-              <a:lumMod val="75000"/>
-              <a:alpha val="60000"/>
-            </a:schemeClr>
-          </a:solidFill>
-          <a:ln>
-            <a:solidFill>
-              <a:schemeClr val="tx1">
-                <a:lumMod val="75000"/>
-              </a:schemeClr>
-            </a:solidFill>
-          </a:ln>
-        </p:spPr>
-        <p:style>
-          <a:lnRef idx="2">
-            <a:schemeClr val="accent1">
-              <a:shade val="15000"/>
-            </a:schemeClr>
-          </a:lnRef>
-          <a:fillRef idx="1">
-            <a:schemeClr val="accent1"/>
-          </a:fillRef>
-          <a:effectRef idx="0">
-            <a:schemeClr val="accent1"/>
-          </a:effectRef>
-          <a:fontRef idx="minor">
-            <a:schemeClr val="lt1"/>
-          </a:fontRef>
-        </p:style>
-        <p:txBody>
-          <a:bodyPr rtlCol="0" anchor="ctr"/>
-          <a:lstStyle/>
-          <a:p>
-            <a:pPr algn="ctr"/>
-            <a:endParaRPr lang="it-IT"/>
-          </a:p>
-        </p:txBody>
-      </p:sp>
-      <p:sp>
-        <p:nvSpPr>
-          <p:cNvPr id="6" name="Segnaposto contenuto 5">
-            <a:extLst>
-              <a:ext uri="{FF2B5EF4-FFF2-40B4-BE49-F238E27FC236}">
-                <a16:creationId xmlns:a16="http://schemas.microsoft.com/office/drawing/2014/main" id="{60992ACA-F591-72D8-B124-496FA7AB97E2}"/>
-              </a:ext>
-            </a:extLst>
-          </p:cNvPr>
-          <p:cNvSpPr>
-            <a:spLocks noGrp="1"/>
-          </p:cNvSpPr>
-          <p:nvPr>
-            <p:ph sz="quarter" idx="4"/>
-          </p:nvPr>
-        </p:nvSpPr>
-        <p:spPr>
-          <a:xfrm>
-            <a:off x="708829" y="5486869"/>
-            <a:ext cx="11173051" cy="1144754"/>
-          </a:xfrm>
-        </p:spPr>
-        <p:txBody>
-          <a:bodyPr>
-            <a:normAutofit fontScale="85000" lnSpcReduction="10000"/>
-          </a:bodyPr>
-          <a:lstStyle/>
-          <a:p>
-            <a:pPr marL="0" indent="0">
-              <a:buNone/>
-            </a:pPr>
-            <a:r>
-              <a:rPr lang="it-IT" sz="1900" dirty="0">
-                <a:solidFill>
-                  <a:schemeClr val="bg1"/>
-                </a:solidFill>
-              </a:rPr>
-              <a:t>Questo dataset contiene informazioni ISTAT, che includono codici statistici e denominazioni aggiornati dei comuni italiani. Viene utilizzato in combinazione con il primo dataset per completare i dati mancanti sul comune di residenza durante la fase di data cleaning</a:t>
-            </a:r>
-            <a:r>
-              <a:rPr lang="it-IT" sz="1800" dirty="0">
-                <a:solidFill>
-                  <a:schemeClr val="bg1"/>
-                </a:solidFill>
-              </a:rPr>
-              <a:t>.</a:t>
-            </a:r>
-          </a:p>
-        </p:txBody>
-      </p:sp>
-      <p:sp>
-        <p:nvSpPr>
-          <p:cNvPr id="7" name="Rectangle 1">
-            <a:extLst>
-              <a:ext uri="{FF2B5EF4-FFF2-40B4-BE49-F238E27FC236}">
-                <a16:creationId xmlns:a16="http://schemas.microsoft.com/office/drawing/2014/main" id="{23F6D46D-D013-8306-CF38-94797116D07A}"/>
-              </a:ext>
-            </a:extLst>
-          </p:cNvPr>
-          <p:cNvSpPr>
-            <a:spLocks noGrp="1" noChangeArrowheads="1"/>
-          </p:cNvSpPr>
-          <p:nvPr>
-            <p:ph type="body" idx="1"/>
-          </p:nvPr>
-        </p:nvSpPr>
-        <p:spPr bwMode="auto">
-          <a:xfrm>
-            <a:off x="442630" y="1100494"/>
-            <a:ext cx="7077579" cy="369332"/>
-          </a:xfrm>
-          <a:prstGeom prst="rect">
-            <a:avLst/>
-          </a:prstGeom>
-          <a:noFill/>
-          <a:ln>
-            <a:noFill/>
-          </a:ln>
-          <a:effectLst/>
-          <a:extLst>
-            <a:ext uri="{909E8E84-426E-40DD-AFC4-6F175D3DCCD1}">
-              <a14:hiddenFill xmlns:a14="http://schemas.microsoft.com/office/drawing/2010/main">
-                <a:solidFill>
-                  <a:schemeClr val="accent1"/>
-                </a:solidFill>
-              </a14:hiddenFill>
-            </a:ext>
-            <a:ext uri="{91240B29-F687-4F45-9708-019B960494DF}">
-              <a14:hiddenLine xmlns:a14="http://schemas.microsoft.com/office/drawing/2010/main" w="9525">
-                <a:solidFill>
-                  <a:schemeClr val="tx1"/>
-                </a:solidFill>
-                <a:miter lim="800000"/>
-                <a:headEnd/>
-                <a:tailEnd/>
-              </a14:hiddenLine>
-            </a:ext>
-            <a:ext uri="{AF507438-7753-43E0-B8FC-AC1667EBCBE1}">
-              <a14:hiddenEffects xmlns:a14="http://schemas.microsoft.com/office/drawing/2010/main">
-                <a:effectLst>
-                  <a:outerShdw dist="35921" dir="2700000" algn="ctr" rotWithShape="0">
-                    <a:schemeClr val="bg2"/>
-                  </a:outerShdw>
-                </a:effectLst>
-              </a14:hiddenEffects>
-            </a:ext>
-          </a:extLst>
-        </p:spPr>
-        <p:txBody>
-          <a:bodyPr vert="horz" wrap="none" lIns="91440" tIns="45720" rIns="91440" bIns="45720" numCol="1" anchor="ctr" anchorCtr="0" compatLnSpc="1">
-            <a:prstTxWarp prst="textNoShape">
-              <a:avLst/>
-            </a:prstTxWarp>
-            <a:spAutoFit/>
-          </a:bodyPr>
-          <a:lstStyle/>
-          <a:p>
-            <a:pPr marL="285750" marR="0" lvl="0" indent="-285750" algn="l" defTabSz="914400" rtl="0" eaLnBrk="0" fontAlgn="base" latinLnBrk="0" hangingPunct="0">
-              <a:lnSpc>
-                <a:spcPct val="100000"/>
-              </a:lnSpc>
-              <a:spcBef>
-                <a:spcPct val="0"/>
-              </a:spcBef>
-              <a:spcAft>
-                <a:spcPct val="0"/>
-              </a:spcAft>
-              <a:buClrTx/>
-              <a:buSzTx/>
-              <a:buFont typeface="Arial" panose="020B0604020202020204" pitchFamily="34" charset="0"/>
-              <a:buChar char="•"/>
-              <a:tabLst/>
-            </a:pPr>
-            <a:r>
-              <a:rPr lang="it-IT" altLang="it-IT" b="0" i="1" cap="none" dirty="0">
-                <a:solidFill>
-                  <a:schemeClr val="bg1"/>
-                </a:solidFill>
-              </a:rPr>
-              <a:t>challenge_campus_biomedico_2023.parquet </a:t>
-            </a:r>
-          </a:p>
-        </p:txBody>
-      </p:sp>
-      <p:sp>
-        <p:nvSpPr>
-          <p:cNvPr id="8" name="Rectangle 2">
-            <a:extLst>
-              <a:ext uri="{FF2B5EF4-FFF2-40B4-BE49-F238E27FC236}">
-                <a16:creationId xmlns:a16="http://schemas.microsoft.com/office/drawing/2014/main" id="{9FF223D4-5667-9B6F-20FA-1B6EBA473E46}"/>
-              </a:ext>
-            </a:extLst>
-          </p:cNvPr>
-          <p:cNvSpPr>
-            <a:spLocks noGrp="1" noChangeArrowheads="1"/>
-          </p:cNvSpPr>
-          <p:nvPr>
-            <p:ph type="body" sz="quarter" idx="3"/>
-          </p:nvPr>
-        </p:nvSpPr>
-        <p:spPr bwMode="auto">
-          <a:xfrm>
-            <a:off x="442630" y="4789368"/>
-            <a:ext cx="9554219" cy="369332"/>
-          </a:xfrm>
-          <a:prstGeom prst="rect">
-            <a:avLst/>
-          </a:prstGeom>
-          <a:noFill/>
-          <a:ln>
-            <a:noFill/>
-          </a:ln>
-          <a:effectLst/>
-        </p:spPr>
-        <p:txBody>
-          <a:bodyPr vert="horz" wrap="none" lIns="91440" tIns="45720" rIns="91440" bIns="45720" numCol="1" anchor="ctr" anchorCtr="0" compatLnSpc="1">
-            <a:prstTxWarp prst="textNoShape">
-              <a:avLst/>
-            </a:prstTxWarp>
-            <a:spAutoFit/>
-          </a:bodyPr>
-          <a:lstStyle/>
-          <a:p>
-            <a:pPr marL="285750" marR="0" lvl="0" indent="-285750" algn="l" defTabSz="914400" rtl="0" eaLnBrk="0" fontAlgn="base" latinLnBrk="0" hangingPunct="0">
-              <a:lnSpc>
-                <a:spcPct val="100000"/>
-              </a:lnSpc>
-              <a:spcBef>
-                <a:spcPct val="0"/>
-              </a:spcBef>
-              <a:spcAft>
-                <a:spcPct val="0"/>
-              </a:spcAft>
-              <a:buClrTx/>
-              <a:buSzTx/>
-              <a:buFont typeface="Arial" panose="020B0604020202020204" pitchFamily="34" charset="0"/>
-              <a:buChar char="•"/>
-              <a:tabLst/>
-            </a:pPr>
-            <a:r>
-              <a:rPr lang="it-IT" altLang="it-IT" b="0" i="1" cap="none" dirty="0">
-                <a:solidFill>
-                  <a:schemeClr val="bg1"/>
-                </a:solidFill>
-              </a:rPr>
-              <a:t>Codici-statistici-e-denominazioni-aggiornato-2023.xlsx </a:t>
-            </a:r>
-          </a:p>
-        </p:txBody>
-      </p:sp>
-      <p:pic>
-        <p:nvPicPr>
-          <p:cNvPr id="10" name="Immagine 9">
-            <a:extLst>
-              <a:ext uri="{FF2B5EF4-FFF2-40B4-BE49-F238E27FC236}">
-                <a16:creationId xmlns:a16="http://schemas.microsoft.com/office/drawing/2014/main" id="{3E85FA8E-E814-77BC-9CE5-C163DD2BC1B9}"/>
-              </a:ext>
-            </a:extLst>
-          </p:cNvPr>
-          <p:cNvPicPr>
-            <a:picLocks noChangeAspect="1"/>
-          </p:cNvPicPr>
-          <p:nvPr/>
-        </p:nvPicPr>
-        <p:blipFill>
-          <a:blip r:embed="rId3"/>
-          <a:stretch>
-            <a:fillRect/>
-          </a:stretch>
-        </p:blipFill>
-        <p:spPr>
-          <a:xfrm>
-            <a:off x="238094" y="2023033"/>
-            <a:ext cx="5450372" cy="2121281"/>
-          </a:xfrm>
-          <a:prstGeom prst="rect">
-            <a:avLst/>
-          </a:prstGeom>
-        </p:spPr>
-      </p:pic>
-      <p:pic>
-        <p:nvPicPr>
-          <p:cNvPr id="12" name="Immagine 11">
-            <a:extLst>
-              <a:ext uri="{FF2B5EF4-FFF2-40B4-BE49-F238E27FC236}">
-                <a16:creationId xmlns:a16="http://schemas.microsoft.com/office/drawing/2014/main" id="{8EEFC2BD-22BF-41FF-47AC-EEFEDB3B3DE3}"/>
-              </a:ext>
-            </a:extLst>
-          </p:cNvPr>
-          <p:cNvPicPr>
-            <a:picLocks noChangeAspect="1"/>
-          </p:cNvPicPr>
-          <p:nvPr/>
-        </p:nvPicPr>
-        <p:blipFill>
-          <a:blip r:embed="rId4"/>
-          <a:stretch>
-            <a:fillRect/>
-          </a:stretch>
-        </p:blipFill>
-        <p:spPr>
-          <a:xfrm>
-            <a:off x="5983171" y="1833984"/>
-            <a:ext cx="5970735" cy="2499377"/>
-          </a:xfrm>
-          <a:prstGeom prst="rect">
-            <a:avLst/>
-          </a:prstGeom>
-        </p:spPr>
-      </p:pic>
-      <p:sp>
-        <p:nvSpPr>
-          <p:cNvPr id="3" name="Pentagono 3">
-            <a:extLst>
-              <a:ext uri="{FF2B5EF4-FFF2-40B4-BE49-F238E27FC236}">
-                <a16:creationId xmlns:a16="http://schemas.microsoft.com/office/drawing/2014/main" id="{D14F9DB1-F983-0BC2-964E-1F2C9092969C}"/>
+                <a16:creationId xmlns:a16="http://schemas.microsoft.com/office/drawing/2014/main" id="{A3B02C0C-A95C-5DB0-AC4F-1E60EDC57863}"/>
               </a:ext>
             </a:extLst>
           </p:cNvPr>
@@ -21509,7 +20189,7 @@
         <p:spPr>
           <a:xfrm>
             <a:off x="0" y="0"/>
-            <a:ext cx="6096000" cy="869525"/>
+            <a:ext cx="5041900" cy="869525"/>
           </a:xfrm>
           <a:prstGeom prst="homePlate">
             <a:avLst/>
@@ -21548,15 +20228,672 @@
             <a:pPr algn="ctr"/>
             <a:r>
               <a:rPr lang="it-IT" sz="2800" dirty="0"/>
-              <a:t>Datasets</a:t>
+              <a:t>Risultati</a:t>
             </a:r>
           </a:p>
         </p:txBody>
       </p:sp>
+      <p:sp>
+        <p:nvSpPr>
+          <p:cNvPr id="4" name="CasellaDiTesto 3">
+            <a:extLst>
+              <a:ext uri="{FF2B5EF4-FFF2-40B4-BE49-F238E27FC236}">
+                <a16:creationId xmlns:a16="http://schemas.microsoft.com/office/drawing/2014/main" id="{6F8CDE49-F698-4612-B7D3-911956B404AF}"/>
+              </a:ext>
+            </a:extLst>
+          </p:cNvPr>
+          <p:cNvSpPr txBox="1"/>
+          <p:nvPr/>
+        </p:nvSpPr>
+        <p:spPr>
+          <a:xfrm>
+            <a:off x="246362" y="203929"/>
+            <a:ext cx="354584" cy="461665"/>
+          </a:xfrm>
+          <a:prstGeom prst="rect">
+            <a:avLst/>
+          </a:prstGeom>
+          <a:noFill/>
+        </p:spPr>
+        <p:txBody>
+          <a:bodyPr wrap="none" rtlCol="0">
+            <a:spAutoFit/>
+          </a:bodyPr>
+          <a:lstStyle/>
+          <a:p>
+            <a:r>
+              <a:rPr lang="en-GB" sz="2400" dirty="0"/>
+              <a:t>6</a:t>
+            </a:r>
+            <a:endParaRPr lang="it-IT" sz="2400" dirty="0"/>
+          </a:p>
+        </p:txBody>
+      </p:sp>
+      <p:sp>
+        <p:nvSpPr>
+          <p:cNvPr id="7" name="CasellaDiTesto 6">
+            <a:extLst>
+              <a:ext uri="{FF2B5EF4-FFF2-40B4-BE49-F238E27FC236}">
+                <a16:creationId xmlns:a16="http://schemas.microsoft.com/office/drawing/2014/main" id="{F7D80EFD-A20D-53C6-E98A-3DCCBC89E4A6}"/>
+              </a:ext>
+            </a:extLst>
+          </p:cNvPr>
+          <p:cNvSpPr txBox="1"/>
+          <p:nvPr/>
+        </p:nvSpPr>
+        <p:spPr>
+          <a:xfrm>
+            <a:off x="508836" y="1104632"/>
+            <a:ext cx="5041900" cy="3600986"/>
+          </a:xfrm>
+          <a:prstGeom prst="rect">
+            <a:avLst/>
+          </a:prstGeom>
+          <a:solidFill>
+            <a:schemeClr val="tx1"/>
+          </a:solidFill>
+          <a:ln w="28575">
+            <a:solidFill>
+              <a:srgbClr val="254A8E"/>
+            </a:solidFill>
+          </a:ln>
+        </p:spPr>
+        <p:txBody>
+          <a:bodyPr wrap="square" rtlCol="0">
+            <a:spAutoFit/>
+          </a:bodyPr>
+          <a:lstStyle/>
+          <a:p>
+            <a:r>
+              <a:rPr lang="it-IT" sz="1600" b="1" dirty="0">
+                <a:solidFill>
+                  <a:schemeClr val="bg1"/>
+                </a:solidFill>
+              </a:rPr>
+              <a:t>Purity score:</a:t>
+            </a:r>
+          </a:p>
+          <a:p>
+            <a:r>
+              <a:rPr lang="it-IT" sz="400" b="1" dirty="0">
+                <a:solidFill>
+                  <a:schemeClr val="bg1"/>
+                </a:solidFill>
+              </a:rPr>
+              <a:t>  </a:t>
+            </a:r>
+          </a:p>
+          <a:p>
+            <a:r>
+              <a:rPr lang="it-IT" sz="1600" dirty="0">
+                <a:solidFill>
+                  <a:schemeClr val="bg1"/>
+                </a:solidFill>
+              </a:rPr>
+              <a:t>Indica quanto i cluster contengono principalmente elementi di una singola classe</a:t>
+            </a:r>
+          </a:p>
+          <a:p>
+            <a:endParaRPr lang="it-IT" sz="1600" i="0" dirty="0">
+              <a:solidFill>
+                <a:schemeClr val="bg1"/>
+              </a:solidFill>
+              <a:highlight>
+                <a:srgbClr val="C0C0C0"/>
+              </a:highlight>
+              <a:latin typeface="+mn-lt"/>
+            </a:endParaRPr>
+          </a:p>
+          <a:p>
+            <a:endParaRPr lang="it-IT" sz="1600" dirty="0">
+              <a:solidFill>
+                <a:schemeClr val="bg1"/>
+              </a:solidFill>
+              <a:highlight>
+                <a:srgbClr val="C0C0C0"/>
+              </a:highlight>
+            </a:endParaRPr>
+          </a:p>
+          <a:p>
+            <a:endParaRPr lang="it-IT" sz="1600" i="0" dirty="0">
+              <a:solidFill>
+                <a:schemeClr val="bg1"/>
+              </a:solidFill>
+              <a:highlight>
+                <a:srgbClr val="C0C0C0"/>
+              </a:highlight>
+              <a:latin typeface="+mn-lt"/>
+            </a:endParaRPr>
+          </a:p>
+          <a:p>
+            <a:endParaRPr lang="it-IT" sz="1600" dirty="0">
+              <a:solidFill>
+                <a:schemeClr val="bg1"/>
+              </a:solidFill>
+              <a:highlight>
+                <a:srgbClr val="C0C0C0"/>
+              </a:highlight>
+            </a:endParaRPr>
+          </a:p>
+          <a:p>
+            <a:r>
+              <a:rPr lang="it-IT" sz="1600" dirty="0">
+                <a:solidFill>
+                  <a:schemeClr val="bg1"/>
+                </a:solidFill>
+              </a:rPr>
+              <a:t>Più alto è il valore, più "puri" sono i cluster.</a:t>
+            </a:r>
+            <a:endParaRPr lang="it-IT" sz="1600" i="0" dirty="0">
+              <a:solidFill>
+                <a:schemeClr val="bg1"/>
+              </a:solidFill>
+              <a:highlight>
+                <a:srgbClr val="C0C0C0"/>
+              </a:highlight>
+              <a:latin typeface="+mn-lt"/>
+            </a:endParaRPr>
+          </a:p>
+          <a:p>
+            <a:endParaRPr lang="it-IT" sz="1600" dirty="0">
+              <a:solidFill>
+                <a:schemeClr val="bg1"/>
+              </a:solidFill>
+              <a:highlight>
+                <a:srgbClr val="C0C0C0"/>
+              </a:highlight>
+            </a:endParaRPr>
+          </a:p>
+          <a:p>
+            <a:endParaRPr lang="it-IT" sz="1600" i="0" dirty="0">
+              <a:solidFill>
+                <a:schemeClr val="bg1"/>
+              </a:solidFill>
+              <a:highlight>
+                <a:srgbClr val="C0C0C0"/>
+              </a:highlight>
+              <a:latin typeface="+mn-lt"/>
+            </a:endParaRPr>
+          </a:p>
+          <a:p>
+            <a:endParaRPr lang="it-IT" sz="1600" i="0" dirty="0">
+              <a:solidFill>
+                <a:schemeClr val="bg1"/>
+              </a:solidFill>
+              <a:highlight>
+                <a:srgbClr val="C0C0C0"/>
+              </a:highlight>
+              <a:latin typeface="+mn-lt"/>
+            </a:endParaRPr>
+          </a:p>
+          <a:p>
+            <a:endParaRPr lang="it-IT" sz="1600" i="0" dirty="0">
+              <a:solidFill>
+                <a:schemeClr val="bg1"/>
+              </a:solidFill>
+              <a:highlight>
+                <a:srgbClr val="C0C0C0"/>
+              </a:highlight>
+              <a:latin typeface="+mn-lt"/>
+            </a:endParaRPr>
+          </a:p>
+        </p:txBody>
+      </p:sp>
+      <p:sp>
+        <p:nvSpPr>
+          <p:cNvPr id="8" name="CasellaDiTesto 7">
+            <a:extLst>
+              <a:ext uri="{FF2B5EF4-FFF2-40B4-BE49-F238E27FC236}">
+                <a16:creationId xmlns:a16="http://schemas.microsoft.com/office/drawing/2014/main" id="{ECFA3C5D-4B28-89A5-FC10-474FA2B49295}"/>
+              </a:ext>
+            </a:extLst>
+          </p:cNvPr>
+          <p:cNvSpPr txBox="1"/>
+          <p:nvPr/>
+        </p:nvSpPr>
+        <p:spPr>
+          <a:xfrm>
+            <a:off x="6095997" y="767999"/>
+            <a:ext cx="5587164" cy="3847207"/>
+          </a:xfrm>
+          <a:prstGeom prst="rect">
+            <a:avLst/>
+          </a:prstGeom>
+          <a:solidFill>
+            <a:schemeClr val="tx1"/>
+          </a:solidFill>
+          <a:ln w="28575">
+            <a:solidFill>
+              <a:srgbClr val="254A8E"/>
+            </a:solidFill>
+          </a:ln>
+        </p:spPr>
+        <p:txBody>
+          <a:bodyPr wrap="square" rtlCol="0">
+            <a:spAutoFit/>
+          </a:bodyPr>
+          <a:lstStyle/>
+          <a:p>
+            <a:r>
+              <a:rPr lang="it-IT" sz="1600" b="1" dirty="0">
+                <a:solidFill>
+                  <a:schemeClr val="bg2"/>
+                </a:solidFill>
+              </a:rPr>
+              <a:t>Silhouette score (normalizzato):</a:t>
+            </a:r>
+          </a:p>
+          <a:p>
+            <a:r>
+              <a:rPr lang="it-IT" sz="400" b="1" dirty="0">
+                <a:solidFill>
+                  <a:schemeClr val="bg2"/>
+                </a:solidFill>
+              </a:rPr>
+              <a:t>  </a:t>
+            </a:r>
+          </a:p>
+          <a:p>
+            <a:r>
+              <a:rPr lang="it-IT" sz="1600" dirty="0">
+                <a:solidFill>
+                  <a:schemeClr val="bg1"/>
+                </a:solidFill>
+              </a:rPr>
+              <a:t>Quantifica quanto bene ogni punto dati si trova nel proprio cluster rispetto ai punti di altri cluster.</a:t>
+            </a:r>
+          </a:p>
+          <a:p>
+            <a:endParaRPr lang="it-IT" sz="1600" dirty="0">
+              <a:solidFill>
+                <a:schemeClr val="bg1"/>
+              </a:solidFill>
+            </a:endParaRPr>
+          </a:p>
+          <a:p>
+            <a:endParaRPr lang="it-IT" sz="1600" dirty="0">
+              <a:solidFill>
+                <a:schemeClr val="bg1"/>
+              </a:solidFill>
+            </a:endParaRPr>
+          </a:p>
+          <a:p>
+            <a:endParaRPr lang="it-IT" sz="1600" dirty="0">
+              <a:solidFill>
+                <a:schemeClr val="bg1"/>
+              </a:solidFill>
+            </a:endParaRPr>
+          </a:p>
+          <a:p>
+            <a:endParaRPr lang="it-IT" sz="1600" dirty="0">
+              <a:solidFill>
+                <a:schemeClr val="bg1"/>
+              </a:solidFill>
+            </a:endParaRPr>
+          </a:p>
+          <a:p>
+            <a:endParaRPr lang="it-IT" sz="1600" dirty="0">
+              <a:solidFill>
+                <a:schemeClr val="bg1"/>
+              </a:solidFill>
+            </a:endParaRPr>
+          </a:p>
+          <a:p>
+            <a:pPr marL="285750" indent="-285750">
+              <a:buFont typeface="Arial" panose="020B0604020202020204" pitchFamily="34" charset="0"/>
+              <a:buChar char="•"/>
+            </a:pPr>
+            <a:r>
+              <a:rPr lang="it-IT" sz="1600" dirty="0">
+                <a:solidFill>
+                  <a:schemeClr val="bg1"/>
+                </a:solidFill>
+              </a:rPr>
+              <a:t>1: i punti sono ben allineati con il proprio cluster e ben separati dagli altri cluster</a:t>
+            </a:r>
+          </a:p>
+          <a:p>
+            <a:pPr marL="285750" indent="-285750">
+              <a:buFont typeface="Arial" panose="020B0604020202020204" pitchFamily="34" charset="0"/>
+              <a:buChar char="•"/>
+            </a:pPr>
+            <a:r>
+              <a:rPr lang="it-IT" sz="1600" dirty="0">
+                <a:solidFill>
+                  <a:schemeClr val="bg1"/>
+                </a:solidFill>
+              </a:rPr>
+              <a:t>0: i punti sono stati assegnati al cluster sbagliato</a:t>
+            </a:r>
+          </a:p>
+          <a:p>
+            <a:pPr marL="285750" indent="-285750">
+              <a:buFont typeface="Arial" panose="020B0604020202020204" pitchFamily="34" charset="0"/>
+              <a:buChar char="•"/>
+            </a:pPr>
+            <a:endParaRPr lang="it-IT" sz="1600" dirty="0">
+              <a:solidFill>
+                <a:schemeClr val="bg1"/>
+              </a:solidFill>
+            </a:endParaRPr>
+          </a:p>
+          <a:p>
+            <a:pPr marL="285750" indent="-285750">
+              <a:buFont typeface="Arial" panose="020B0604020202020204" pitchFamily="34" charset="0"/>
+              <a:buChar char="•"/>
+            </a:pPr>
+            <a:endParaRPr lang="it-IT" sz="1600" dirty="0">
+              <a:solidFill>
+                <a:schemeClr val="bg1"/>
+              </a:solidFill>
+            </a:endParaRPr>
+          </a:p>
+        </p:txBody>
+      </p:sp>
+      <p:sp>
+        <p:nvSpPr>
+          <p:cNvPr id="9" name="CasellaDiTesto 8">
+            <a:extLst>
+              <a:ext uri="{FF2B5EF4-FFF2-40B4-BE49-F238E27FC236}">
+                <a16:creationId xmlns:a16="http://schemas.microsoft.com/office/drawing/2014/main" id="{A2473A8D-B1FD-BC9A-F8AA-3C0CC99414E6}"/>
+              </a:ext>
+            </a:extLst>
+          </p:cNvPr>
+          <p:cNvSpPr txBox="1"/>
+          <p:nvPr/>
+        </p:nvSpPr>
+        <p:spPr>
+          <a:xfrm>
+            <a:off x="1175056" y="4312773"/>
+            <a:ext cx="9841883" cy="2185214"/>
+          </a:xfrm>
+          <a:prstGeom prst="rect">
+            <a:avLst/>
+          </a:prstGeom>
+          <a:solidFill>
+            <a:srgbClr val="254A8E"/>
+          </a:solidFill>
+          <a:ln w="28575">
+            <a:solidFill>
+              <a:srgbClr val="254A8E"/>
+            </a:solidFill>
+          </a:ln>
+        </p:spPr>
+        <p:txBody>
+          <a:bodyPr wrap="square" rtlCol="0">
+            <a:spAutoFit/>
+          </a:bodyPr>
+          <a:lstStyle/>
+          <a:p>
+            <a:pPr algn="ctr"/>
+            <a:r>
+              <a:rPr lang="it-IT" sz="1600" b="1" dirty="0"/>
+              <a:t>METRICA FINALE:</a:t>
+            </a:r>
+          </a:p>
+          <a:p>
+            <a:r>
+              <a:rPr lang="it-IT" sz="400" b="1" dirty="0">
+                <a:solidFill>
+                  <a:schemeClr val="bg1"/>
+                </a:solidFill>
+              </a:rPr>
+              <a:t>  </a:t>
+            </a:r>
+          </a:p>
+          <a:p>
+            <a:r>
+              <a:rPr lang="it-IT" sz="1600" dirty="0"/>
+              <a:t>Combina le due metriche con una penalità aggiuntiva proporzionale al numero di cluster per evitare che l'algoritmo porti all’overfitting</a:t>
+            </a:r>
+            <a:endParaRPr lang="it-IT" sz="1600" b="1" dirty="0"/>
+          </a:p>
+          <a:p>
+            <a:r>
+              <a:rPr lang="it-IT" sz="400" b="1" dirty="0"/>
+              <a:t>  </a:t>
+            </a:r>
+            <a:endParaRPr lang="it-IT" sz="1600" i="0" dirty="0">
+              <a:solidFill>
+                <a:schemeClr val="bg2"/>
+              </a:solidFill>
+              <a:highlight>
+                <a:srgbClr val="C0C0C0"/>
+              </a:highlight>
+              <a:latin typeface="+mn-lt"/>
+            </a:endParaRPr>
+          </a:p>
+          <a:p>
+            <a:endParaRPr lang="it-IT" sz="1600" dirty="0">
+              <a:solidFill>
+                <a:schemeClr val="bg2"/>
+              </a:solidFill>
+              <a:highlight>
+                <a:srgbClr val="C0C0C0"/>
+              </a:highlight>
+            </a:endParaRPr>
+          </a:p>
+          <a:p>
+            <a:endParaRPr lang="it-IT" sz="1600" i="0" dirty="0">
+              <a:solidFill>
+                <a:schemeClr val="bg2"/>
+              </a:solidFill>
+              <a:highlight>
+                <a:srgbClr val="C0C0C0"/>
+              </a:highlight>
+              <a:latin typeface="+mn-lt"/>
+            </a:endParaRPr>
+          </a:p>
+          <a:p>
+            <a:endParaRPr lang="it-IT" sz="1600" dirty="0">
+              <a:solidFill>
+                <a:schemeClr val="bg2"/>
+              </a:solidFill>
+              <a:highlight>
+                <a:srgbClr val="C0C0C0"/>
+              </a:highlight>
+            </a:endParaRPr>
+          </a:p>
+          <a:p>
+            <a:endParaRPr lang="it-IT" sz="1600" i="0" dirty="0">
+              <a:solidFill>
+                <a:schemeClr val="bg2"/>
+              </a:solidFill>
+              <a:highlight>
+                <a:srgbClr val="C0C0C0"/>
+              </a:highlight>
+              <a:latin typeface="+mn-lt"/>
+            </a:endParaRPr>
+          </a:p>
+          <a:p>
+            <a:endParaRPr lang="it-IT" sz="1600" i="0" dirty="0">
+              <a:solidFill>
+                <a:schemeClr val="bg2"/>
+              </a:solidFill>
+              <a:highlight>
+                <a:srgbClr val="C0C0C0"/>
+              </a:highlight>
+              <a:latin typeface="+mn-lt"/>
+            </a:endParaRPr>
+          </a:p>
+        </p:txBody>
+      </p:sp>
+      <p:pic>
+        <p:nvPicPr>
+          <p:cNvPr id="11" name="Immagine 10">
+            <a:extLst>
+              <a:ext uri="{FF2B5EF4-FFF2-40B4-BE49-F238E27FC236}">
+                <a16:creationId xmlns:a16="http://schemas.microsoft.com/office/drawing/2014/main" id="{944A2420-8644-48C8-C287-B9057875B1ED}"/>
+              </a:ext>
+            </a:extLst>
+          </p:cNvPr>
+          <p:cNvPicPr>
+            <a:picLocks noChangeAspect="1"/>
+          </p:cNvPicPr>
+          <p:nvPr/>
+        </p:nvPicPr>
+        <p:blipFill>
+          <a:blip r:embed="rId3"/>
+          <a:stretch>
+            <a:fillRect/>
+          </a:stretch>
+        </p:blipFill>
+        <p:spPr>
+          <a:xfrm>
+            <a:off x="1296294" y="2097909"/>
+            <a:ext cx="3371959" cy="855572"/>
+          </a:xfrm>
+          <a:prstGeom prst="rect">
+            <a:avLst/>
+          </a:prstGeom>
+        </p:spPr>
+      </p:pic>
+      <p:sp>
+        <p:nvSpPr>
+          <p:cNvPr id="15" name="CasellaDiTesto 14">
+            <a:extLst>
+              <a:ext uri="{FF2B5EF4-FFF2-40B4-BE49-F238E27FC236}">
+                <a16:creationId xmlns:a16="http://schemas.microsoft.com/office/drawing/2014/main" id="{2207B795-906E-F4EF-6FA5-C82ED4ECBC1E}"/>
+              </a:ext>
+            </a:extLst>
+          </p:cNvPr>
+          <p:cNvSpPr txBox="1"/>
+          <p:nvPr/>
+        </p:nvSpPr>
+        <p:spPr>
+          <a:xfrm>
+            <a:off x="7751800" y="160442"/>
+            <a:ext cx="6096000" cy="461665"/>
+          </a:xfrm>
+          <a:prstGeom prst="rect">
+            <a:avLst/>
+          </a:prstGeom>
+          <a:noFill/>
+        </p:spPr>
+        <p:txBody>
+          <a:bodyPr wrap="square">
+            <a:spAutoFit/>
+          </a:bodyPr>
+          <a:lstStyle/>
+          <a:p>
+            <a:r>
+              <a:rPr lang="it-IT" sz="2400" b="1" dirty="0">
+                <a:solidFill>
+                  <a:schemeClr val="bg2"/>
+                </a:solidFill>
+              </a:rPr>
+              <a:t>METRICHE:</a:t>
+            </a:r>
+            <a:r>
+              <a:rPr lang="it-IT" sz="2000" b="1" dirty="0">
+                <a:solidFill>
+                  <a:schemeClr val="bg2"/>
+                </a:solidFill>
+              </a:rPr>
+              <a:t>	</a:t>
+            </a:r>
+            <a:endParaRPr lang="it-IT" sz="2400" b="1" dirty="0">
+              <a:solidFill>
+                <a:schemeClr val="bg2"/>
+              </a:solidFill>
+            </a:endParaRPr>
+          </a:p>
+        </p:txBody>
+      </p:sp>
+      <p:pic>
+        <p:nvPicPr>
+          <p:cNvPr id="17" name="Immagine 16">
+            <a:extLst>
+              <a:ext uri="{FF2B5EF4-FFF2-40B4-BE49-F238E27FC236}">
+                <a16:creationId xmlns:a16="http://schemas.microsoft.com/office/drawing/2014/main" id="{82E44164-261C-13DC-02FD-756B7A48FAEC}"/>
+              </a:ext>
+            </a:extLst>
+          </p:cNvPr>
+          <p:cNvPicPr>
+            <a:picLocks noChangeAspect="1"/>
+          </p:cNvPicPr>
+          <p:nvPr/>
+        </p:nvPicPr>
+        <p:blipFill>
+          <a:blip r:embed="rId4"/>
+          <a:stretch>
+            <a:fillRect/>
+          </a:stretch>
+        </p:blipFill>
+        <p:spPr>
+          <a:xfrm>
+            <a:off x="6874724" y="1698101"/>
+            <a:ext cx="4023877" cy="799616"/>
+          </a:xfrm>
+          <a:prstGeom prst="rect">
+            <a:avLst/>
+          </a:prstGeom>
+        </p:spPr>
+      </p:pic>
+      <p:pic>
+        <p:nvPicPr>
+          <p:cNvPr id="13" name="Immagine 12">
+            <a:extLst>
+              <a:ext uri="{FF2B5EF4-FFF2-40B4-BE49-F238E27FC236}">
+                <a16:creationId xmlns:a16="http://schemas.microsoft.com/office/drawing/2014/main" id="{A92E159F-64BC-E9FA-A867-5602E2EEAA40}"/>
+              </a:ext>
+            </a:extLst>
+          </p:cNvPr>
+          <p:cNvPicPr>
+            <a:picLocks noChangeAspect="1"/>
+          </p:cNvPicPr>
+          <p:nvPr/>
+        </p:nvPicPr>
+        <p:blipFill>
+          <a:blip r:embed="rId5"/>
+          <a:stretch>
+            <a:fillRect/>
+          </a:stretch>
+        </p:blipFill>
+        <p:spPr>
+          <a:xfrm>
+            <a:off x="6874724" y="2293633"/>
+            <a:ext cx="2552268" cy="647783"/>
+          </a:xfrm>
+          <a:prstGeom prst="rect">
+            <a:avLst/>
+          </a:prstGeom>
+        </p:spPr>
+      </p:pic>
+      <p:pic>
+        <p:nvPicPr>
+          <p:cNvPr id="19" name="Immagine 18">
+            <a:extLst>
+              <a:ext uri="{FF2B5EF4-FFF2-40B4-BE49-F238E27FC236}">
+                <a16:creationId xmlns:a16="http://schemas.microsoft.com/office/drawing/2014/main" id="{ABCAE029-428E-42DC-2785-63C0AA9A21C2}"/>
+              </a:ext>
+            </a:extLst>
+          </p:cNvPr>
+          <p:cNvPicPr>
+            <a:picLocks noChangeAspect="1"/>
+          </p:cNvPicPr>
+          <p:nvPr/>
+        </p:nvPicPr>
+        <p:blipFill>
+          <a:blip r:embed="rId6"/>
+          <a:stretch>
+            <a:fillRect/>
+          </a:stretch>
+        </p:blipFill>
+        <p:spPr>
+          <a:xfrm>
+            <a:off x="1522111" y="5294852"/>
+            <a:ext cx="9147775" cy="846372"/>
+          </a:xfrm>
+          <a:prstGeom prst="rect">
+            <a:avLst/>
+          </a:prstGeom>
+        </p:spPr>
+      </p:pic>
     </p:spTree>
     <p:extLst>
       <p:ext uri="{BB962C8B-B14F-4D97-AF65-F5344CB8AC3E}">
-        <p14:creationId xmlns:p14="http://schemas.microsoft.com/office/powerpoint/2010/main" val="867228327"/>
+        <p14:creationId xmlns:p14="http://schemas.microsoft.com/office/powerpoint/2010/main" val="95372628"/>
       </p:ext>
     </p:extLst>
   </p:cSld>

--- a/myLib/Presentazione_proggetto_FIA.pptx
+++ b/myLib/Presentazione_proggetto_FIA.pptx
@@ -17774,8 +17774,8 @@
         </p:blipFill>
         <p:spPr>
           <a:xfrm>
-            <a:off x="1094069" y="2796844"/>
-            <a:ext cx="4279782" cy="3876338"/>
+            <a:off x="1094069" y="3032436"/>
+            <a:ext cx="4279782" cy="3153764"/>
           </a:xfrm>
           <a:prstGeom prst="rect">
             <a:avLst/>
@@ -18053,7 +18053,7 @@
         <p:spPr>
           <a:xfrm flipH="1">
             <a:off x="3233960" y="2248683"/>
-            <a:ext cx="1" cy="548161"/>
+            <a:ext cx="1" cy="783753"/>
           </a:xfrm>
           <a:prstGeom prst="line">
             <a:avLst/>

--- a/myLib/Presentazione_proggetto_FIA.pptx
+++ b/myLib/Presentazione_proggetto_FIA.pptx
@@ -13736,7 +13736,7 @@
         </p:nvSpPr>
         <p:spPr>
           <a:xfrm>
-            <a:off x="490690" y="2785229"/>
+            <a:off x="560858" y="2791493"/>
             <a:ext cx="1830950" cy="369332"/>
           </a:xfrm>
           <a:prstGeom prst="rect">
@@ -16566,14 +16566,14 @@
           <p:nvPr>
             <p:extLst>
               <p:ext uri="{D42A27DB-BD31-4B8C-83A1-F6EECF244321}">
-                <p14:modId xmlns:p14="http://schemas.microsoft.com/office/powerpoint/2010/main" val="2056671914"/>
+                <p14:modId xmlns:p14="http://schemas.microsoft.com/office/powerpoint/2010/main" val="2778297777"/>
               </p:ext>
             </p:extLst>
           </p:nvPr>
         </p:nvGraphicFramePr>
         <p:xfrm>
-          <a:off x="1150913" y="3585582"/>
-          <a:ext cx="3291974" cy="2372450"/>
+          <a:off x="1011967" y="3525424"/>
+          <a:ext cx="3415071" cy="2460286"/>
         </p:xfrm>
         <a:graphic>
           <a:graphicData uri="http://schemas.openxmlformats.org/drawingml/2006/table">
@@ -16582,14 +16582,14 @@
                 <a:tableStyleId>{5C22544A-7EE6-4342-B048-85BDC9FD1C3A}</a:tableStyleId>
               </a:tblPr>
               <a:tblGrid>
-                <a:gridCol w="1702483">
+                <a:gridCol w="1766144">
                   <a:extLst>
                     <a:ext uri="{9D8B030D-6E8A-4147-A177-3AD203B41FA5}">
                       <a16:colId xmlns:a16="http://schemas.microsoft.com/office/drawing/2014/main" val="1764006265"/>
                     </a:ext>
                   </a:extLst>
                 </a:gridCol>
-                <a:gridCol w="1589491">
+                <a:gridCol w="1648927">
                   <a:extLst>
                     <a:ext uri="{9D8B030D-6E8A-4147-A177-3AD203B41FA5}">
                       <a16:colId xmlns:a16="http://schemas.microsoft.com/office/drawing/2014/main" val="2028457956"/>
@@ -16597,7 +16597,7 @@
                   </a:extLst>
                 </a:gridCol>
               </a:tblGrid>
-              <a:tr h="534840">
+              <a:tr h="554642">
                 <a:tc>
                   <a:txBody>
                     <a:bodyPr/>
@@ -16605,8 +16605,49 @@
                     <a:p>
                       <a:pPr algn="ctr"/>
                       <a:r>
-                        <a:rPr lang="en-GB" sz="1400" dirty="0" err="1"/>
+                        <a:rPr lang="en-GB" sz="1600" dirty="0" err="1"/>
                         <a:t>Metrica</a:t>
+                      </a:r>
+                      <a:r>
+                        <a:rPr lang="en-GB" sz="1600" dirty="0"/>
+                        <a:t> Media</a:t>
+                      </a:r>
+                      <a:endParaRPr lang="it-IT" sz="1600" dirty="0"/>
+                    </a:p>
+                  </a:txBody>
+                  <a:tcPr anchor="ctr"/>
+                </a:tc>
+                <a:tc>
+                  <a:txBody>
+                    <a:bodyPr/>
+                    <a:lstStyle/>
+                    <a:p>
+                      <a:pPr algn="ctr"/>
+                      <a:r>
+                        <a:rPr lang="en-GB" sz="1600" dirty="0"/>
+                        <a:t>Valore Medio</a:t>
+                      </a:r>
+                      <a:endParaRPr lang="it-IT" sz="1600" dirty="0"/>
+                    </a:p>
+                  </a:txBody>
+                  <a:tcPr anchor="ctr"/>
+                </a:tc>
+                <a:extLst>
+                  <a:ext uri="{0D108BD9-81ED-4DB2-BD59-A6C34878D82A}">
+                    <a16:rowId xmlns:a16="http://schemas.microsoft.com/office/drawing/2014/main" val="1364915199"/>
+                  </a:ext>
+                </a:extLst>
+              </a:tr>
+              <a:tr h="623510">
+                <a:tc>
+                  <a:txBody>
+                    <a:bodyPr/>
+                    <a:lstStyle/>
+                    <a:p>
+                      <a:pPr algn="ctr"/>
+                      <a:r>
+                        <a:rPr lang="en-GB" sz="1400" dirty="0"/>
+                        <a:t>Purity</a:t>
                       </a:r>
                       <a:endParaRPr lang="it-IT" sz="1400" dirty="0"/>
                     </a:p>
@@ -16620,44 +16661,7 @@
                     <a:p>
                       <a:pPr algn="ctr"/>
                       <a:r>
-                        <a:rPr lang="en-GB" sz="1400" dirty="0"/>
-                        <a:t>Valore</a:t>
-                      </a:r>
-                      <a:endParaRPr lang="it-IT" sz="1400" dirty="0"/>
-                    </a:p>
-                  </a:txBody>
-                  <a:tcPr anchor="ctr"/>
-                </a:tc>
-                <a:extLst>
-                  <a:ext uri="{0D108BD9-81ED-4DB2-BD59-A6C34878D82A}">
-                    <a16:rowId xmlns:a16="http://schemas.microsoft.com/office/drawing/2014/main" val="1364915199"/>
-                  </a:ext>
-                </a:extLst>
-              </a:tr>
-              <a:tr h="601250">
-                <a:tc>
-                  <a:txBody>
-                    <a:bodyPr/>
-                    <a:lstStyle/>
-                    <a:p>
-                      <a:pPr algn="ctr"/>
-                      <a:r>
-                        <a:rPr lang="en-GB" sz="1200" dirty="0"/>
-                        <a:t>Purity Media</a:t>
-                      </a:r>
-                      <a:endParaRPr lang="it-IT" sz="1200" dirty="0"/>
-                    </a:p>
-                  </a:txBody>
-                  <a:tcPr anchor="ctr"/>
-                </a:tc>
-                <a:tc>
-                  <a:txBody>
-                    <a:bodyPr/>
-                    <a:lstStyle/>
-                    <a:p>
-                      <a:pPr algn="ctr"/>
-                      <a:r>
-                        <a:rPr lang="it-IT" sz="1200" dirty="0"/>
+                        <a:rPr lang="it-IT" sz="1400" dirty="0"/>
                         <a:t>0.845771</a:t>
                       </a:r>
                     </a:p>
@@ -16670,7 +16674,7 @@
                   </a:ext>
                 </a:extLst>
               </a:tr>
-              <a:tr h="618180">
+              <a:tr h="641067">
                 <a:tc>
                   <a:txBody>
                     <a:bodyPr/>
@@ -16678,10 +16682,10 @@
                     <a:p>
                       <a:pPr algn="ctr"/>
                       <a:r>
-                        <a:rPr lang="en-GB" sz="1200" dirty="0"/>
-                        <a:t>Silhouette Media</a:t>
+                        <a:rPr lang="en-GB" sz="1400" dirty="0"/>
+                        <a:t>Silhouette</a:t>
                       </a:r>
-                      <a:endParaRPr lang="it-IT" sz="1200" dirty="0"/>
+                      <a:endParaRPr lang="it-IT" sz="1400" dirty="0"/>
                     </a:p>
                   </a:txBody>
                   <a:tcPr anchor="ctr"/>
@@ -16693,7 +16697,7 @@
                     <a:p>
                       <a:pPr algn="ctr"/>
                       <a:r>
-                        <a:rPr lang="it-IT" sz="1200" dirty="0"/>
+                        <a:rPr lang="it-IT" sz="1400" dirty="0"/>
                         <a:t>0.678832</a:t>
                       </a:r>
                     </a:p>
@@ -16706,7 +16710,7 @@
                   </a:ext>
                 </a:extLst>
               </a:tr>
-              <a:tr h="618180">
+              <a:tr h="641067">
                 <a:tc>
                   <a:txBody>
                     <a:bodyPr/>
@@ -16714,14 +16718,14 @@
                     <a:p>
                       <a:pPr algn="ctr"/>
                       <a:r>
-                        <a:rPr lang="en-GB" sz="1200" dirty="0" err="1"/>
+                        <a:rPr lang="en-GB" sz="1400" dirty="0" err="1"/>
                         <a:t>Metrica</a:t>
                       </a:r>
                       <a:r>
-                        <a:rPr lang="en-GB" sz="1200" dirty="0"/>
-                        <a:t> Finale Media</a:t>
+                        <a:rPr lang="en-GB" sz="1400" dirty="0"/>
+                        <a:t> Finale</a:t>
                       </a:r>
-                      <a:endParaRPr lang="it-IT" sz="1200" dirty="0"/>
+                      <a:endParaRPr lang="it-IT" sz="1400" dirty="0"/>
                     </a:p>
                   </a:txBody>
                   <a:tcPr anchor="ctr"/>
@@ -16733,7 +16737,7 @@
                     <a:p>
                       <a:pPr algn="ctr"/>
                       <a:r>
-                        <a:rPr lang="it-IT" sz="1200" dirty="0"/>
+                        <a:rPr lang="it-IT" sz="1400" dirty="0"/>
                         <a:t>0.562302</a:t>
                       </a:r>
                     </a:p>
@@ -16765,14 +16769,14 @@
           <p:nvPr>
             <p:extLst>
               <p:ext uri="{D42A27DB-BD31-4B8C-83A1-F6EECF244321}">
-                <p14:modId xmlns:p14="http://schemas.microsoft.com/office/powerpoint/2010/main" val="947559491"/>
+                <p14:modId xmlns:p14="http://schemas.microsoft.com/office/powerpoint/2010/main" val="1918878069"/>
               </p:ext>
             </p:extLst>
           </p:nvPr>
         </p:nvGraphicFramePr>
         <p:xfrm>
-          <a:off x="7764961" y="3727814"/>
-          <a:ext cx="3291974" cy="2087985"/>
+          <a:off x="7509018" y="3506370"/>
+          <a:ext cx="3415071" cy="2479341"/>
         </p:xfrm>
         <a:graphic>
           <a:graphicData uri="http://schemas.openxmlformats.org/drawingml/2006/table">
@@ -16781,14 +16785,14 @@
                 <a:tableStyleId>{5C22544A-7EE6-4342-B048-85BDC9FD1C3A}</a:tableStyleId>
               </a:tblPr>
               <a:tblGrid>
-                <a:gridCol w="1702483">
+                <a:gridCol w="1766144">
                   <a:extLst>
                     <a:ext uri="{9D8B030D-6E8A-4147-A177-3AD203B41FA5}">
                       <a16:colId xmlns:a16="http://schemas.microsoft.com/office/drawing/2014/main" val="1764006265"/>
                     </a:ext>
                   </a:extLst>
                 </a:gridCol>
-                <a:gridCol w="1589491">
+                <a:gridCol w="1648927">
                   <a:extLst>
                     <a:ext uri="{9D8B030D-6E8A-4147-A177-3AD203B41FA5}">
                       <a16:colId xmlns:a16="http://schemas.microsoft.com/office/drawing/2014/main" val="2028457956"/>
@@ -16796,7 +16800,7 @@
                   </a:extLst>
                 </a:gridCol>
               </a:tblGrid>
-              <a:tr h="470711">
+              <a:tr h="558938">
                 <a:tc>
                   <a:txBody>
                     <a:bodyPr/>
@@ -16804,8 +16808,45 @@
                     <a:p>
                       <a:pPr algn="ctr"/>
                       <a:r>
-                        <a:rPr lang="en-GB" sz="1400" dirty="0" err="1"/>
+                        <a:rPr lang="en-GB" sz="1600" dirty="0" err="1"/>
                         <a:t>Metrica</a:t>
+                      </a:r>
+                      <a:endParaRPr lang="it-IT" sz="1600" dirty="0"/>
+                    </a:p>
+                  </a:txBody>
+                  <a:tcPr anchor="ctr"/>
+                </a:tc>
+                <a:tc>
+                  <a:txBody>
+                    <a:bodyPr/>
+                    <a:lstStyle/>
+                    <a:p>
+                      <a:pPr algn="ctr"/>
+                      <a:r>
+                        <a:rPr lang="en-GB" sz="1600" dirty="0"/>
+                        <a:t>Valore</a:t>
+                      </a:r>
+                      <a:endParaRPr lang="it-IT" sz="1600" dirty="0"/>
+                    </a:p>
+                  </a:txBody>
+                  <a:tcPr anchor="ctr"/>
+                </a:tc>
+                <a:extLst>
+                  <a:ext uri="{0D108BD9-81ED-4DB2-BD59-A6C34878D82A}">
+                    <a16:rowId xmlns:a16="http://schemas.microsoft.com/office/drawing/2014/main" val="1364915199"/>
+                  </a:ext>
+                </a:extLst>
+              </a:tr>
+              <a:tr h="628339">
+                <a:tc>
+                  <a:txBody>
+                    <a:bodyPr/>
+                    <a:lstStyle/>
+                    <a:p>
+                      <a:pPr algn="ctr"/>
+                      <a:r>
+                        <a:rPr lang="en-GB" sz="1400" dirty="0"/>
+                        <a:t>Purity</a:t>
                       </a:r>
                       <a:endParaRPr lang="it-IT" sz="1400" dirty="0"/>
                     </a:p>
@@ -16819,44 +16860,7 @@
                     <a:p>
                       <a:pPr algn="ctr"/>
                       <a:r>
-                        <a:rPr lang="en-GB" sz="1400" dirty="0"/>
-                        <a:t>Valore</a:t>
-                      </a:r>
-                      <a:endParaRPr lang="it-IT" sz="1400" dirty="0"/>
-                    </a:p>
-                  </a:txBody>
-                  <a:tcPr anchor="ctr"/>
-                </a:tc>
-                <a:extLst>
-                  <a:ext uri="{0D108BD9-81ED-4DB2-BD59-A6C34878D82A}">
-                    <a16:rowId xmlns:a16="http://schemas.microsoft.com/office/drawing/2014/main" val="1364915199"/>
-                  </a:ext>
-                </a:extLst>
-              </a:tr>
-              <a:tr h="529158">
-                <a:tc>
-                  <a:txBody>
-                    <a:bodyPr/>
-                    <a:lstStyle/>
-                    <a:p>
-                      <a:pPr algn="ctr"/>
-                      <a:r>
-                        <a:rPr lang="en-GB" sz="1200" dirty="0"/>
-                        <a:t>Purity</a:t>
-                      </a:r>
-                      <a:endParaRPr lang="it-IT" sz="1200" dirty="0"/>
-                    </a:p>
-                  </a:txBody>
-                  <a:tcPr anchor="ctr"/>
-                </a:tc>
-                <a:tc>
-                  <a:txBody>
-                    <a:bodyPr/>
-                    <a:lstStyle/>
-                    <a:p>
-                      <a:pPr algn="ctr"/>
-                      <a:r>
-                        <a:rPr lang="it-IT" sz="1200" dirty="0"/>
+                        <a:rPr lang="it-IT" sz="1400" dirty="0"/>
                         <a:t>0.87686</a:t>
                       </a:r>
                     </a:p>
@@ -16869,7 +16873,7 @@
                   </a:ext>
                 </a:extLst>
               </a:tr>
-              <a:tr h="544058">
+              <a:tr h="646032">
                 <a:tc>
                   <a:txBody>
                     <a:bodyPr/>
@@ -16877,10 +16881,10 @@
                     <a:p>
                       <a:pPr algn="ctr"/>
                       <a:r>
-                        <a:rPr lang="en-GB" sz="1200" dirty="0"/>
+                        <a:rPr lang="en-GB" sz="1400" dirty="0"/>
                         <a:t>Silhouette</a:t>
                       </a:r>
-                      <a:endParaRPr lang="it-IT" sz="1200" dirty="0"/>
+                      <a:endParaRPr lang="it-IT" sz="1400" dirty="0"/>
                     </a:p>
                   </a:txBody>
                   <a:tcPr anchor="ctr"/>
@@ -16892,7 +16896,7 @@
                     <a:p>
                       <a:pPr algn="ctr"/>
                       <a:r>
-                        <a:rPr lang="it-IT" sz="1200" dirty="0"/>
+                        <a:rPr lang="it-IT" sz="1400" dirty="0"/>
                         <a:t>0.73871</a:t>
                       </a:r>
                     </a:p>
@@ -16905,7 +16909,7 @@
                   </a:ext>
                 </a:extLst>
               </a:tr>
-              <a:tr h="544058">
+              <a:tr h="646032">
                 <a:tc>
                   <a:txBody>
                     <a:bodyPr/>
@@ -16913,14 +16917,14 @@
                     <a:p>
                       <a:pPr algn="ctr"/>
                       <a:r>
-                        <a:rPr lang="en-GB" sz="1200" dirty="0" err="1"/>
+                        <a:rPr lang="en-GB" sz="1400" dirty="0" err="1"/>
                         <a:t>Metrica</a:t>
                       </a:r>
                       <a:r>
-                        <a:rPr lang="en-GB" sz="1200" dirty="0"/>
+                        <a:rPr lang="en-GB" sz="1400" dirty="0"/>
                         <a:t> Finale</a:t>
                       </a:r>
-                      <a:endParaRPr lang="it-IT" sz="1200" dirty="0"/>
+                      <a:endParaRPr lang="it-IT" sz="1400" dirty="0"/>
                     </a:p>
                   </a:txBody>
                   <a:tcPr anchor="ctr"/>
@@ -16932,7 +16936,7 @@
                     <a:p>
                       <a:pPr algn="ctr"/>
                       <a:r>
-                        <a:rPr lang="it-IT" sz="1200" dirty="0"/>
+                        <a:rPr lang="it-IT" sz="1400" dirty="0"/>
                         <a:t>0.60778</a:t>
                       </a:r>
                     </a:p>
@@ -17487,7 +17491,7 @@
                   <a:schemeClr val="bg1"/>
                 </a:solidFill>
               </a:rPr>
-              <a:t>cluster 1 e 2 </a:t>
+              <a:t>cluster 2 e 3 </a:t>
             </a:r>
             <a:r>
               <a:rPr lang="it-IT" sz="1200" dirty="0">
@@ -17973,7 +17977,7 @@
                   <a:schemeClr val="bg1"/>
                 </a:solidFill>
               </a:rPr>
-              <a:t>Donne e uomini presenta una distribuzione relativamente simile in quasi tutti i tipi di incremento. Le donne sono leggermente più </a:t>
+              <a:t>Donne e uomini presentano una distribuzione relativamente simile in quasi tutti i tipi di incremento. Le donne sono leggermente più </a:t>
             </a:r>
             <a:r>
               <a:rPr lang="it-IT" sz="1200" dirty="0" err="1">
@@ -18408,7 +18412,15 @@
                   <a:schemeClr val="bg1"/>
                 </a:solidFill>
               </a:rPr>
-              <a:t> è predominante nell'</a:t>
+              <a:t> è predominante nel </a:t>
+            </a:r>
+            <a:r>
+              <a:rPr lang="it-IT" sz="1200" b="1" dirty="0" err="1">
+                <a:solidFill>
+                  <a:schemeClr val="bg1"/>
+                </a:solidFill>
+              </a:rPr>
+              <a:t>high_increment</a:t>
             </a:r>
             <a:r>
               <a:rPr lang="it-IT" sz="1200" b="1" dirty="0">
@@ -18419,12 +18431,44 @@
               <a:t> </a:t>
             </a:r>
             <a:r>
+              <a:rPr lang="it-IT" sz="1200" dirty="0">
+                <a:solidFill>
+                  <a:schemeClr val="bg1"/>
+                </a:solidFill>
+              </a:rPr>
+              <a:t>professionisti quali psicologi, logopedisti, infermiere e fisioterapisti.     Il </a:t>
+            </a:r>
+            <a:r>
+              <a:rPr lang="it-IT" sz="1200" b="1" dirty="0">
+                <a:solidFill>
+                  <a:schemeClr val="bg1"/>
+                </a:solidFill>
+              </a:rPr>
+              <a:t>cluster 2</a:t>
+            </a:r>
+            <a:r>
+              <a:rPr lang="it-IT" sz="1200" dirty="0">
+                <a:solidFill>
+                  <a:schemeClr val="bg1"/>
+                </a:solidFill>
+              </a:rPr>
+              <a:t> è dominante nel </a:t>
+            </a:r>
+            <a:r>
               <a:rPr lang="it-IT" sz="1200" b="1" dirty="0" err="1">
                 <a:solidFill>
                   <a:schemeClr val="bg1"/>
                 </a:solidFill>
               </a:rPr>
-              <a:t>high_increment</a:t>
+              <a:t>low_increment</a:t>
+            </a:r>
+            <a:r>
+              <a:rPr lang="it-IT" sz="1200" dirty="0">
+                <a:solidFill>
+                  <a:schemeClr val="bg1"/>
+                </a:solidFill>
+              </a:rPr>
+              <a:t>, particolarmente per professioni come l'infermiere e il dietista.</a:t>
             </a:r>
             <a:r>
               <a:rPr lang="it-IT" sz="1200" b="1" dirty="0">
@@ -18432,15 +18476,49 @@
                   <a:schemeClr val="bg1"/>
                 </a:solidFill>
               </a:rPr>
+              <a:t>       </a:t>
+            </a:r>
+          </a:p>
+          <a:p>
+            <a:r>
+              <a:rPr lang="it-IT" sz="1200" dirty="0">
+                <a:solidFill>
+                  <a:schemeClr val="bg1"/>
+                </a:solidFill>
+              </a:rPr>
+              <a:t>Nel</a:t>
+            </a:r>
+            <a:r>
+              <a:rPr lang="it-IT" sz="1200" b="1" dirty="0">
+                <a:solidFill>
+                  <a:schemeClr val="bg1"/>
+                </a:solidFill>
+              </a:rPr>
               <a:t> </a:t>
             </a:r>
             <a:r>
+              <a:rPr lang="it-IT" sz="1200" b="1" dirty="0" err="1">
+                <a:solidFill>
+                  <a:schemeClr val="bg1"/>
+                </a:solidFill>
+              </a:rPr>
+              <a:t>medium_increment</a:t>
+            </a:r>
+            <a:r>
+              <a:rPr lang="it-IT" sz="1200" b="1" dirty="0">
+                <a:solidFill>
+                  <a:schemeClr val="bg1"/>
+                </a:solidFill>
+              </a:rPr>
+              <a:t> </a:t>
+            </a:r>
+            <a:r>
               <a:rPr lang="it-IT" sz="1200" dirty="0">
                 <a:solidFill>
                   <a:schemeClr val="bg1"/>
                 </a:solidFill>
               </a:rPr>
-              <a:t>professionisti quali psicologi, logopedisti, infermiere e fisioterapisti.     Il </a:t>
+              <a:t>c'è una predominanza del </a:t>
             </a:r>
             <a:r>
               <a:rPr lang="it-IT" sz="1200" b="1" dirty="0">
@@ -18448,7 +18526,7 @@
                   <a:schemeClr val="bg1"/>
                 </a:solidFill>
               </a:rPr>
-              <a:t>cluster 2</a:t>
+              <a:t>cluster 3, </a:t>
             </a:r>
             <a:r>
               <a:rPr lang="it-IT" sz="1200" dirty="0">
@@ -18456,111 +18534,7 @@
                   <a:schemeClr val="bg1"/>
                 </a:solidFill>
               </a:rPr>
-              <a:t> è dominante nell'</a:t>
-            </a:r>
-            <a:r>
-              <a:rPr lang="it-IT" sz="1200" b="1" dirty="0">
-                <a:solidFill>
-                  <a:schemeClr val="bg1"/>
-                </a:solidFill>
-              </a:rPr>
-              <a:t> </a:t>
-            </a:r>
-            <a:r>
-              <a:rPr lang="it-IT" sz="1200" b="1" dirty="0" err="1">
-                <a:solidFill>
-                  <a:schemeClr val="bg1"/>
-                </a:solidFill>
-              </a:rPr>
-              <a:t>low_increment</a:t>
-            </a:r>
-            <a:r>
-              <a:rPr lang="it-IT" sz="1200" dirty="0">
-                <a:solidFill>
-                  <a:schemeClr val="bg1"/>
-                </a:solidFill>
-              </a:rPr>
-              <a:t>, particolarmente per professioni come l'</a:t>
-            </a:r>
-            <a:r>
-              <a:rPr lang="it-IT" sz="1200" b="1" dirty="0">
-                <a:solidFill>
-                  <a:schemeClr val="bg1"/>
-                </a:solidFill>
-              </a:rPr>
-              <a:t>infermiere</a:t>
-            </a:r>
-            <a:r>
-              <a:rPr lang="it-IT" sz="1200" dirty="0">
-                <a:solidFill>
-                  <a:schemeClr val="bg1"/>
-                </a:solidFill>
-              </a:rPr>
-              <a:t> e il </a:t>
-            </a:r>
-            <a:r>
-              <a:rPr lang="it-IT" sz="1200" b="1" dirty="0">
-                <a:solidFill>
-                  <a:schemeClr val="bg1"/>
-                </a:solidFill>
-              </a:rPr>
-              <a:t>dietista.              </a:t>
-            </a:r>
-            <a:r>
-              <a:rPr lang="it-IT" sz="1200" dirty="0">
-                <a:solidFill>
-                  <a:schemeClr val="bg1"/>
-                </a:solidFill>
-              </a:rPr>
-              <a:t>Nel</a:t>
-            </a:r>
-            <a:r>
-              <a:rPr lang="it-IT" sz="1200" b="1" dirty="0">
-                <a:solidFill>
-                  <a:schemeClr val="bg1"/>
-                </a:solidFill>
-              </a:rPr>
-              <a:t> </a:t>
-            </a:r>
-            <a:r>
-              <a:rPr lang="it-IT" sz="1200" b="1" dirty="0" err="1">
-                <a:solidFill>
-                  <a:schemeClr val="bg1"/>
-                </a:solidFill>
-              </a:rPr>
-              <a:t>medium_increment</a:t>
-            </a:r>
-            <a:r>
-              <a:rPr lang="it-IT" sz="1200" b="1" dirty="0">
-                <a:solidFill>
-                  <a:schemeClr val="bg1"/>
-                </a:solidFill>
-              </a:rPr>
-              <a:t> </a:t>
-            </a:r>
-            <a:r>
-              <a:rPr lang="it-IT" sz="1200" dirty="0">
-                <a:solidFill>
-                  <a:schemeClr val="bg1"/>
-                </a:solidFill>
-              </a:rPr>
-              <a:t>c'è una predominanza del </a:t>
-            </a:r>
-            <a:r>
-              <a:rPr lang="it-IT" sz="1200" b="1" dirty="0">
-                <a:solidFill>
-                  <a:schemeClr val="bg1"/>
-                </a:solidFill>
-              </a:rPr>
-              <a:t>cluster 3, </a:t>
-            </a:r>
-            <a:r>
-              <a:rPr lang="it-IT" sz="1200" dirty="0">
-                <a:solidFill>
-                  <a:schemeClr val="bg1"/>
-                </a:solidFill>
-              </a:rPr>
-              <a:t>con i professionisti come gli infermiere, fisioterapisti e psicologi </a:t>
+              <a:t>con i professionisti come gli infermiere, fisioterapisti e psicologi. </a:t>
             </a:r>
           </a:p>
         </p:txBody>
